--- a/3_make comparision graphs/ggplot2_plot.pptx
+++ b/3_make comparision graphs/ggplot2_plot.pptx
@@ -9,8 +9,6 @@
     <p:sldId id="257" r:id="rId7"/>
     <p:sldId id="258" r:id="rId8"/>
     <p:sldId id="259" r:id="rId9"/>
-    <p:sldId id="260" r:id="rId10"/>
-    <p:sldId id="261" r:id="rId11"/>
   </p:sldIdLst>
   <p:sldSz cx="15087600" cy="10698163"/>
   <p:notesSz cx="6858000" cy="9144000"/>
@@ -3292,7 +3290,7 @@
                     <a:pt x="0" y="2917170"/>
                   </a:lnTo>
                   <a:lnTo>
-                    <a:pt x="206868" y="1944780"/>
+                    <a:pt x="220717" y="1944780"/>
                   </a:lnTo>
                   <a:lnTo>
                     <a:pt x="283453" y="972390"/>
@@ -3484,12 +3482,12 @@
           <p:spPr>
             <a:xfrm>
               <a:off x="6068374" y="2779025"/>
-              <a:ext cx="579115" cy="4861950"/>
+              <a:ext cx="588064" cy="4861950"/>
             </a:xfrm>
             <a:custGeom>
               <a:avLst/>
               <a:pathLst>
-                <a:path w="579115" h="4861950">
+                <a:path w="588064" h="4861950">
                   <a:moveTo>
                     <a:pt x="0" y="4861950"/>
                   </a:moveTo>
@@ -3506,7 +3504,7 @@
                     <a:pt x="360710" y="972390"/>
                   </a:lnTo>
                   <a:lnTo>
-                    <a:pt x="579115" y="0"/>
+                    <a:pt x="588064" y="0"/>
                   </a:lnTo>
                 </a:path>
               </a:pathLst>
@@ -3610,7 +3608,7 @@
                     <a:pt x="1466727" y="972390"/>
                   </a:lnTo>
                   <a:lnTo>
-                    <a:pt x="641599" y="0"/>
+                    <a:pt x="649378" y="0"/>
                   </a:lnTo>
                 </a:path>
               </a:pathLst>
@@ -3714,7 +3712,7 @@
                     <a:pt x="1347297" y="972390"/>
                   </a:lnTo>
                   <a:lnTo>
-                    <a:pt x="508382" y="0"/>
+                    <a:pt x="517314" y="0"/>
                   </a:lnTo>
                 </a:path>
               </a:pathLst>
@@ -3818,7 +3816,7 @@
                     <a:pt x="1839686" y="972390"/>
                   </a:lnTo>
                   <a:lnTo>
-                    <a:pt x="549554" y="0"/>
+                    <a:pt x="552785" y="0"/>
                   </a:lnTo>
                 </a:path>
               </a:pathLst>
@@ -3870,7 +3868,7 @@
                     <a:pt x="1783211" y="972390"/>
                   </a:lnTo>
                   <a:lnTo>
-                    <a:pt x="536332" y="0"/>
+                    <a:pt x="540928" y="0"/>
                   </a:lnTo>
                 </a:path>
               </a:pathLst>
@@ -4234,7 +4232,7 @@
                     <a:pt x="1886175" y="972390"/>
                   </a:lnTo>
                   <a:lnTo>
-                    <a:pt x="542588" y="0"/>
+                    <a:pt x="546863" y="0"/>
                   </a:lnTo>
                 </a:path>
               </a:pathLst>
@@ -4338,7 +4336,7 @@
                     <a:pt x="1972460" y="972390"/>
                   </a:lnTo>
                   <a:lnTo>
-                    <a:pt x="534833" y="0"/>
+                    <a:pt x="543910" y="0"/>
                   </a:lnTo>
                 </a:path>
               </a:pathLst>
@@ -4442,7 +4440,7 @@
                     <a:pt x="1987718" y="972390"/>
                   </a:lnTo>
                   <a:lnTo>
-                    <a:pt x="544655" y="0"/>
+                    <a:pt x="553745" y="0"/>
                   </a:lnTo>
                 </a:path>
               </a:pathLst>
@@ -6622,6 +6620,1902 @@
             <a:p/>
           </p:txBody>
         </p:sp>
+        <p:sp>
+          <p:nvSpPr>
+            <p:cNvPr id="4" name="rc4"/>
+            <p:cNvSpPr/>
+            <p:nvPr/>
+          </p:nvSpPr>
+          <p:spPr>
+            <a:xfrm>
+              <a:off x="4800600" y="1691481"/>
+              <a:ext cx="5486399" cy="7315200"/>
+            </a:xfrm>
+            <a:prstGeom prst="rect">
+              <a:avLst/>
+            </a:prstGeom>
+            <a:solidFill>
+              <a:srgbClr val="FFFFFF">
+                <a:alpha val="100000"/>
+              </a:srgbClr>
+            </a:solidFill>
+            <a:ln w="13550" cap="rnd">
+              <a:solidFill>
+                <a:srgbClr val="FFFFFF">
+                  <a:alpha val="100000"/>
+                </a:srgbClr>
+              </a:solidFill>
+              <a:prstDash val="solid"/>
+              <a:round/>
+            </a:ln>
+          </p:spPr>
+          <p:txBody>
+            <a:bodyPr/>
+            <a:lstStyle/>
+            <a:p/>
+          </p:txBody>
+        </p:sp>
+        <p:sp>
+          <p:nvSpPr>
+            <p:cNvPr id="5" name="rc5"/>
+            <p:cNvSpPr/>
+            <p:nvPr/>
+          </p:nvSpPr>
+          <p:spPr>
+            <a:xfrm>
+              <a:off x="5837438" y="2535928"/>
+              <a:ext cx="4379972" cy="5194865"/>
+            </a:xfrm>
+            <a:prstGeom prst="rect">
+              <a:avLst/>
+            </a:prstGeom>
+            <a:solidFill>
+              <a:srgbClr val="FFFFFF">
+                <a:alpha val="100000"/>
+              </a:srgbClr>
+            </a:solidFill>
+          </p:spPr>
+          <p:txBody>
+            <a:bodyPr/>
+            <a:lstStyle/>
+            <a:p/>
+          </p:txBody>
+        </p:sp>
+        <p:sp>
+          <p:nvSpPr>
+            <p:cNvPr id="6" name="pl6"/>
+            <p:cNvSpPr/>
+            <p:nvPr/>
+          </p:nvSpPr>
+          <p:spPr>
+            <a:xfrm>
+              <a:off x="6036527" y="2772058"/>
+              <a:ext cx="3981793" cy="4722605"/>
+            </a:xfrm>
+            <a:custGeom>
+              <a:avLst/>
+              <a:pathLst>
+                <a:path w="3981793" h="4722605">
+                  <a:moveTo>
+                    <a:pt x="0" y="4722605"/>
+                  </a:moveTo>
+                  <a:lnTo>
+                    <a:pt x="165908" y="4460238"/>
+                  </a:lnTo>
+                  <a:lnTo>
+                    <a:pt x="331816" y="4460238"/>
+                  </a:lnTo>
+                  <a:lnTo>
+                    <a:pt x="497724" y="4460238"/>
+                  </a:lnTo>
+                  <a:lnTo>
+                    <a:pt x="663632" y="4460238"/>
+                  </a:lnTo>
+                  <a:lnTo>
+                    <a:pt x="829540" y="3935504"/>
+                  </a:lnTo>
+                  <a:lnTo>
+                    <a:pt x="995448" y="2098935"/>
+                  </a:lnTo>
+                  <a:lnTo>
+                    <a:pt x="1161356" y="1049467"/>
+                  </a:lnTo>
+                  <a:lnTo>
+                    <a:pt x="1327264" y="524733"/>
+                  </a:lnTo>
+                  <a:lnTo>
+                    <a:pt x="1493172" y="0"/>
+                  </a:lnTo>
+                  <a:lnTo>
+                    <a:pt x="1659080" y="0"/>
+                  </a:lnTo>
+                  <a:lnTo>
+                    <a:pt x="1824988" y="0"/>
+                  </a:lnTo>
+                  <a:lnTo>
+                    <a:pt x="1990896" y="0"/>
+                  </a:lnTo>
+                  <a:lnTo>
+                    <a:pt x="2156804" y="0"/>
+                  </a:lnTo>
+                  <a:lnTo>
+                    <a:pt x="2322712" y="0"/>
+                  </a:lnTo>
+                  <a:lnTo>
+                    <a:pt x="2488620" y="0"/>
+                  </a:lnTo>
+                  <a:lnTo>
+                    <a:pt x="2654528" y="0"/>
+                  </a:lnTo>
+                  <a:lnTo>
+                    <a:pt x="2820436" y="0"/>
+                  </a:lnTo>
+                  <a:lnTo>
+                    <a:pt x="2986345" y="0"/>
+                  </a:lnTo>
+                  <a:lnTo>
+                    <a:pt x="3152253" y="0"/>
+                  </a:lnTo>
+                  <a:lnTo>
+                    <a:pt x="3318161" y="0"/>
+                  </a:lnTo>
+                  <a:lnTo>
+                    <a:pt x="3484069" y="0"/>
+                  </a:lnTo>
+                  <a:lnTo>
+                    <a:pt x="3649977" y="0"/>
+                  </a:lnTo>
+                  <a:lnTo>
+                    <a:pt x="3815885" y="0"/>
+                  </a:lnTo>
+                  <a:lnTo>
+                    <a:pt x="3981793" y="0"/>
+                  </a:lnTo>
+                </a:path>
+              </a:pathLst>
+            </a:custGeom>
+            <a:ln w="40651" cap="flat">
+              <a:solidFill>
+                <a:srgbClr val="8B0000">
+                  <a:alpha val="100000"/>
+                </a:srgbClr>
+              </a:solidFill>
+              <a:prstDash val="solid"/>
+              <a:round/>
+            </a:ln>
+          </p:spPr>
+          <p:txBody>
+            <a:bodyPr/>
+            <a:lstStyle/>
+            <a:p/>
+          </p:txBody>
+        </p:sp>
+        <p:sp>
+          <p:nvSpPr>
+            <p:cNvPr id="7" name="pl7"/>
+            <p:cNvSpPr/>
+            <p:nvPr/>
+          </p:nvSpPr>
+          <p:spPr>
+            <a:xfrm>
+              <a:off x="5837438" y="2535928"/>
+              <a:ext cx="0" cy="5194865"/>
+            </a:xfrm>
+            <a:custGeom>
+              <a:avLst/>
+              <a:pathLst>
+                <a:path w="0" h="5194865">
+                  <a:moveTo>
+                    <a:pt x="0" y="5194865"/>
+                  </a:moveTo>
+                  <a:lnTo>
+                    <a:pt x="0" y="0"/>
+                  </a:lnTo>
+                </a:path>
+              </a:pathLst>
+            </a:custGeom>
+            <a:ln w="27101" cap="flat">
+              <a:solidFill>
+                <a:srgbClr val="000000">
+                  <a:alpha val="100000"/>
+                </a:srgbClr>
+              </a:solidFill>
+              <a:prstDash val="solid"/>
+              <a:round/>
+            </a:ln>
+          </p:spPr>
+          <p:txBody>
+            <a:bodyPr/>
+            <a:lstStyle/>
+            <a:p/>
+          </p:txBody>
+        </p:sp>
+        <p:sp>
+          <p:nvSpPr>
+            <p:cNvPr id="8" name="tx8"/>
+            <p:cNvSpPr/>
+            <p:nvPr/>
+          </p:nvSpPr>
+          <p:spPr>
+            <a:xfrm>
+              <a:off x="5398572" y="6911311"/>
+              <a:ext cx="339030" cy="222944"/>
+            </a:xfrm>
+            <a:prstGeom prst="rect">
+              <a:avLst/>
+            </a:prstGeom>
+            <a:noFill/>
+          </p:spPr>
+          <p:txBody>
+            <a:bodyPr lIns="0" rIns="0" tIns="0" bIns="0" anchorCtr="1" anchor="ctr" wrap="none"/>
+            <a:lstStyle/>
+            <a:p>
+              <a:pPr algn="l" marL="0" marR="0" indent="0">
+                <a:lnSpc>
+                  <a:spcPts val="2400"/>
+                </a:lnSpc>
+                <a:spcBef>
+                  <a:spcPts val="0"/>
+                </a:spcBef>
+                <a:spcAft>
+                  <a:spcPts val="0"/>
+                </a:spcAft>
+              </a:pPr>
+              <a:r>
+                <a:rPr sz="2400">
+                  <a:solidFill>
+                    <a:srgbClr val="000000">
+                      <a:alpha val="100000"/>
+                    </a:srgbClr>
+                  </a:solidFill>
+                  <a:latin typeface="Arial"/>
+                  <a:cs typeface="Arial"/>
+                </a:rPr>
+                <a:t>30</a:t>
+              </a:r>
+            </a:p>
+          </p:txBody>
+        </p:sp>
+        <p:sp>
+          <p:nvSpPr>
+            <p:cNvPr id="9" name="tx9"/>
+            <p:cNvSpPr/>
+            <p:nvPr/>
+          </p:nvSpPr>
+          <p:spPr>
+            <a:xfrm>
+              <a:off x="5398572" y="5530581"/>
+              <a:ext cx="339030" cy="222795"/>
+            </a:xfrm>
+            <a:prstGeom prst="rect">
+              <a:avLst/>
+            </a:prstGeom>
+            <a:noFill/>
+          </p:spPr>
+          <p:txBody>
+            <a:bodyPr lIns="0" rIns="0" tIns="0" bIns="0" anchorCtr="1" anchor="ctr" wrap="none"/>
+            <a:lstStyle/>
+            <a:p>
+              <a:pPr algn="l" marL="0" marR="0" indent="0">
+                <a:lnSpc>
+                  <a:spcPts val="2400"/>
+                </a:lnSpc>
+                <a:spcBef>
+                  <a:spcPts val="0"/>
+                </a:spcBef>
+                <a:spcAft>
+                  <a:spcPts val="0"/>
+                </a:spcAft>
+              </a:pPr>
+              <a:r>
+                <a:rPr sz="2400">
+                  <a:solidFill>
+                    <a:srgbClr val="000000">
+                      <a:alpha val="100000"/>
+                    </a:srgbClr>
+                  </a:solidFill>
+                  <a:latin typeface="Arial"/>
+                  <a:cs typeface="Arial"/>
+                </a:rPr>
+                <a:t>40</a:t>
+              </a:r>
+            </a:p>
+          </p:txBody>
+        </p:sp>
+        <p:sp>
+          <p:nvSpPr>
+            <p:cNvPr id="10" name="tx10"/>
+            <p:cNvSpPr/>
+            <p:nvPr/>
+          </p:nvSpPr>
+          <p:spPr>
+            <a:xfrm>
+              <a:off x="5398572" y="4149702"/>
+              <a:ext cx="339030" cy="222795"/>
+            </a:xfrm>
+            <a:prstGeom prst="rect">
+              <a:avLst/>
+            </a:prstGeom>
+            <a:noFill/>
+          </p:spPr>
+          <p:txBody>
+            <a:bodyPr lIns="0" rIns="0" tIns="0" bIns="0" anchorCtr="1" anchor="ctr" wrap="none"/>
+            <a:lstStyle/>
+            <a:p>
+              <a:pPr algn="l" marL="0" marR="0" indent="0">
+                <a:lnSpc>
+                  <a:spcPts val="2400"/>
+                </a:lnSpc>
+                <a:spcBef>
+                  <a:spcPts val="0"/>
+                </a:spcBef>
+                <a:spcAft>
+                  <a:spcPts val="0"/>
+                </a:spcAft>
+              </a:pPr>
+              <a:r>
+                <a:rPr sz="2400">
+                  <a:solidFill>
+                    <a:srgbClr val="000000">
+                      <a:alpha val="100000"/>
+                    </a:srgbClr>
+                  </a:solidFill>
+                  <a:latin typeface="Arial"/>
+                  <a:cs typeface="Arial"/>
+                </a:rPr>
+                <a:t>50</a:t>
+              </a:r>
+            </a:p>
+          </p:txBody>
+        </p:sp>
+        <p:sp>
+          <p:nvSpPr>
+            <p:cNvPr id="11" name="tx11"/>
+            <p:cNvSpPr/>
+            <p:nvPr/>
+          </p:nvSpPr>
+          <p:spPr>
+            <a:xfrm>
+              <a:off x="5398572" y="2768824"/>
+              <a:ext cx="339030" cy="222795"/>
+            </a:xfrm>
+            <a:prstGeom prst="rect">
+              <a:avLst/>
+            </a:prstGeom>
+            <a:noFill/>
+          </p:spPr>
+          <p:txBody>
+            <a:bodyPr lIns="0" rIns="0" tIns="0" bIns="0" anchorCtr="1" anchor="ctr" wrap="none"/>
+            <a:lstStyle/>
+            <a:p>
+              <a:pPr algn="l" marL="0" marR="0" indent="0">
+                <a:lnSpc>
+                  <a:spcPts val="2400"/>
+                </a:lnSpc>
+                <a:spcBef>
+                  <a:spcPts val="0"/>
+                </a:spcBef>
+                <a:spcAft>
+                  <a:spcPts val="0"/>
+                </a:spcAft>
+              </a:pPr>
+              <a:r>
+                <a:rPr sz="2400">
+                  <a:solidFill>
+                    <a:srgbClr val="000000">
+                      <a:alpha val="100000"/>
+                    </a:srgbClr>
+                  </a:solidFill>
+                  <a:latin typeface="Arial"/>
+                  <a:cs typeface="Arial"/>
+                </a:rPr>
+                <a:t>60</a:t>
+              </a:r>
+            </a:p>
+          </p:txBody>
+        </p:sp>
+        <p:sp>
+          <p:nvSpPr>
+            <p:cNvPr id="12" name="pl12"/>
+            <p:cNvSpPr/>
+            <p:nvPr/>
+          </p:nvSpPr>
+          <p:spPr>
+            <a:xfrm>
+              <a:off x="5765438" y="7025165"/>
+              <a:ext cx="72000" cy="0"/>
+            </a:xfrm>
+            <a:custGeom>
+              <a:avLst/>
+              <a:pathLst>
+                <a:path w="72000" h="0">
+                  <a:moveTo>
+                    <a:pt x="0" y="0"/>
+                  </a:moveTo>
+                  <a:lnTo>
+                    <a:pt x="72000" y="0"/>
+                  </a:lnTo>
+                </a:path>
+              </a:pathLst>
+            </a:custGeom>
+            <a:ln w="27101" cap="flat">
+              <a:solidFill>
+                <a:srgbClr val="333333">
+                  <a:alpha val="100000"/>
+                </a:srgbClr>
+              </a:solidFill>
+              <a:prstDash val="solid"/>
+              <a:round/>
+            </a:ln>
+          </p:spPr>
+          <p:txBody>
+            <a:bodyPr/>
+            <a:lstStyle/>
+            <a:p/>
+          </p:txBody>
+        </p:sp>
+        <p:sp>
+          <p:nvSpPr>
+            <p:cNvPr id="13" name="pl13"/>
+            <p:cNvSpPr/>
+            <p:nvPr/>
+          </p:nvSpPr>
+          <p:spPr>
+            <a:xfrm>
+              <a:off x="5765438" y="5644286"/>
+              <a:ext cx="72000" cy="0"/>
+            </a:xfrm>
+            <a:custGeom>
+              <a:avLst/>
+              <a:pathLst>
+                <a:path w="72000" h="0">
+                  <a:moveTo>
+                    <a:pt x="0" y="0"/>
+                  </a:moveTo>
+                  <a:lnTo>
+                    <a:pt x="72000" y="0"/>
+                  </a:lnTo>
+                </a:path>
+              </a:pathLst>
+            </a:custGeom>
+            <a:ln w="27101" cap="flat">
+              <a:solidFill>
+                <a:srgbClr val="333333">
+                  <a:alpha val="100000"/>
+                </a:srgbClr>
+              </a:solidFill>
+              <a:prstDash val="solid"/>
+              <a:round/>
+            </a:ln>
+          </p:spPr>
+          <p:txBody>
+            <a:bodyPr/>
+            <a:lstStyle/>
+            <a:p/>
+          </p:txBody>
+        </p:sp>
+        <p:sp>
+          <p:nvSpPr>
+            <p:cNvPr id="14" name="pl14"/>
+            <p:cNvSpPr/>
+            <p:nvPr/>
+          </p:nvSpPr>
+          <p:spPr>
+            <a:xfrm>
+              <a:off x="5765438" y="4263407"/>
+              <a:ext cx="72000" cy="0"/>
+            </a:xfrm>
+            <a:custGeom>
+              <a:avLst/>
+              <a:pathLst>
+                <a:path w="72000" h="0">
+                  <a:moveTo>
+                    <a:pt x="0" y="0"/>
+                  </a:moveTo>
+                  <a:lnTo>
+                    <a:pt x="72000" y="0"/>
+                  </a:lnTo>
+                </a:path>
+              </a:pathLst>
+            </a:custGeom>
+            <a:ln w="27101" cap="flat">
+              <a:solidFill>
+                <a:srgbClr val="333333">
+                  <a:alpha val="100000"/>
+                </a:srgbClr>
+              </a:solidFill>
+              <a:prstDash val="solid"/>
+              <a:round/>
+            </a:ln>
+          </p:spPr>
+          <p:txBody>
+            <a:bodyPr/>
+            <a:lstStyle/>
+            <a:p/>
+          </p:txBody>
+        </p:sp>
+        <p:sp>
+          <p:nvSpPr>
+            <p:cNvPr id="15" name="pl15"/>
+            <p:cNvSpPr/>
+            <p:nvPr/>
+          </p:nvSpPr>
+          <p:spPr>
+            <a:xfrm>
+              <a:off x="5765438" y="2882528"/>
+              <a:ext cx="72000" cy="0"/>
+            </a:xfrm>
+            <a:custGeom>
+              <a:avLst/>
+              <a:pathLst>
+                <a:path w="72000" h="0">
+                  <a:moveTo>
+                    <a:pt x="0" y="0"/>
+                  </a:moveTo>
+                  <a:lnTo>
+                    <a:pt x="72000" y="0"/>
+                  </a:lnTo>
+                </a:path>
+              </a:pathLst>
+            </a:custGeom>
+            <a:ln w="27101" cap="flat">
+              <a:solidFill>
+                <a:srgbClr val="333333">
+                  <a:alpha val="100000"/>
+                </a:srgbClr>
+              </a:solidFill>
+              <a:prstDash val="solid"/>
+              <a:round/>
+            </a:ln>
+          </p:spPr>
+          <p:txBody>
+            <a:bodyPr/>
+            <a:lstStyle/>
+            <a:p/>
+          </p:txBody>
+        </p:sp>
+        <p:sp>
+          <p:nvSpPr>
+            <p:cNvPr id="16" name="pl16"/>
+            <p:cNvSpPr/>
+            <p:nvPr/>
+          </p:nvSpPr>
+          <p:spPr>
+            <a:xfrm>
+              <a:off x="5837438" y="7730794"/>
+              <a:ext cx="4379972" cy="0"/>
+            </a:xfrm>
+            <a:custGeom>
+              <a:avLst/>
+              <a:pathLst>
+                <a:path w="4379972" h="0">
+                  <a:moveTo>
+                    <a:pt x="0" y="0"/>
+                  </a:moveTo>
+                  <a:lnTo>
+                    <a:pt x="4379972" y="0"/>
+                  </a:lnTo>
+                </a:path>
+              </a:pathLst>
+            </a:custGeom>
+            <a:ln w="27101" cap="flat">
+              <a:solidFill>
+                <a:srgbClr val="000000">
+                  <a:alpha val="100000"/>
+                </a:srgbClr>
+              </a:solidFill>
+              <a:prstDash val="solid"/>
+              <a:round/>
+            </a:ln>
+          </p:spPr>
+          <p:txBody>
+            <a:bodyPr/>
+            <a:lstStyle/>
+            <a:p/>
+          </p:txBody>
+        </p:sp>
+        <p:sp>
+          <p:nvSpPr>
+            <p:cNvPr id="17" name="pl17"/>
+            <p:cNvSpPr/>
+            <p:nvPr/>
+          </p:nvSpPr>
+          <p:spPr>
+            <a:xfrm>
+              <a:off x="6036527" y="7730794"/>
+              <a:ext cx="0" cy="72000"/>
+            </a:xfrm>
+            <a:custGeom>
+              <a:avLst/>
+              <a:pathLst>
+                <a:path w="0" h="72000">
+                  <a:moveTo>
+                    <a:pt x="0" y="72000"/>
+                  </a:moveTo>
+                  <a:lnTo>
+                    <a:pt x="0" y="0"/>
+                  </a:lnTo>
+                </a:path>
+              </a:pathLst>
+            </a:custGeom>
+            <a:ln w="27101" cap="flat">
+              <a:solidFill>
+                <a:srgbClr val="333333">
+                  <a:alpha val="100000"/>
+                </a:srgbClr>
+              </a:solidFill>
+              <a:prstDash val="solid"/>
+              <a:round/>
+            </a:ln>
+          </p:spPr>
+          <p:txBody>
+            <a:bodyPr/>
+            <a:lstStyle/>
+            <a:p/>
+          </p:txBody>
+        </p:sp>
+        <p:sp>
+          <p:nvSpPr>
+            <p:cNvPr id="18" name="pl18"/>
+            <p:cNvSpPr/>
+            <p:nvPr/>
+          </p:nvSpPr>
+          <p:spPr>
+            <a:xfrm>
+              <a:off x="6368344" y="7730794"/>
+              <a:ext cx="0" cy="72000"/>
+            </a:xfrm>
+            <a:custGeom>
+              <a:avLst/>
+              <a:pathLst>
+                <a:path w="0" h="72000">
+                  <a:moveTo>
+                    <a:pt x="0" y="72000"/>
+                  </a:moveTo>
+                  <a:lnTo>
+                    <a:pt x="0" y="0"/>
+                  </a:lnTo>
+                </a:path>
+              </a:pathLst>
+            </a:custGeom>
+            <a:ln w="27101" cap="flat">
+              <a:solidFill>
+                <a:srgbClr val="333333">
+                  <a:alpha val="100000"/>
+                </a:srgbClr>
+              </a:solidFill>
+              <a:prstDash val="solid"/>
+              <a:round/>
+            </a:ln>
+          </p:spPr>
+          <p:txBody>
+            <a:bodyPr/>
+            <a:lstStyle/>
+            <a:p/>
+          </p:txBody>
+        </p:sp>
+        <p:sp>
+          <p:nvSpPr>
+            <p:cNvPr id="19" name="pl19"/>
+            <p:cNvSpPr/>
+            <p:nvPr/>
+          </p:nvSpPr>
+          <p:spPr>
+            <a:xfrm>
+              <a:off x="6700160" y="7730794"/>
+              <a:ext cx="0" cy="72000"/>
+            </a:xfrm>
+            <a:custGeom>
+              <a:avLst/>
+              <a:pathLst>
+                <a:path w="0" h="72000">
+                  <a:moveTo>
+                    <a:pt x="0" y="72000"/>
+                  </a:moveTo>
+                  <a:lnTo>
+                    <a:pt x="0" y="0"/>
+                  </a:lnTo>
+                </a:path>
+              </a:pathLst>
+            </a:custGeom>
+            <a:ln w="27101" cap="flat">
+              <a:solidFill>
+                <a:srgbClr val="333333">
+                  <a:alpha val="100000"/>
+                </a:srgbClr>
+              </a:solidFill>
+              <a:prstDash val="solid"/>
+              <a:round/>
+            </a:ln>
+          </p:spPr>
+          <p:txBody>
+            <a:bodyPr/>
+            <a:lstStyle/>
+            <a:p/>
+          </p:txBody>
+        </p:sp>
+        <p:sp>
+          <p:nvSpPr>
+            <p:cNvPr id="20" name="pl20"/>
+            <p:cNvSpPr/>
+            <p:nvPr/>
+          </p:nvSpPr>
+          <p:spPr>
+            <a:xfrm>
+              <a:off x="7031976" y="7730794"/>
+              <a:ext cx="0" cy="72000"/>
+            </a:xfrm>
+            <a:custGeom>
+              <a:avLst/>
+              <a:pathLst>
+                <a:path w="0" h="72000">
+                  <a:moveTo>
+                    <a:pt x="0" y="72000"/>
+                  </a:moveTo>
+                  <a:lnTo>
+                    <a:pt x="0" y="0"/>
+                  </a:lnTo>
+                </a:path>
+              </a:pathLst>
+            </a:custGeom>
+            <a:ln w="27101" cap="flat">
+              <a:solidFill>
+                <a:srgbClr val="333333">
+                  <a:alpha val="100000"/>
+                </a:srgbClr>
+              </a:solidFill>
+              <a:prstDash val="solid"/>
+              <a:round/>
+            </a:ln>
+          </p:spPr>
+          <p:txBody>
+            <a:bodyPr/>
+            <a:lstStyle/>
+            <a:p/>
+          </p:txBody>
+        </p:sp>
+        <p:sp>
+          <p:nvSpPr>
+            <p:cNvPr id="21" name="pl21"/>
+            <p:cNvSpPr/>
+            <p:nvPr/>
+          </p:nvSpPr>
+          <p:spPr>
+            <a:xfrm>
+              <a:off x="7363792" y="7730794"/>
+              <a:ext cx="0" cy="72000"/>
+            </a:xfrm>
+            <a:custGeom>
+              <a:avLst/>
+              <a:pathLst>
+                <a:path w="0" h="72000">
+                  <a:moveTo>
+                    <a:pt x="0" y="72000"/>
+                  </a:moveTo>
+                  <a:lnTo>
+                    <a:pt x="0" y="0"/>
+                  </a:lnTo>
+                </a:path>
+              </a:pathLst>
+            </a:custGeom>
+            <a:ln w="27101" cap="flat">
+              <a:solidFill>
+                <a:srgbClr val="333333">
+                  <a:alpha val="100000"/>
+                </a:srgbClr>
+              </a:solidFill>
+              <a:prstDash val="solid"/>
+              <a:round/>
+            </a:ln>
+          </p:spPr>
+          <p:txBody>
+            <a:bodyPr/>
+            <a:lstStyle/>
+            <a:p/>
+          </p:txBody>
+        </p:sp>
+        <p:sp>
+          <p:nvSpPr>
+            <p:cNvPr id="22" name="pl22"/>
+            <p:cNvSpPr/>
+            <p:nvPr/>
+          </p:nvSpPr>
+          <p:spPr>
+            <a:xfrm>
+              <a:off x="7695608" y="7730794"/>
+              <a:ext cx="0" cy="72000"/>
+            </a:xfrm>
+            <a:custGeom>
+              <a:avLst/>
+              <a:pathLst>
+                <a:path w="0" h="72000">
+                  <a:moveTo>
+                    <a:pt x="0" y="72000"/>
+                  </a:moveTo>
+                  <a:lnTo>
+                    <a:pt x="0" y="0"/>
+                  </a:lnTo>
+                </a:path>
+              </a:pathLst>
+            </a:custGeom>
+            <a:ln w="27101" cap="flat">
+              <a:solidFill>
+                <a:srgbClr val="333333">
+                  <a:alpha val="100000"/>
+                </a:srgbClr>
+              </a:solidFill>
+              <a:prstDash val="solid"/>
+              <a:round/>
+            </a:ln>
+          </p:spPr>
+          <p:txBody>
+            <a:bodyPr/>
+            <a:lstStyle/>
+            <a:p/>
+          </p:txBody>
+        </p:sp>
+        <p:sp>
+          <p:nvSpPr>
+            <p:cNvPr id="23" name="pl23"/>
+            <p:cNvSpPr/>
+            <p:nvPr/>
+          </p:nvSpPr>
+          <p:spPr>
+            <a:xfrm>
+              <a:off x="8027424" y="7730794"/>
+              <a:ext cx="0" cy="72000"/>
+            </a:xfrm>
+            <a:custGeom>
+              <a:avLst/>
+              <a:pathLst>
+                <a:path w="0" h="72000">
+                  <a:moveTo>
+                    <a:pt x="0" y="72000"/>
+                  </a:moveTo>
+                  <a:lnTo>
+                    <a:pt x="0" y="0"/>
+                  </a:lnTo>
+                </a:path>
+              </a:pathLst>
+            </a:custGeom>
+            <a:ln w="27101" cap="flat">
+              <a:solidFill>
+                <a:srgbClr val="333333">
+                  <a:alpha val="100000"/>
+                </a:srgbClr>
+              </a:solidFill>
+              <a:prstDash val="solid"/>
+              <a:round/>
+            </a:ln>
+          </p:spPr>
+          <p:txBody>
+            <a:bodyPr/>
+            <a:lstStyle/>
+            <a:p/>
+          </p:txBody>
+        </p:sp>
+        <p:sp>
+          <p:nvSpPr>
+            <p:cNvPr id="24" name="pl24"/>
+            <p:cNvSpPr/>
+            <p:nvPr/>
+          </p:nvSpPr>
+          <p:spPr>
+            <a:xfrm>
+              <a:off x="8359240" y="7730794"/>
+              <a:ext cx="0" cy="72000"/>
+            </a:xfrm>
+            <a:custGeom>
+              <a:avLst/>
+              <a:pathLst>
+                <a:path w="0" h="72000">
+                  <a:moveTo>
+                    <a:pt x="0" y="72000"/>
+                  </a:moveTo>
+                  <a:lnTo>
+                    <a:pt x="0" y="0"/>
+                  </a:lnTo>
+                </a:path>
+              </a:pathLst>
+            </a:custGeom>
+            <a:ln w="27101" cap="flat">
+              <a:solidFill>
+                <a:srgbClr val="333333">
+                  <a:alpha val="100000"/>
+                </a:srgbClr>
+              </a:solidFill>
+              <a:prstDash val="solid"/>
+              <a:round/>
+            </a:ln>
+          </p:spPr>
+          <p:txBody>
+            <a:bodyPr/>
+            <a:lstStyle/>
+            <a:p/>
+          </p:txBody>
+        </p:sp>
+        <p:sp>
+          <p:nvSpPr>
+            <p:cNvPr id="25" name="pl25"/>
+            <p:cNvSpPr/>
+            <p:nvPr/>
+          </p:nvSpPr>
+          <p:spPr>
+            <a:xfrm>
+              <a:off x="8691056" y="7730794"/>
+              <a:ext cx="0" cy="72000"/>
+            </a:xfrm>
+            <a:custGeom>
+              <a:avLst/>
+              <a:pathLst>
+                <a:path w="0" h="72000">
+                  <a:moveTo>
+                    <a:pt x="0" y="72000"/>
+                  </a:moveTo>
+                  <a:lnTo>
+                    <a:pt x="0" y="0"/>
+                  </a:lnTo>
+                </a:path>
+              </a:pathLst>
+            </a:custGeom>
+            <a:ln w="27101" cap="flat">
+              <a:solidFill>
+                <a:srgbClr val="333333">
+                  <a:alpha val="100000"/>
+                </a:srgbClr>
+              </a:solidFill>
+              <a:prstDash val="solid"/>
+              <a:round/>
+            </a:ln>
+          </p:spPr>
+          <p:txBody>
+            <a:bodyPr/>
+            <a:lstStyle/>
+            <a:p/>
+          </p:txBody>
+        </p:sp>
+        <p:sp>
+          <p:nvSpPr>
+            <p:cNvPr id="26" name="pl26"/>
+            <p:cNvSpPr/>
+            <p:nvPr/>
+          </p:nvSpPr>
+          <p:spPr>
+            <a:xfrm>
+              <a:off x="9022872" y="7730794"/>
+              <a:ext cx="0" cy="72000"/>
+            </a:xfrm>
+            <a:custGeom>
+              <a:avLst/>
+              <a:pathLst>
+                <a:path w="0" h="72000">
+                  <a:moveTo>
+                    <a:pt x="0" y="72000"/>
+                  </a:moveTo>
+                  <a:lnTo>
+                    <a:pt x="0" y="0"/>
+                  </a:lnTo>
+                </a:path>
+              </a:pathLst>
+            </a:custGeom>
+            <a:ln w="27101" cap="flat">
+              <a:solidFill>
+                <a:srgbClr val="333333">
+                  <a:alpha val="100000"/>
+                </a:srgbClr>
+              </a:solidFill>
+              <a:prstDash val="solid"/>
+              <a:round/>
+            </a:ln>
+          </p:spPr>
+          <p:txBody>
+            <a:bodyPr/>
+            <a:lstStyle/>
+            <a:p/>
+          </p:txBody>
+        </p:sp>
+        <p:sp>
+          <p:nvSpPr>
+            <p:cNvPr id="27" name="pl27"/>
+            <p:cNvSpPr/>
+            <p:nvPr/>
+          </p:nvSpPr>
+          <p:spPr>
+            <a:xfrm>
+              <a:off x="9354689" y="7730794"/>
+              <a:ext cx="0" cy="72000"/>
+            </a:xfrm>
+            <a:custGeom>
+              <a:avLst/>
+              <a:pathLst>
+                <a:path w="0" h="72000">
+                  <a:moveTo>
+                    <a:pt x="0" y="72000"/>
+                  </a:moveTo>
+                  <a:lnTo>
+                    <a:pt x="0" y="0"/>
+                  </a:lnTo>
+                </a:path>
+              </a:pathLst>
+            </a:custGeom>
+            <a:ln w="27101" cap="flat">
+              <a:solidFill>
+                <a:srgbClr val="333333">
+                  <a:alpha val="100000"/>
+                </a:srgbClr>
+              </a:solidFill>
+              <a:prstDash val="solid"/>
+              <a:round/>
+            </a:ln>
+          </p:spPr>
+          <p:txBody>
+            <a:bodyPr/>
+            <a:lstStyle/>
+            <a:p/>
+          </p:txBody>
+        </p:sp>
+        <p:sp>
+          <p:nvSpPr>
+            <p:cNvPr id="28" name="pl28"/>
+            <p:cNvSpPr/>
+            <p:nvPr/>
+          </p:nvSpPr>
+          <p:spPr>
+            <a:xfrm>
+              <a:off x="9686505" y="7730794"/>
+              <a:ext cx="0" cy="72000"/>
+            </a:xfrm>
+            <a:custGeom>
+              <a:avLst/>
+              <a:pathLst>
+                <a:path w="0" h="72000">
+                  <a:moveTo>
+                    <a:pt x="0" y="72000"/>
+                  </a:moveTo>
+                  <a:lnTo>
+                    <a:pt x="0" y="0"/>
+                  </a:lnTo>
+                </a:path>
+              </a:pathLst>
+            </a:custGeom>
+            <a:ln w="27101" cap="flat">
+              <a:solidFill>
+                <a:srgbClr val="333333">
+                  <a:alpha val="100000"/>
+                </a:srgbClr>
+              </a:solidFill>
+              <a:prstDash val="solid"/>
+              <a:round/>
+            </a:ln>
+          </p:spPr>
+          <p:txBody>
+            <a:bodyPr/>
+            <a:lstStyle/>
+            <a:p/>
+          </p:txBody>
+        </p:sp>
+        <p:sp>
+          <p:nvSpPr>
+            <p:cNvPr id="29" name="pl29"/>
+            <p:cNvSpPr/>
+            <p:nvPr/>
+          </p:nvSpPr>
+          <p:spPr>
+            <a:xfrm>
+              <a:off x="10018321" y="7730794"/>
+              <a:ext cx="0" cy="72000"/>
+            </a:xfrm>
+            <a:custGeom>
+              <a:avLst/>
+              <a:pathLst>
+                <a:path w="0" h="72000">
+                  <a:moveTo>
+                    <a:pt x="0" y="72000"/>
+                  </a:moveTo>
+                  <a:lnTo>
+                    <a:pt x="0" y="0"/>
+                  </a:lnTo>
+                </a:path>
+              </a:pathLst>
+            </a:custGeom>
+            <a:ln w="27101" cap="flat">
+              <a:solidFill>
+                <a:srgbClr val="333333">
+                  <a:alpha val="100000"/>
+                </a:srgbClr>
+              </a:solidFill>
+              <a:prstDash val="solid"/>
+              <a:round/>
+            </a:ln>
+          </p:spPr>
+          <p:txBody>
+            <a:bodyPr/>
+            <a:lstStyle/>
+            <a:p/>
+          </p:txBody>
+        </p:sp>
+        <p:sp>
+          <p:nvSpPr>
+            <p:cNvPr id="30" name="tx30"/>
+            <p:cNvSpPr/>
+            <p:nvPr/>
+          </p:nvSpPr>
+          <p:spPr>
+            <a:xfrm rot="-3600000">
+              <a:off x="5959490" y="7772624"/>
+              <a:ext cx="339030" cy="222795"/>
+            </a:xfrm>
+            <a:prstGeom prst="rect">
+              <a:avLst/>
+            </a:prstGeom>
+            <a:noFill/>
+          </p:spPr>
+          <p:txBody>
+            <a:bodyPr lIns="0" rIns="0" tIns="0" bIns="0" anchorCtr="1" anchor="ctr" wrap="none"/>
+            <a:lstStyle/>
+            <a:p>
+              <a:pPr algn="l" marL="0" marR="0" indent="0">
+                <a:lnSpc>
+                  <a:spcPts val="2400"/>
+                </a:lnSpc>
+                <a:spcBef>
+                  <a:spcPts val="0"/>
+                </a:spcBef>
+                <a:spcAft>
+                  <a:spcPts val="0"/>
+                </a:spcAft>
+              </a:pPr>
+              <a:r>
+                <a:rPr sz="2400">
+                  <a:solidFill>
+                    <a:srgbClr val="000000">
+                      <a:alpha val="100000"/>
+                    </a:srgbClr>
+                  </a:solidFill>
+                  <a:latin typeface="Arial"/>
+                  <a:cs typeface="Arial"/>
+                </a:rPr>
+                <a:t>10</a:t>
+              </a:r>
+            </a:p>
+          </p:txBody>
+        </p:sp>
+        <p:sp>
+          <p:nvSpPr>
+            <p:cNvPr id="31" name="tx31"/>
+            <p:cNvSpPr/>
+            <p:nvPr/>
+          </p:nvSpPr>
+          <p:spPr>
+            <a:xfrm rot="-3600000">
+              <a:off x="6291306" y="7772624"/>
+              <a:ext cx="339030" cy="222795"/>
+            </a:xfrm>
+            <a:prstGeom prst="rect">
+              <a:avLst/>
+            </a:prstGeom>
+            <a:noFill/>
+          </p:spPr>
+          <p:txBody>
+            <a:bodyPr lIns="0" rIns="0" tIns="0" bIns="0" anchorCtr="1" anchor="ctr" wrap="none"/>
+            <a:lstStyle/>
+            <a:p>
+              <a:pPr algn="l" marL="0" marR="0" indent="0">
+                <a:lnSpc>
+                  <a:spcPts val="2400"/>
+                </a:lnSpc>
+                <a:spcBef>
+                  <a:spcPts val="0"/>
+                </a:spcBef>
+                <a:spcAft>
+                  <a:spcPts val="0"/>
+                </a:spcAft>
+              </a:pPr>
+              <a:r>
+                <a:rPr sz="2400">
+                  <a:solidFill>
+                    <a:srgbClr val="000000">
+                      <a:alpha val="100000"/>
+                    </a:srgbClr>
+                  </a:solidFill>
+                  <a:latin typeface="Arial"/>
+                  <a:cs typeface="Arial"/>
+                </a:rPr>
+                <a:t>20</a:t>
+              </a:r>
+            </a:p>
+          </p:txBody>
+        </p:sp>
+        <p:sp>
+          <p:nvSpPr>
+            <p:cNvPr id="32" name="tx32"/>
+            <p:cNvSpPr/>
+            <p:nvPr/>
+          </p:nvSpPr>
+          <p:spPr>
+            <a:xfrm rot="-3600000">
+              <a:off x="6623058" y="7772512"/>
+              <a:ext cx="339030" cy="222944"/>
+            </a:xfrm>
+            <a:prstGeom prst="rect">
+              <a:avLst/>
+            </a:prstGeom>
+            <a:noFill/>
+          </p:spPr>
+          <p:txBody>
+            <a:bodyPr lIns="0" rIns="0" tIns="0" bIns="0" anchorCtr="1" anchor="ctr" wrap="none"/>
+            <a:lstStyle/>
+            <a:p>
+              <a:pPr algn="l" marL="0" marR="0" indent="0">
+                <a:lnSpc>
+                  <a:spcPts val="2400"/>
+                </a:lnSpc>
+                <a:spcBef>
+                  <a:spcPts val="0"/>
+                </a:spcBef>
+                <a:spcAft>
+                  <a:spcPts val="0"/>
+                </a:spcAft>
+              </a:pPr>
+              <a:r>
+                <a:rPr sz="2400">
+                  <a:solidFill>
+                    <a:srgbClr val="000000">
+                      <a:alpha val="100000"/>
+                    </a:srgbClr>
+                  </a:solidFill>
+                  <a:latin typeface="Arial"/>
+                  <a:cs typeface="Arial"/>
+                </a:rPr>
+                <a:t>30</a:t>
+              </a:r>
+            </a:p>
+          </p:txBody>
+        </p:sp>
+        <p:sp>
+          <p:nvSpPr>
+            <p:cNvPr id="33" name="tx33"/>
+            <p:cNvSpPr/>
+            <p:nvPr/>
+          </p:nvSpPr>
+          <p:spPr>
+            <a:xfrm rot="-3600000">
+              <a:off x="6954938" y="7772624"/>
+              <a:ext cx="339030" cy="222795"/>
+            </a:xfrm>
+            <a:prstGeom prst="rect">
+              <a:avLst/>
+            </a:prstGeom>
+            <a:noFill/>
+          </p:spPr>
+          <p:txBody>
+            <a:bodyPr lIns="0" rIns="0" tIns="0" bIns="0" anchorCtr="1" anchor="ctr" wrap="none"/>
+            <a:lstStyle/>
+            <a:p>
+              <a:pPr algn="l" marL="0" marR="0" indent="0">
+                <a:lnSpc>
+                  <a:spcPts val="2400"/>
+                </a:lnSpc>
+                <a:spcBef>
+                  <a:spcPts val="0"/>
+                </a:spcBef>
+                <a:spcAft>
+                  <a:spcPts val="0"/>
+                </a:spcAft>
+              </a:pPr>
+              <a:r>
+                <a:rPr sz="2400">
+                  <a:solidFill>
+                    <a:srgbClr val="000000">
+                      <a:alpha val="100000"/>
+                    </a:srgbClr>
+                  </a:solidFill>
+                  <a:latin typeface="Arial"/>
+                  <a:cs typeface="Arial"/>
+                </a:rPr>
+                <a:t>40</a:t>
+              </a:r>
+            </a:p>
+          </p:txBody>
+        </p:sp>
+        <p:sp>
+          <p:nvSpPr>
+            <p:cNvPr id="34" name="tx34"/>
+            <p:cNvSpPr/>
+            <p:nvPr/>
+          </p:nvSpPr>
+          <p:spPr>
+            <a:xfrm rot="-3600000">
+              <a:off x="7286754" y="7772624"/>
+              <a:ext cx="339030" cy="222795"/>
+            </a:xfrm>
+            <a:prstGeom prst="rect">
+              <a:avLst/>
+            </a:prstGeom>
+            <a:noFill/>
+          </p:spPr>
+          <p:txBody>
+            <a:bodyPr lIns="0" rIns="0" tIns="0" bIns="0" anchorCtr="1" anchor="ctr" wrap="none"/>
+            <a:lstStyle/>
+            <a:p>
+              <a:pPr algn="l" marL="0" marR="0" indent="0">
+                <a:lnSpc>
+                  <a:spcPts val="2400"/>
+                </a:lnSpc>
+                <a:spcBef>
+                  <a:spcPts val="0"/>
+                </a:spcBef>
+                <a:spcAft>
+                  <a:spcPts val="0"/>
+                </a:spcAft>
+              </a:pPr>
+              <a:r>
+                <a:rPr sz="2400">
+                  <a:solidFill>
+                    <a:srgbClr val="000000">
+                      <a:alpha val="100000"/>
+                    </a:srgbClr>
+                  </a:solidFill>
+                  <a:latin typeface="Arial"/>
+                  <a:cs typeface="Arial"/>
+                </a:rPr>
+                <a:t>50</a:t>
+              </a:r>
+            </a:p>
+          </p:txBody>
+        </p:sp>
+        <p:sp>
+          <p:nvSpPr>
+            <p:cNvPr id="35" name="tx35"/>
+            <p:cNvSpPr/>
+            <p:nvPr/>
+          </p:nvSpPr>
+          <p:spPr>
+            <a:xfrm rot="-3600000">
+              <a:off x="7618571" y="7772624"/>
+              <a:ext cx="339030" cy="222795"/>
+            </a:xfrm>
+            <a:prstGeom prst="rect">
+              <a:avLst/>
+            </a:prstGeom>
+            <a:noFill/>
+          </p:spPr>
+          <p:txBody>
+            <a:bodyPr lIns="0" rIns="0" tIns="0" bIns="0" anchorCtr="1" anchor="ctr" wrap="none"/>
+            <a:lstStyle/>
+            <a:p>
+              <a:pPr algn="l" marL="0" marR="0" indent="0">
+                <a:lnSpc>
+                  <a:spcPts val="2400"/>
+                </a:lnSpc>
+                <a:spcBef>
+                  <a:spcPts val="0"/>
+                </a:spcBef>
+                <a:spcAft>
+                  <a:spcPts val="0"/>
+                </a:spcAft>
+              </a:pPr>
+              <a:r>
+                <a:rPr sz="2400">
+                  <a:solidFill>
+                    <a:srgbClr val="000000">
+                      <a:alpha val="100000"/>
+                    </a:srgbClr>
+                  </a:solidFill>
+                  <a:latin typeface="Arial"/>
+                  <a:cs typeface="Arial"/>
+                </a:rPr>
+                <a:t>60</a:t>
+              </a:r>
+            </a:p>
+          </p:txBody>
+        </p:sp>
+        <p:sp>
+          <p:nvSpPr>
+            <p:cNvPr id="36" name="tx36"/>
+            <p:cNvSpPr/>
+            <p:nvPr/>
+          </p:nvSpPr>
+          <p:spPr>
+            <a:xfrm rot="-3600000">
+              <a:off x="7950387" y="7772624"/>
+              <a:ext cx="339030" cy="222795"/>
+            </a:xfrm>
+            <a:prstGeom prst="rect">
+              <a:avLst/>
+            </a:prstGeom>
+            <a:noFill/>
+          </p:spPr>
+          <p:txBody>
+            <a:bodyPr lIns="0" rIns="0" tIns="0" bIns="0" anchorCtr="1" anchor="ctr" wrap="none"/>
+            <a:lstStyle/>
+            <a:p>
+              <a:pPr algn="l" marL="0" marR="0" indent="0">
+                <a:lnSpc>
+                  <a:spcPts val="2400"/>
+                </a:lnSpc>
+                <a:spcBef>
+                  <a:spcPts val="0"/>
+                </a:spcBef>
+                <a:spcAft>
+                  <a:spcPts val="0"/>
+                </a:spcAft>
+              </a:pPr>
+              <a:r>
+                <a:rPr sz="2400">
+                  <a:solidFill>
+                    <a:srgbClr val="000000">
+                      <a:alpha val="100000"/>
+                    </a:srgbClr>
+                  </a:solidFill>
+                  <a:latin typeface="Arial"/>
+                  <a:cs typeface="Arial"/>
+                </a:rPr>
+                <a:t>70</a:t>
+              </a:r>
+            </a:p>
+          </p:txBody>
+        </p:sp>
+        <p:sp>
+          <p:nvSpPr>
+            <p:cNvPr id="37" name="tx37"/>
+            <p:cNvSpPr/>
+            <p:nvPr/>
+          </p:nvSpPr>
+          <p:spPr>
+            <a:xfrm rot="-3600000">
+              <a:off x="8282203" y="7772624"/>
+              <a:ext cx="339030" cy="222795"/>
+            </a:xfrm>
+            <a:prstGeom prst="rect">
+              <a:avLst/>
+            </a:prstGeom>
+            <a:noFill/>
+          </p:spPr>
+          <p:txBody>
+            <a:bodyPr lIns="0" rIns="0" tIns="0" bIns="0" anchorCtr="1" anchor="ctr" wrap="none"/>
+            <a:lstStyle/>
+            <a:p>
+              <a:pPr algn="l" marL="0" marR="0" indent="0">
+                <a:lnSpc>
+                  <a:spcPts val="2400"/>
+                </a:lnSpc>
+                <a:spcBef>
+                  <a:spcPts val="0"/>
+                </a:spcBef>
+                <a:spcAft>
+                  <a:spcPts val="0"/>
+                </a:spcAft>
+              </a:pPr>
+              <a:r>
+                <a:rPr sz="2400">
+                  <a:solidFill>
+                    <a:srgbClr val="000000">
+                      <a:alpha val="100000"/>
+                    </a:srgbClr>
+                  </a:solidFill>
+                  <a:latin typeface="Arial"/>
+                  <a:cs typeface="Arial"/>
+                </a:rPr>
+                <a:t>80</a:t>
+              </a:r>
+            </a:p>
+          </p:txBody>
+        </p:sp>
+        <p:sp>
+          <p:nvSpPr>
+            <p:cNvPr id="38" name="tx38"/>
+            <p:cNvSpPr/>
+            <p:nvPr/>
+          </p:nvSpPr>
+          <p:spPr>
+            <a:xfrm rot="-3600000">
+              <a:off x="8614019" y="7772624"/>
+              <a:ext cx="339030" cy="222795"/>
+            </a:xfrm>
+            <a:prstGeom prst="rect">
+              <a:avLst/>
+            </a:prstGeom>
+            <a:noFill/>
+          </p:spPr>
+          <p:txBody>
+            <a:bodyPr lIns="0" rIns="0" tIns="0" bIns="0" anchorCtr="1" anchor="ctr" wrap="none"/>
+            <a:lstStyle/>
+            <a:p>
+              <a:pPr algn="l" marL="0" marR="0" indent="0">
+                <a:lnSpc>
+                  <a:spcPts val="2400"/>
+                </a:lnSpc>
+                <a:spcBef>
+                  <a:spcPts val="0"/>
+                </a:spcBef>
+                <a:spcAft>
+                  <a:spcPts val="0"/>
+                </a:spcAft>
+              </a:pPr>
+              <a:r>
+                <a:rPr sz="2400">
+                  <a:solidFill>
+                    <a:srgbClr val="000000">
+                      <a:alpha val="100000"/>
+                    </a:srgbClr>
+                  </a:solidFill>
+                  <a:latin typeface="Arial"/>
+                  <a:cs typeface="Arial"/>
+                </a:rPr>
+                <a:t>90</a:t>
+              </a:r>
+            </a:p>
+          </p:txBody>
+        </p:sp>
+        <p:sp>
+          <p:nvSpPr>
+            <p:cNvPr id="39" name="tx39"/>
+            <p:cNvSpPr/>
+            <p:nvPr/>
+          </p:nvSpPr>
+          <p:spPr>
+            <a:xfrm rot="-3600000">
+              <a:off x="8861077" y="7772624"/>
+              <a:ext cx="508545" cy="222795"/>
+            </a:xfrm>
+            <a:prstGeom prst="rect">
+              <a:avLst/>
+            </a:prstGeom>
+            <a:noFill/>
+          </p:spPr>
+          <p:txBody>
+            <a:bodyPr lIns="0" rIns="0" tIns="0" bIns="0" anchorCtr="1" anchor="ctr" wrap="none"/>
+            <a:lstStyle/>
+            <a:p>
+              <a:pPr algn="l" marL="0" marR="0" indent="0">
+                <a:lnSpc>
+                  <a:spcPts val="2400"/>
+                </a:lnSpc>
+                <a:spcBef>
+                  <a:spcPts val="0"/>
+                </a:spcBef>
+                <a:spcAft>
+                  <a:spcPts val="0"/>
+                </a:spcAft>
+              </a:pPr>
+              <a:r>
+                <a:rPr sz="2400">
+                  <a:solidFill>
+                    <a:srgbClr val="000000">
+                      <a:alpha val="100000"/>
+                    </a:srgbClr>
+                  </a:solidFill>
+                  <a:latin typeface="Arial"/>
+                  <a:cs typeface="Arial"/>
+                </a:rPr>
+                <a:t>100</a:t>
+              </a:r>
+            </a:p>
+          </p:txBody>
+        </p:sp>
+        <p:sp>
+          <p:nvSpPr>
+            <p:cNvPr id="40" name="tx40"/>
+            <p:cNvSpPr/>
+            <p:nvPr/>
+          </p:nvSpPr>
+          <p:spPr>
+            <a:xfrm rot="-3600000">
+              <a:off x="9192894" y="7772624"/>
+              <a:ext cx="508545" cy="222795"/>
+            </a:xfrm>
+            <a:prstGeom prst="rect">
+              <a:avLst/>
+            </a:prstGeom>
+            <a:noFill/>
+          </p:spPr>
+          <p:txBody>
+            <a:bodyPr lIns="0" rIns="0" tIns="0" bIns="0" anchorCtr="1" anchor="ctr" wrap="none"/>
+            <a:lstStyle/>
+            <a:p>
+              <a:pPr algn="l" marL="0" marR="0" indent="0">
+                <a:lnSpc>
+                  <a:spcPts val="2400"/>
+                </a:lnSpc>
+                <a:spcBef>
+                  <a:spcPts val="0"/>
+                </a:spcBef>
+                <a:spcAft>
+                  <a:spcPts val="0"/>
+                </a:spcAft>
+              </a:pPr>
+              <a:r>
+                <a:rPr sz="2400">
+                  <a:solidFill>
+                    <a:srgbClr val="000000">
+                      <a:alpha val="100000"/>
+                    </a:srgbClr>
+                  </a:solidFill>
+                  <a:latin typeface="Arial"/>
+                  <a:cs typeface="Arial"/>
+                </a:rPr>
+                <a:t>110</a:t>
+              </a:r>
+            </a:p>
+          </p:txBody>
+        </p:sp>
+        <p:sp>
+          <p:nvSpPr>
+            <p:cNvPr id="41" name="tx41"/>
+            <p:cNvSpPr/>
+            <p:nvPr/>
+          </p:nvSpPr>
+          <p:spPr>
+            <a:xfrm rot="-3600000">
+              <a:off x="9524710" y="7772624"/>
+              <a:ext cx="508545" cy="222795"/>
+            </a:xfrm>
+            <a:prstGeom prst="rect">
+              <a:avLst/>
+            </a:prstGeom>
+            <a:noFill/>
+          </p:spPr>
+          <p:txBody>
+            <a:bodyPr lIns="0" rIns="0" tIns="0" bIns="0" anchorCtr="1" anchor="ctr" wrap="none"/>
+            <a:lstStyle/>
+            <a:p>
+              <a:pPr algn="l" marL="0" marR="0" indent="0">
+                <a:lnSpc>
+                  <a:spcPts val="2400"/>
+                </a:lnSpc>
+                <a:spcBef>
+                  <a:spcPts val="0"/>
+                </a:spcBef>
+                <a:spcAft>
+                  <a:spcPts val="0"/>
+                </a:spcAft>
+              </a:pPr>
+              <a:r>
+                <a:rPr sz="2400">
+                  <a:solidFill>
+                    <a:srgbClr val="000000">
+                      <a:alpha val="100000"/>
+                    </a:srgbClr>
+                  </a:solidFill>
+                  <a:latin typeface="Arial"/>
+                  <a:cs typeface="Arial"/>
+                </a:rPr>
+                <a:t>120</a:t>
+              </a:r>
+            </a:p>
+          </p:txBody>
+        </p:sp>
+        <p:sp>
+          <p:nvSpPr>
+            <p:cNvPr id="42" name="tx42"/>
+            <p:cNvSpPr/>
+            <p:nvPr/>
+          </p:nvSpPr>
+          <p:spPr>
+            <a:xfrm rot="-3600000">
+              <a:off x="9856461" y="7772512"/>
+              <a:ext cx="508545" cy="222944"/>
+            </a:xfrm>
+            <a:prstGeom prst="rect">
+              <a:avLst/>
+            </a:prstGeom>
+            <a:noFill/>
+          </p:spPr>
+          <p:txBody>
+            <a:bodyPr lIns="0" rIns="0" tIns="0" bIns="0" anchorCtr="1" anchor="ctr" wrap="none"/>
+            <a:lstStyle/>
+            <a:p>
+              <a:pPr algn="l" marL="0" marR="0" indent="0">
+                <a:lnSpc>
+                  <a:spcPts val="2400"/>
+                </a:lnSpc>
+                <a:spcBef>
+                  <a:spcPts val="0"/>
+                </a:spcBef>
+                <a:spcAft>
+                  <a:spcPts val="0"/>
+                </a:spcAft>
+              </a:pPr>
+              <a:r>
+                <a:rPr sz="2400">
+                  <a:solidFill>
+                    <a:srgbClr val="000000">
+                      <a:alpha val="100000"/>
+                    </a:srgbClr>
+                  </a:solidFill>
+                  <a:latin typeface="Arial"/>
+                  <a:cs typeface="Arial"/>
+                </a:rPr>
+                <a:t>130</a:t>
+              </a:r>
+            </a:p>
+          </p:txBody>
+        </p:sp>
+        <p:sp>
+          <p:nvSpPr>
+            <p:cNvPr id="43" name="tx43"/>
+            <p:cNvSpPr/>
+            <p:nvPr/>
+          </p:nvSpPr>
+          <p:spPr>
+            <a:xfrm>
+              <a:off x="6756730" y="8593894"/>
+              <a:ext cx="2541389" cy="286047"/>
+            </a:xfrm>
+            <a:prstGeom prst="rect">
+              <a:avLst/>
+            </a:prstGeom>
+            <a:noFill/>
+          </p:spPr>
+          <p:txBody>
+            <a:bodyPr lIns="0" rIns="0" tIns="0" bIns="0" anchorCtr="1" anchor="ctr" wrap="none"/>
+            <a:lstStyle/>
+            <a:p>
+              <a:pPr algn="l" marL="0" marR="0" indent="0">
+                <a:lnSpc>
+                  <a:spcPts val="2400"/>
+                </a:lnSpc>
+                <a:spcBef>
+                  <a:spcPts val="0"/>
+                </a:spcBef>
+                <a:spcAft>
+                  <a:spcPts val="0"/>
+                </a:spcAft>
+              </a:pPr>
+              <a:r>
+                <a:rPr sz="2400">
+                  <a:solidFill>
+                    <a:srgbClr val="000000">
+                      <a:alpha val="100000"/>
+                    </a:srgbClr>
+                  </a:solidFill>
+                  <a:latin typeface="Arial"/>
+                  <a:cs typeface="Arial"/>
+                </a:rPr>
+                <a:t>Days after planting</a:t>
+              </a:r>
+            </a:p>
+          </p:txBody>
+        </p:sp>
+        <p:sp>
+          <p:nvSpPr>
+            <p:cNvPr id="44" name="tx44"/>
+            <p:cNvSpPr/>
+            <p:nvPr/>
+          </p:nvSpPr>
+          <p:spPr>
+            <a:xfrm rot="-5400000">
+              <a:off x="3005893" y="4990337"/>
+              <a:ext cx="3878907" cy="286047"/>
+            </a:xfrm>
+            <a:prstGeom prst="rect">
+              <a:avLst/>
+            </a:prstGeom>
+            <a:noFill/>
+          </p:spPr>
+          <p:txBody>
+            <a:bodyPr lIns="0" rIns="0" tIns="0" bIns="0" anchorCtr="1" anchor="ctr" wrap="none"/>
+            <a:lstStyle/>
+            <a:p>
+              <a:pPr algn="l" marL="0" marR="0" indent="0">
+                <a:lnSpc>
+                  <a:spcPts val="2400"/>
+                </a:lnSpc>
+                <a:spcBef>
+                  <a:spcPts val="0"/>
+                </a:spcBef>
+                <a:spcAft>
+                  <a:spcPts val="0"/>
+                </a:spcAft>
+              </a:pPr>
+              <a:r>
+                <a:rPr sz="2400">
+                  <a:solidFill>
+                    <a:srgbClr val="000000">
+                      <a:alpha val="100000"/>
+                    </a:srgbClr>
+                  </a:solidFill>
+                  <a:latin typeface="Arial"/>
+                  <a:cs typeface="Arial"/>
+                </a:rPr>
+                <a:t>Maximum rooting depth (cm)</a:t>
+              </a:r>
+            </a:p>
+          </p:txBody>
+        </p:sp>
+        <p:sp>
+          <p:nvSpPr>
+            <p:cNvPr id="45" name="tx45"/>
+            <p:cNvSpPr/>
+            <p:nvPr/>
+          </p:nvSpPr>
+          <p:spPr>
+            <a:xfrm>
+              <a:off x="6456915" y="1756903"/>
+              <a:ext cx="3141017" cy="258712"/>
+            </a:xfrm>
+            <a:prstGeom prst="rect">
+              <a:avLst/>
+            </a:prstGeom>
+            <a:noFill/>
+          </p:spPr>
+          <p:txBody>
+            <a:bodyPr lIns="0" rIns="0" tIns="0" bIns="0" anchorCtr="1" anchor="ctr" wrap="none"/>
+            <a:lstStyle/>
+            <a:p>
+              <a:pPr algn="l" marL="0" marR="0" indent="0">
+                <a:lnSpc>
+                  <a:spcPts val="2800"/>
+                </a:lnSpc>
+                <a:spcBef>
+                  <a:spcPts val="0"/>
+                </a:spcBef>
+                <a:spcAft>
+                  <a:spcPts val="0"/>
+                </a:spcAft>
+              </a:pPr>
+              <a:r>
+                <a:rPr sz="2800" b="1">
+                  <a:solidFill>
+                    <a:srgbClr val="000000">
+                      <a:alpha val="100000"/>
+                    </a:srgbClr>
+                  </a:solidFill>
+                  <a:latin typeface="Arial"/>
+                  <a:cs typeface="Arial"/>
+                </a:rPr>
+                <a:t>Manual annotation</a:t>
+              </a:r>
+            </a:p>
+          </p:txBody>
+        </p:sp>
+        <p:sp>
+          <p:nvSpPr>
+            <p:cNvPr id="46" name="tx46"/>
+            <p:cNvSpPr/>
+            <p:nvPr/>
+          </p:nvSpPr>
+          <p:spPr>
+            <a:xfrm>
+              <a:off x="8027424" y="2399664"/>
+              <a:ext cx="0" cy="0"/>
+            </a:xfrm>
+            <a:prstGeom prst="rect">
+              <a:avLst/>
+            </a:prstGeom>
+            <a:noFill/>
+          </p:spPr>
+          <p:txBody>
+            <a:bodyPr lIns="0" rIns="0" tIns="0" bIns="0" anchorCtr="1" anchor="ctr" wrap="none"/>
+            <a:lstStyle/>
+            <a:p>
+              <a:pPr algn="l" marL="0" marR="0" indent="0">
+                <a:lnSpc>
+                  <a:spcPts val="2800"/>
+                </a:lnSpc>
+                <a:spcBef>
+                  <a:spcPts val="0"/>
+                </a:spcBef>
+                <a:spcAft>
+                  <a:spcPts val="0"/>
+                </a:spcAft>
+              </a:pPr>
+              <a:r>
+                <a:rPr sz="2800" b="1">
+                  <a:solidFill>
+                    <a:srgbClr val="000000">
+                      <a:alpha val="100000"/>
+                    </a:srgbClr>
+                  </a:solidFill>
+                  <a:latin typeface="Arial"/>
+                  <a:cs typeface="Arial"/>
+                </a:rPr>
+                <a:t/>
+              </a:r>
+            </a:p>
+          </p:txBody>
+        </p:sp>
       </p:grpSp>
     </p:spTree>
   </p:cSld>
@@ -6766,37 +8660,37 @@
           </p:nvSpPr>
           <p:spPr>
             <a:xfrm>
-              <a:off x="6068374" y="2779025"/>
-              <a:ext cx="0" cy="4861950"/>
+              <a:off x="6207060" y="2779025"/>
+              <a:ext cx="73767" cy="4861950"/>
             </a:xfrm>
             <a:custGeom>
               <a:avLst/>
               <a:pathLst>
-                <a:path w="0" h="4861950">
+                <a:path w="73767" h="4861950">
                   <a:moveTo>
-                    <a:pt x="0" y="4861950"/>
+                    <a:pt x="73767" y="4861950"/>
                   </a:moveTo>
                   <a:lnTo>
                     <a:pt x="0" y="3889560"/>
                   </a:lnTo>
                   <a:lnTo>
-                    <a:pt x="0" y="2917170"/>
-                  </a:lnTo>
-                  <a:lnTo>
-                    <a:pt x="0" y="1944780"/>
-                  </a:lnTo>
-                  <a:lnTo>
-                    <a:pt x="0" y="972390"/>
-                  </a:lnTo>
-                  <a:lnTo>
-                    <a:pt x="0" y="0"/>
+                    <a:pt x="13802" y="2917170"/>
+                  </a:lnTo>
+                  <a:lnTo>
+                    <a:pt x="17895" y="1944780"/>
+                  </a:lnTo>
+                  <a:lnTo>
+                    <a:pt x="5024" y="972390"/>
+                  </a:lnTo>
+                  <a:lnTo>
+                    <a:pt x="5692" y="0"/>
                   </a:lnTo>
                 </a:path>
               </a:pathLst>
             </a:custGeom>
             <a:ln w="27101" cap="flat">
               <a:solidFill>
-                <a:srgbClr val="FFF0EB">
+                <a:srgbClr val="F5EDFF">
                   <a:alpha val="100000"/>
                 </a:srgbClr>
               </a:solidFill>
@@ -6818,37 +8712,37 @@
           </p:nvSpPr>
           <p:spPr>
             <a:xfrm>
-              <a:off x="6068374" y="2779025"/>
-              <a:ext cx="346764" cy="4861950"/>
+              <a:off x="6194372" y="2779025"/>
+              <a:ext cx="319675" cy="4861950"/>
             </a:xfrm>
             <a:custGeom>
               <a:avLst/>
               <a:pathLst>
-                <a:path w="346764" h="4861950">
+                <a:path w="319675" h="4861950">
                   <a:moveTo>
-                    <a:pt x="0" y="4861950"/>
+                    <a:pt x="51303" y="4861950"/>
                   </a:moveTo>
                   <a:lnTo>
                     <a:pt x="0" y="3889560"/>
                   </a:lnTo>
                   <a:lnTo>
-                    <a:pt x="0" y="2917170"/>
-                  </a:lnTo>
-                  <a:lnTo>
-                    <a:pt x="206868" y="1944780"/>
-                  </a:lnTo>
-                  <a:lnTo>
-                    <a:pt x="283453" y="972390"/>
-                  </a:lnTo>
-                  <a:lnTo>
-                    <a:pt x="346764" y="0"/>
+                    <a:pt x="23838" y="2917170"/>
+                  </a:lnTo>
+                  <a:lnTo>
+                    <a:pt x="98007" y="1944780"/>
+                  </a:lnTo>
+                  <a:lnTo>
+                    <a:pt x="149254" y="972390"/>
+                  </a:lnTo>
+                  <a:lnTo>
+                    <a:pt x="319675" y="0"/>
                   </a:lnTo>
                 </a:path>
               </a:pathLst>
             </a:custGeom>
             <a:ln w="27101" cap="flat">
               <a:solidFill>
-                <a:srgbClr val="FFE2D7">
+                <a:srgbClr val="EADBFF">
                   <a:alpha val="100000"/>
                 </a:srgbClr>
               </a:solidFill>
@@ -6870,37 +8764,37 @@
           </p:nvSpPr>
           <p:spPr>
             <a:xfrm>
-              <a:off x="6068374" y="2779025"/>
-              <a:ext cx="568618" cy="4861950"/>
+              <a:off x="6223395" y="2779025"/>
+              <a:ext cx="390377" cy="4861950"/>
             </a:xfrm>
             <a:custGeom>
               <a:avLst/>
               <a:pathLst>
-                <a:path w="568618" h="4861950">
+                <a:path w="390377" h="4861950">
                   <a:moveTo>
-                    <a:pt x="0" y="4861950"/>
+                    <a:pt x="53738" y="4861950"/>
                   </a:moveTo>
                   <a:lnTo>
                     <a:pt x="0" y="3889560"/>
                   </a:lnTo>
                   <a:lnTo>
-                    <a:pt x="0" y="2917170"/>
-                  </a:lnTo>
-                  <a:lnTo>
-                    <a:pt x="344651" y="1944780"/>
-                  </a:lnTo>
-                  <a:lnTo>
-                    <a:pt x="307634" y="972390"/>
-                  </a:lnTo>
-                  <a:lnTo>
-                    <a:pt x="568618" y="0"/>
+                    <a:pt x="9018" y="2917170"/>
+                  </a:lnTo>
+                  <a:lnTo>
+                    <a:pt x="135135" y="1944780"/>
+                  </a:lnTo>
+                  <a:lnTo>
+                    <a:pt x="132366" y="972390"/>
+                  </a:lnTo>
+                  <a:lnTo>
+                    <a:pt x="390377" y="0"/>
                   </a:lnTo>
                 </a:path>
               </a:pathLst>
             </a:custGeom>
             <a:ln w="27101" cap="flat">
               <a:solidFill>
-                <a:srgbClr val="FFD3C4">
+                <a:srgbClr val="DFC9FF">
                   <a:alpha val="100000"/>
                 </a:srgbClr>
               </a:solidFill>
@@ -6922,37 +8816,37 @@
           </p:nvSpPr>
           <p:spPr>
             <a:xfrm>
-              <a:off x="6068374" y="2779025"/>
-              <a:ext cx="538444" cy="4861950"/>
+              <a:off x="6216184" y="2779025"/>
+              <a:ext cx="365268" cy="4861950"/>
             </a:xfrm>
             <a:custGeom>
               <a:avLst/>
               <a:pathLst>
-                <a:path w="538444" h="4861950">
+                <a:path w="365268" h="4861950">
                   <a:moveTo>
-                    <a:pt x="0" y="4861950"/>
+                    <a:pt x="66745" y="4861950"/>
                   </a:moveTo>
                   <a:lnTo>
-                    <a:pt x="0" y="3889560"/>
+                    <a:pt x="16654" y="3889560"/>
                   </a:lnTo>
                   <a:lnTo>
                     <a:pt x="0" y="2917170"/>
                   </a:lnTo>
                   <a:lnTo>
-                    <a:pt x="346893" y="1944780"/>
-                  </a:lnTo>
-                  <a:lnTo>
-                    <a:pt x="363152" y="972390"/>
-                  </a:lnTo>
-                  <a:lnTo>
-                    <a:pt x="538444" y="0"/>
+                    <a:pt x="100244" y="1944780"/>
+                  </a:lnTo>
+                  <a:lnTo>
+                    <a:pt x="150095" y="972390"/>
+                  </a:lnTo>
+                  <a:lnTo>
+                    <a:pt x="365268" y="0"/>
                   </a:lnTo>
                 </a:path>
               </a:pathLst>
             </a:custGeom>
             <a:ln w="27101" cap="flat">
               <a:solidFill>
-                <a:srgbClr val="FFC4B0">
+                <a:srgbClr val="D3B7FF">
                   <a:alpha val="100000"/>
                 </a:srgbClr>
               </a:solidFill>
@@ -6974,37 +8868,37 @@
           </p:nvSpPr>
           <p:spPr>
             <a:xfrm>
-              <a:off x="6068374" y="2779025"/>
-              <a:ext cx="563113" cy="4861950"/>
+              <a:off x="6193909" y="2779025"/>
+              <a:ext cx="396766" cy="4861950"/>
             </a:xfrm>
             <a:custGeom>
               <a:avLst/>
               <a:pathLst>
-                <a:path w="563113" h="4861950">
+                <a:path w="396766" h="4861950">
                   <a:moveTo>
-                    <a:pt x="0" y="4861950"/>
+                    <a:pt x="82024" y="4861950"/>
                   </a:moveTo>
                   <a:lnTo>
-                    <a:pt x="0" y="3889560"/>
+                    <a:pt x="34202" y="3889560"/>
                   </a:lnTo>
                   <a:lnTo>
                     <a:pt x="0" y="2917170"/>
                   </a:lnTo>
                   <a:lnTo>
-                    <a:pt x="332243" y="1944780"/>
-                  </a:lnTo>
-                  <a:lnTo>
-                    <a:pt x="332561" y="972390"/>
-                  </a:lnTo>
-                  <a:lnTo>
-                    <a:pt x="563113" y="0"/>
+                    <a:pt x="174135" y="1944780"/>
+                  </a:lnTo>
+                  <a:lnTo>
+                    <a:pt x="243147" y="972390"/>
+                  </a:lnTo>
+                  <a:lnTo>
+                    <a:pt x="396766" y="0"/>
                   </a:lnTo>
                 </a:path>
               </a:pathLst>
             </a:custGeom>
             <a:ln w="27101" cap="flat">
               <a:solidFill>
-                <a:srgbClr val="FFB59D">
+                <a:srgbClr val="C7A6FF">
                   <a:alpha val="100000"/>
                 </a:srgbClr>
               </a:solidFill>
@@ -7026,37 +8920,37 @@
           </p:nvSpPr>
           <p:spPr>
             <a:xfrm>
-              <a:off x="6068374" y="2779025"/>
-              <a:ext cx="579115" cy="4861950"/>
+              <a:off x="6220184" y="2779025"/>
+              <a:ext cx="343426" cy="4861950"/>
             </a:xfrm>
             <a:custGeom>
               <a:avLst/>
               <a:pathLst>
-                <a:path w="579115" h="4861950">
+                <a:path w="343426" h="4861950">
                   <a:moveTo>
-                    <a:pt x="0" y="4861950"/>
+                    <a:pt x="61986" y="4861950"/>
                   </a:moveTo>
                   <a:lnTo>
-                    <a:pt x="0" y="3889560"/>
+                    <a:pt x="3223" y="3889560"/>
                   </a:lnTo>
                   <a:lnTo>
                     <a:pt x="0" y="2917170"/>
                   </a:lnTo>
                   <a:lnTo>
-                    <a:pt x="351352" y="1944780"/>
-                  </a:lnTo>
-                  <a:lnTo>
-                    <a:pt x="360710" y="972390"/>
-                  </a:lnTo>
-                  <a:lnTo>
-                    <a:pt x="579115" y="0"/>
+                    <a:pt x="212059" y="1944780"/>
+                  </a:lnTo>
+                  <a:lnTo>
+                    <a:pt x="189917" y="972390"/>
+                  </a:lnTo>
+                  <a:lnTo>
+                    <a:pt x="343426" y="0"/>
                   </a:lnTo>
                 </a:path>
               </a:pathLst>
             </a:custGeom>
             <a:ln w="27101" cap="flat">
               <a:solidFill>
-                <a:srgbClr val="FFA68B">
+                <a:srgbClr val="BA94FF">
                   <a:alpha val="100000"/>
                 </a:srgbClr>
               </a:solidFill>
@@ -7078,37 +8972,37 @@
           </p:nvSpPr>
           <p:spPr>
             <a:xfrm>
-              <a:off x="6068374" y="2779025"/>
-              <a:ext cx="610481" cy="4861950"/>
+              <a:off x="6208421" y="2779025"/>
+              <a:ext cx="508375" cy="4861950"/>
             </a:xfrm>
             <a:custGeom>
               <a:avLst/>
               <a:pathLst>
-                <a:path w="610481" h="4861950">
+                <a:path w="508375" h="4861950">
                   <a:moveTo>
-                    <a:pt x="0" y="4861950"/>
+                    <a:pt x="75228" y="4861950"/>
                   </a:moveTo>
                   <a:lnTo>
                     <a:pt x="0" y="3889560"/>
                   </a:lnTo>
                   <a:lnTo>
-                    <a:pt x="218996" y="2917170"/>
-                  </a:lnTo>
-                  <a:lnTo>
-                    <a:pt x="540368" y="1944780"/>
-                  </a:lnTo>
-                  <a:lnTo>
-                    <a:pt x="374910" y="972390"/>
-                  </a:lnTo>
-                  <a:lnTo>
-                    <a:pt x="610481" y="0"/>
+                    <a:pt x="114092" y="2917170"/>
+                  </a:lnTo>
+                  <a:lnTo>
+                    <a:pt x="508375" y="1944780"/>
+                  </a:lnTo>
+                  <a:lnTo>
+                    <a:pt x="256087" y="972390"/>
+                  </a:lnTo>
+                  <a:lnTo>
+                    <a:pt x="305079" y="0"/>
                   </a:lnTo>
                 </a:path>
               </a:pathLst>
             </a:custGeom>
             <a:ln w="27101" cap="flat">
               <a:solidFill>
-                <a:srgbClr val="FF9678">
+                <a:srgbClr val="AC82FF">
                   <a:alpha val="100000"/>
                 </a:srgbClr>
               </a:solidFill>
@@ -7130,37 +9024,37 @@
           </p:nvSpPr>
           <p:spPr>
             <a:xfrm>
-              <a:off x="6068374" y="2779025"/>
-              <a:ext cx="1466727" cy="4861950"/>
+              <a:off x="6219101" y="2779025"/>
+              <a:ext cx="1466166" cy="4861950"/>
             </a:xfrm>
             <a:custGeom>
               <a:avLst/>
               <a:pathLst>
-                <a:path w="1466727" h="4861950">
+                <a:path w="1466166" h="4861950">
                   <a:moveTo>
-                    <a:pt x="0" y="4861950"/>
+                    <a:pt x="48011" y="4861950"/>
                   </a:moveTo>
                   <a:lnTo>
-                    <a:pt x="12561" y="3889560"/>
-                  </a:lnTo>
-                  <a:lnTo>
-                    <a:pt x="1057560" y="2917170"/>
-                  </a:lnTo>
-                  <a:lnTo>
-                    <a:pt x="1382791" y="1944780"/>
-                  </a:lnTo>
-                  <a:lnTo>
-                    <a:pt x="1466727" y="972390"/>
-                  </a:lnTo>
-                  <a:lnTo>
-                    <a:pt x="641599" y="0"/>
+                    <a:pt x="0" y="3889560"/>
+                  </a:lnTo>
+                  <a:lnTo>
+                    <a:pt x="1048912" y="2917170"/>
+                  </a:lnTo>
+                  <a:lnTo>
+                    <a:pt x="1270609" y="1944780"/>
+                  </a:lnTo>
+                  <a:lnTo>
+                    <a:pt x="1466166" y="972390"/>
+                  </a:lnTo>
+                  <a:lnTo>
+                    <a:pt x="352203" y="0"/>
                   </a:lnTo>
                 </a:path>
               </a:pathLst>
             </a:custGeom>
             <a:ln w="27101" cap="flat">
               <a:solidFill>
-                <a:srgbClr val="FF8666">
+                <a:srgbClr val="9D71FF">
                   <a:alpha val="100000"/>
                 </a:srgbClr>
               </a:solidFill>
@@ -7182,37 +9076,37 @@
           </p:nvSpPr>
           <p:spPr>
             <a:xfrm>
-              <a:off x="6273272" y="2779025"/>
-              <a:ext cx="1334563" cy="4861950"/>
+              <a:off x="6268039" y="2779025"/>
+              <a:ext cx="1268920" cy="4861950"/>
             </a:xfrm>
             <a:custGeom>
               <a:avLst/>
               <a:pathLst>
-                <a:path w="1334563" h="4861950">
+                <a:path w="1268920" h="4861950">
                   <a:moveTo>
-                    <a:pt x="110433" y="4861950"/>
+                    <a:pt x="250629" y="4861950"/>
                   </a:moveTo>
                   <a:lnTo>
                     <a:pt x="0" y="3889560"/>
                   </a:lnTo>
                   <a:lnTo>
-                    <a:pt x="1062135" y="2917170"/>
-                  </a:lnTo>
-                  <a:lnTo>
-                    <a:pt x="1283831" y="1944780"/>
-                  </a:lnTo>
-                  <a:lnTo>
-                    <a:pt x="1334563" y="972390"/>
-                  </a:lnTo>
-                  <a:lnTo>
-                    <a:pt x="521049" y="0"/>
+                    <a:pt x="1158372" y="2917170"/>
+                  </a:lnTo>
+                  <a:lnTo>
+                    <a:pt x="1268920" y="1944780"/>
+                  </a:lnTo>
+                  <a:lnTo>
+                    <a:pt x="1153146" y="972390"/>
+                  </a:lnTo>
+                  <a:lnTo>
+                    <a:pt x="273455" y="0"/>
                   </a:lnTo>
                 </a:path>
               </a:pathLst>
             </a:custGeom>
             <a:ln w="27101" cap="flat">
               <a:solidFill>
-                <a:srgbClr val="FF7554">
+                <a:srgbClr val="8C5FFF">
                   <a:alpha val="100000"/>
                 </a:srgbClr>
               </a:solidFill>
@@ -7234,37 +9128,37 @@
           </p:nvSpPr>
           <p:spPr>
             <a:xfrm>
-              <a:off x="6543611" y="2779025"/>
-              <a:ext cx="1347297" cy="4861950"/>
+              <a:off x="6421902" y="2779025"/>
+              <a:ext cx="1674031" cy="4861950"/>
             </a:xfrm>
             <a:custGeom>
               <a:avLst/>
               <a:pathLst>
-                <a:path w="1347297" h="4861950">
+                <a:path w="1674031" h="4861950">
                   <a:moveTo>
-                    <a:pt x="514734" y="4861950"/>
+                    <a:pt x="743465" y="4861950"/>
                   </a:moveTo>
                   <a:lnTo>
                     <a:pt x="0" y="3889560"/>
                   </a:lnTo>
                   <a:lnTo>
-                    <a:pt x="1033493" y="2917170"/>
-                  </a:lnTo>
-                  <a:lnTo>
-                    <a:pt x="1315177" y="1944780"/>
-                  </a:lnTo>
-                  <a:lnTo>
-                    <a:pt x="1347297" y="972390"/>
-                  </a:lnTo>
-                  <a:lnTo>
-                    <a:pt x="508382" y="0"/>
+                    <a:pt x="1284556" y="2917170"/>
+                  </a:lnTo>
+                  <a:lnTo>
+                    <a:pt x="1378387" y="1944780"/>
+                  </a:lnTo>
+                  <a:lnTo>
+                    <a:pt x="1674031" y="972390"/>
+                  </a:lnTo>
+                  <a:lnTo>
+                    <a:pt x="498198" y="0"/>
                   </a:lnTo>
                 </a:path>
               </a:pathLst>
             </a:custGeom>
             <a:ln w="27101" cap="flat">
               <a:solidFill>
-                <a:srgbClr val="FF6342">
+                <a:srgbClr val="794DFF">
                   <a:alpha val="100000"/>
                 </a:srgbClr>
               </a:solidFill>
@@ -7286,37 +9180,37 @@
           </p:nvSpPr>
           <p:spPr>
             <a:xfrm>
-              <a:off x="6547396" y="2779025"/>
-              <a:ext cx="1741988" cy="4861950"/>
+              <a:off x="6434244" y="2779025"/>
+              <a:ext cx="1677343" cy="4861950"/>
             </a:xfrm>
             <a:custGeom>
               <a:avLst/>
               <a:pathLst>
-                <a:path w="1741988" h="4861950">
+                <a:path w="1677343" h="4861950">
                   <a:moveTo>
-                    <a:pt x="836881" y="4861950"/>
+                    <a:pt x="818220" y="4861950"/>
                   </a:moveTo>
                   <a:lnTo>
                     <a:pt x="0" y="3889560"/>
                   </a:lnTo>
                   <a:lnTo>
-                    <a:pt x="906786" y="2917170"/>
-                  </a:lnTo>
-                  <a:lnTo>
-                    <a:pt x="1471515" y="1944780"/>
-                  </a:lnTo>
-                  <a:lnTo>
-                    <a:pt x="1741988" y="972390"/>
-                  </a:lnTo>
-                  <a:lnTo>
-                    <a:pt x="567954" y="0"/>
+                    <a:pt x="1037540" y="2917170"/>
+                  </a:lnTo>
+                  <a:lnTo>
+                    <a:pt x="1579186" y="1944780"/>
+                  </a:lnTo>
+                  <a:lnTo>
+                    <a:pt x="1677343" y="972390"/>
+                  </a:lnTo>
+                  <a:lnTo>
+                    <a:pt x="401959" y="0"/>
                   </a:lnTo>
                 </a:path>
               </a:pathLst>
             </a:custGeom>
             <a:ln w="27101" cap="flat">
               <a:solidFill>
-                <a:srgbClr val="FF4E2F">
+                <a:srgbClr val="633AFF">
                   <a:alpha val="100000"/>
                 </a:srgbClr>
               </a:solidFill>
@@ -7338,37 +9232,37 @@
           </p:nvSpPr>
           <p:spPr>
             <a:xfrm>
-              <a:off x="6540507" y="2779025"/>
-              <a:ext cx="1839686" cy="4861950"/>
+              <a:off x="6421477" y="2779025"/>
+              <a:ext cx="1912211" cy="4861950"/>
             </a:xfrm>
             <a:custGeom>
               <a:avLst/>
               <a:pathLst>
-                <a:path w="1839686" h="4861950">
+                <a:path w="1912211" h="4861950">
                   <a:moveTo>
-                    <a:pt x="820335" y="4861950"/>
+                    <a:pt x="934423" y="4861950"/>
                   </a:moveTo>
                   <a:lnTo>
                     <a:pt x="0" y="3889560"/>
                   </a:lnTo>
                   <a:lnTo>
-                    <a:pt x="1028513" y="2917170"/>
-                  </a:lnTo>
-                  <a:lnTo>
-                    <a:pt x="1429716" y="1944780"/>
-                  </a:lnTo>
-                  <a:lnTo>
-                    <a:pt x="1839686" y="972390"/>
-                  </a:lnTo>
-                  <a:lnTo>
-                    <a:pt x="549554" y="0"/>
+                    <a:pt x="1266162" y="2917170"/>
+                  </a:lnTo>
+                  <a:lnTo>
+                    <a:pt x="1527389" y="1944780"/>
+                  </a:lnTo>
+                  <a:lnTo>
+                    <a:pt x="1912211" y="972390"/>
+                  </a:lnTo>
+                  <a:lnTo>
+                    <a:pt x="677203" y="0"/>
                   </a:lnTo>
                 </a:path>
               </a:pathLst>
             </a:custGeom>
             <a:ln w="27101" cap="flat">
               <a:solidFill>
-                <a:srgbClr val="FF351B">
+                <a:srgbClr val="4624FF">
                   <a:alpha val="100000"/>
                 </a:srgbClr>
               </a:solidFill>
@@ -7390,37 +9284,37 @@
           </p:nvSpPr>
           <p:spPr>
             <a:xfrm>
-              <a:off x="6524380" y="2779025"/>
-              <a:ext cx="1783211" cy="4861950"/>
+              <a:off x="6527266" y="2779025"/>
+              <a:ext cx="1736098" cy="4861950"/>
             </a:xfrm>
             <a:custGeom>
               <a:avLst/>
               <a:pathLst>
-                <a:path w="1783211" h="4861950">
+                <a:path w="1736098" h="4861950">
                   <a:moveTo>
-                    <a:pt x="873604" y="4861950"/>
+                    <a:pt x="953020" y="4861950"/>
                   </a:moveTo>
                   <a:lnTo>
                     <a:pt x="0" y="3889560"/>
                   </a:lnTo>
                   <a:lnTo>
-                    <a:pt x="1031979" y="2917170"/>
-                  </a:lnTo>
-                  <a:lnTo>
-                    <a:pt x="1464277" y="1944780"/>
-                  </a:lnTo>
-                  <a:lnTo>
-                    <a:pt x="1783211" y="972390"/>
-                  </a:lnTo>
-                  <a:lnTo>
-                    <a:pt x="536332" y="0"/>
+                    <a:pt x="1038234" y="2917170"/>
+                  </a:lnTo>
+                  <a:lnTo>
+                    <a:pt x="1285912" y="1944780"/>
+                  </a:lnTo>
+                  <a:lnTo>
+                    <a:pt x="1736098" y="972390"/>
+                  </a:lnTo>
+                  <a:lnTo>
+                    <a:pt x="699885" y="0"/>
                   </a:lnTo>
                 </a:path>
               </a:pathLst>
             </a:custGeom>
             <a:ln w="27101" cap="flat">
               <a:solidFill>
-                <a:srgbClr val="FF0000">
+                <a:srgbClr val="0000FF">
                   <a:alpha val="100000"/>
                 </a:srgbClr>
               </a:solidFill>
@@ -7442,37 +9336,37 @@
           </p:nvSpPr>
           <p:spPr>
             <a:xfrm>
-              <a:off x="6542908" y="2779025"/>
-              <a:ext cx="1818167" cy="4861950"/>
+              <a:off x="6426235" y="2779025"/>
+              <a:ext cx="1797681" cy="4861950"/>
             </a:xfrm>
             <a:custGeom>
               <a:avLst/>
               <a:pathLst>
-                <a:path w="1818167" h="4861950">
+                <a:path w="1797681" h="4861950">
                   <a:moveTo>
-                    <a:pt x="846639" y="4861950"/>
+                    <a:pt x="824860" y="4861950"/>
                   </a:moveTo>
                   <a:lnTo>
                     <a:pt x="0" y="3889560"/>
                   </a:lnTo>
                   <a:lnTo>
-                    <a:pt x="988951" y="2917170"/>
-                  </a:lnTo>
-                  <a:lnTo>
-                    <a:pt x="1454005" y="1944780"/>
-                  </a:lnTo>
-                  <a:lnTo>
-                    <a:pt x="1818167" y="972390"/>
-                  </a:lnTo>
-                  <a:lnTo>
-                    <a:pt x="548071" y="0"/>
+                    <a:pt x="1185177" y="2917170"/>
+                  </a:lnTo>
+                  <a:lnTo>
+                    <a:pt x="1385852" y="1944780"/>
+                  </a:lnTo>
+                  <a:lnTo>
+                    <a:pt x="1797681" y="972390"/>
+                  </a:lnTo>
+                  <a:lnTo>
+                    <a:pt x="601125" y="0"/>
                   </a:lnTo>
                 </a:path>
               </a:pathLst>
             </a:custGeom>
             <a:ln w="27101" cap="flat">
               <a:solidFill>
-                <a:srgbClr val="F60000">
+                <a:srgbClr val="0000F6">
                   <a:alpha val="100000"/>
                 </a:srgbClr>
               </a:solidFill>
@@ -7494,37 +9388,37 @@
           </p:nvSpPr>
           <p:spPr>
             <a:xfrm>
-              <a:off x="6566538" y="2779025"/>
-              <a:ext cx="1777530" cy="4861950"/>
+              <a:off x="6665587" y="2779025"/>
+              <a:ext cx="1165714" cy="4861950"/>
             </a:xfrm>
             <a:custGeom>
               <a:avLst/>
               <a:pathLst>
-                <a:path w="1777530" h="4861950">
+                <a:path w="1165714" h="4861950">
                   <a:moveTo>
-                    <a:pt x="835499" y="4861950"/>
+                    <a:pt x="621627" y="4861950"/>
                   </a:moveTo>
                   <a:lnTo>
                     <a:pt x="0" y="3889560"/>
                   </a:lnTo>
                   <a:lnTo>
-                    <a:pt x="890421" y="2917170"/>
-                  </a:lnTo>
-                  <a:lnTo>
-                    <a:pt x="1421333" y="1944780"/>
-                  </a:lnTo>
-                  <a:lnTo>
-                    <a:pt x="1777530" y="972390"/>
-                  </a:lnTo>
-                  <a:lnTo>
-                    <a:pt x="545168" y="0"/>
+                    <a:pt x="754391" y="2917170"/>
+                  </a:lnTo>
+                  <a:lnTo>
+                    <a:pt x="1165714" y="1944780"/>
+                  </a:lnTo>
+                  <a:lnTo>
+                    <a:pt x="1152245" y="972390"/>
+                  </a:lnTo>
+                  <a:lnTo>
+                    <a:pt x="133072" y="0"/>
                   </a:lnTo>
                 </a:path>
               </a:pathLst>
             </a:custGeom>
             <a:ln w="27101" cap="flat">
               <a:solidFill>
-                <a:srgbClr val="EC0001">
+                <a:srgbClr val="0000EC">
                   <a:alpha val="100000"/>
                 </a:srgbClr>
               </a:solidFill>
@@ -7546,37 +9440,37 @@
           </p:nvSpPr>
           <p:spPr>
             <a:xfrm>
-              <a:off x="6538592" y="2779025"/>
-              <a:ext cx="1687511" cy="4861950"/>
+              <a:off x="6423226" y="2779025"/>
+              <a:ext cx="1858597" cy="4861950"/>
             </a:xfrm>
             <a:custGeom>
               <a:avLst/>
               <a:pathLst>
-                <a:path w="1687511" h="4861950">
+                <a:path w="1858597" h="4861950">
                   <a:moveTo>
-                    <a:pt x="840918" y="4861950"/>
+                    <a:pt x="776653" y="4861950"/>
                   </a:moveTo>
                   <a:lnTo>
                     <a:pt x="0" y="3889560"/>
                   </a:lnTo>
                   <a:lnTo>
-                    <a:pt x="1018456" y="2917170"/>
-                  </a:lnTo>
-                  <a:lnTo>
-                    <a:pt x="1424236" y="1944780"/>
-                  </a:lnTo>
-                  <a:lnTo>
-                    <a:pt x="1687511" y="972390"/>
-                  </a:lnTo>
-                  <a:lnTo>
-                    <a:pt x="617362" y="0"/>
+                    <a:pt x="1184444" y="2917170"/>
+                  </a:lnTo>
+                  <a:lnTo>
+                    <a:pt x="1322575" y="1944780"/>
+                  </a:lnTo>
+                  <a:lnTo>
+                    <a:pt x="1858597" y="972390"/>
+                  </a:lnTo>
+                  <a:lnTo>
+                    <a:pt x="552575" y="0"/>
                   </a:lnTo>
                 </a:path>
               </a:pathLst>
             </a:custGeom>
             <a:ln w="27101" cap="flat">
               <a:solidFill>
-                <a:srgbClr val="E30001">
+                <a:srgbClr val="0000E3">
                   <a:alpha val="100000"/>
                 </a:srgbClr>
               </a:solidFill>
@@ -7598,37 +9492,37 @@
           </p:nvSpPr>
           <p:spPr>
             <a:xfrm>
-              <a:off x="6569560" y="2779025"/>
-              <a:ext cx="1799157" cy="4861950"/>
+              <a:off x="6527206" y="2779025"/>
+              <a:ext cx="1513603" cy="4861950"/>
             </a:xfrm>
             <a:custGeom>
               <a:avLst/>
               <a:pathLst>
-                <a:path w="1799157" h="4861950">
+                <a:path w="1513603" h="4861950">
                   <a:moveTo>
-                    <a:pt x="802054" y="4861950"/>
+                    <a:pt x="676188" y="4861950"/>
                   </a:moveTo>
                   <a:lnTo>
                     <a:pt x="0" y="3889560"/>
                   </a:lnTo>
                   <a:lnTo>
-                    <a:pt x="921856" y="2917170"/>
-                  </a:lnTo>
-                  <a:lnTo>
-                    <a:pt x="1426449" y="1944780"/>
-                  </a:lnTo>
-                  <a:lnTo>
-                    <a:pt x="1799157" y="972390"/>
-                  </a:lnTo>
-                  <a:lnTo>
-                    <a:pt x="528456" y="0"/>
+                    <a:pt x="820344" y="2917170"/>
+                  </a:lnTo>
+                  <a:lnTo>
+                    <a:pt x="1219451" y="1944780"/>
+                  </a:lnTo>
+                  <a:lnTo>
+                    <a:pt x="1513603" y="972390"/>
+                  </a:lnTo>
+                  <a:lnTo>
+                    <a:pt x="280396" y="0"/>
                   </a:lnTo>
                 </a:path>
               </a:pathLst>
             </a:custGeom>
             <a:ln w="27101" cap="flat">
               <a:solidFill>
-                <a:srgbClr val="DA0001">
+                <a:srgbClr val="0000DA">
                   <a:alpha val="100000"/>
                 </a:srgbClr>
               </a:solidFill>
@@ -7650,37 +9544,37 @@
           </p:nvSpPr>
           <p:spPr>
             <a:xfrm>
-              <a:off x="6535418" y="2779025"/>
-              <a:ext cx="1804592" cy="4861950"/>
+              <a:off x="6447807" y="2779025"/>
+              <a:ext cx="1922422" cy="4861950"/>
             </a:xfrm>
             <a:custGeom>
               <a:avLst/>
               <a:pathLst>
-                <a:path w="1804592" h="4861950">
+                <a:path w="1922422" h="4861950">
                   <a:moveTo>
-                    <a:pt x="822174" y="4861950"/>
+                    <a:pt x="753097" y="4861950"/>
                   </a:moveTo>
                   <a:lnTo>
                     <a:pt x="0" y="3889560"/>
                   </a:lnTo>
                   <a:lnTo>
-                    <a:pt x="982328" y="2917170"/>
-                  </a:lnTo>
-                  <a:lnTo>
-                    <a:pt x="1438354" y="1944780"/>
-                  </a:lnTo>
-                  <a:lnTo>
-                    <a:pt x="1804592" y="972390"/>
-                  </a:lnTo>
-                  <a:lnTo>
-                    <a:pt x="544197" y="0"/>
+                    <a:pt x="1154296" y="2917170"/>
+                  </a:lnTo>
+                  <a:lnTo>
+                    <a:pt x="1361691" y="1944780"/>
+                  </a:lnTo>
+                  <a:lnTo>
+                    <a:pt x="1922422" y="972390"/>
+                  </a:lnTo>
+                  <a:lnTo>
+                    <a:pt x="604528" y="0"/>
                   </a:lnTo>
                 </a:path>
               </a:pathLst>
             </a:custGeom>
             <a:ln w="27101" cap="flat">
               <a:solidFill>
-                <a:srgbClr val="D10002">
+                <a:srgbClr val="0000D1">
                   <a:alpha val="100000"/>
                 </a:srgbClr>
               </a:solidFill>
@@ -7702,37 +9596,37 @@
           </p:nvSpPr>
           <p:spPr>
             <a:xfrm>
-              <a:off x="6563060" y="2779025"/>
-              <a:ext cx="1759036" cy="4861950"/>
+              <a:off x="6508420" y="2779025"/>
+              <a:ext cx="1545468" cy="4861950"/>
             </a:xfrm>
             <a:custGeom>
               <a:avLst/>
               <a:pathLst>
-                <a:path w="1759036" h="4861950">
+                <a:path w="1545468" h="4861950">
                   <a:moveTo>
-                    <a:pt x="804430" y="4861950"/>
+                    <a:pt x="766347" y="4861950"/>
                   </a:moveTo>
                   <a:lnTo>
                     <a:pt x="0" y="3889560"/>
                   </a:lnTo>
                   <a:lnTo>
-                    <a:pt x="916236" y="2917170"/>
-                  </a:lnTo>
-                  <a:lnTo>
-                    <a:pt x="1642887" y="1944780"/>
-                  </a:lnTo>
-                  <a:lnTo>
-                    <a:pt x="1759036" y="972390"/>
-                  </a:lnTo>
-                  <a:lnTo>
-                    <a:pt x="542766" y="0"/>
+                    <a:pt x="1054979" y="2917170"/>
+                  </a:lnTo>
+                  <a:lnTo>
+                    <a:pt x="1439686" y="1944780"/>
+                  </a:lnTo>
+                  <a:lnTo>
+                    <a:pt x="1545468" y="972390"/>
+                  </a:lnTo>
+                  <a:lnTo>
+                    <a:pt x="368361" y="0"/>
                   </a:lnTo>
                 </a:path>
               </a:pathLst>
             </a:custGeom>
             <a:ln w="27101" cap="flat">
               <a:solidFill>
-                <a:srgbClr val="C80002">
+                <a:srgbClr val="0000C8">
                   <a:alpha val="100000"/>
                 </a:srgbClr>
               </a:solidFill>
@@ -7754,37 +9648,37 @@
           </p:nvSpPr>
           <p:spPr>
             <a:xfrm>
-              <a:off x="6536507" y="2779025"/>
-              <a:ext cx="1886175" cy="4861950"/>
+              <a:off x="6367263" y="2779025"/>
+              <a:ext cx="1808832" cy="4861950"/>
             </a:xfrm>
             <a:custGeom>
               <a:avLst/>
               <a:pathLst>
-                <a:path w="1886175" h="4861950">
+                <a:path w="1808832" h="4861950">
                   <a:moveTo>
-                    <a:pt x="818394" y="4861950"/>
+                    <a:pt x="1022402" y="4861950"/>
                   </a:moveTo>
                   <a:lnTo>
                     <a:pt x="0" y="3889560"/>
                   </a:lnTo>
                   <a:lnTo>
-                    <a:pt x="1003018" y="2917170"/>
-                  </a:lnTo>
-                  <a:lnTo>
-                    <a:pt x="1824667" y="1944780"/>
-                  </a:lnTo>
-                  <a:lnTo>
-                    <a:pt x="1886175" y="972390"/>
-                  </a:lnTo>
-                  <a:lnTo>
-                    <a:pt x="542588" y="0"/>
+                    <a:pt x="1067718" y="2917170"/>
+                  </a:lnTo>
+                  <a:lnTo>
+                    <a:pt x="1774337" y="1944780"/>
+                  </a:lnTo>
+                  <a:lnTo>
+                    <a:pt x="1808832" y="972390"/>
+                  </a:lnTo>
+                  <a:lnTo>
+                    <a:pt x="574286" y="0"/>
                   </a:lnTo>
                 </a:path>
               </a:pathLst>
             </a:custGeom>
             <a:ln w="27101" cap="flat">
               <a:solidFill>
-                <a:srgbClr val="BF0002">
+                <a:srgbClr val="0000BF">
                   <a:alpha val="100000"/>
                 </a:srgbClr>
               </a:solidFill>
@@ -7806,37 +9700,37 @@
           </p:nvSpPr>
           <p:spPr>
             <a:xfrm>
-              <a:off x="6548842" y="2779025"/>
-              <a:ext cx="1886950" cy="4861950"/>
+              <a:off x="6493922" y="2779025"/>
+              <a:ext cx="1644464" cy="4861950"/>
             </a:xfrm>
             <a:custGeom>
               <a:avLst/>
               <a:pathLst>
-                <a:path w="1886950" h="4861950">
+                <a:path w="1644464" h="4861950">
                   <a:moveTo>
-                    <a:pt x="811874" y="4861950"/>
+                    <a:pt x="763301" y="4861950"/>
                   </a:moveTo>
                   <a:lnTo>
                     <a:pt x="0" y="3889560"/>
                   </a:lnTo>
                   <a:lnTo>
-                    <a:pt x="952382" y="2917170"/>
-                  </a:lnTo>
-                  <a:lnTo>
-                    <a:pt x="1836948" y="1944780"/>
-                  </a:lnTo>
-                  <a:lnTo>
-                    <a:pt x="1886950" y="972390"/>
-                  </a:lnTo>
-                  <a:lnTo>
-                    <a:pt x="574052" y="0"/>
+                    <a:pt x="871640" y="2917170"/>
+                  </a:lnTo>
+                  <a:lnTo>
+                    <a:pt x="1644464" y="1944780"/>
+                  </a:lnTo>
+                  <a:lnTo>
+                    <a:pt x="1554001" y="972390"/>
+                  </a:lnTo>
+                  <a:lnTo>
+                    <a:pt x="457486" y="0"/>
                   </a:lnTo>
                 </a:path>
               </a:pathLst>
             </a:custGeom>
             <a:ln w="27101" cap="flat">
               <a:solidFill>
-                <a:srgbClr val="B60002">
+                <a:srgbClr val="0000B6">
                   <a:alpha val="100000"/>
                 </a:srgbClr>
               </a:solidFill>
@@ -7858,37 +9752,37 @@
           </p:nvSpPr>
           <p:spPr>
             <a:xfrm>
-              <a:off x="6549233" y="2779025"/>
-              <a:ext cx="1972460" cy="4861950"/>
+              <a:off x="6389538" y="2779025"/>
+              <a:ext cx="2010031" cy="4861950"/>
             </a:xfrm>
             <a:custGeom>
               <a:avLst/>
               <a:pathLst>
-                <a:path w="1972460" h="4861950">
+                <a:path w="2010031" h="4861950">
                   <a:moveTo>
-                    <a:pt x="823696" y="4861950"/>
+                    <a:pt x="1023318" y="4861950"/>
                   </a:moveTo>
                   <a:lnTo>
                     <a:pt x="0" y="3889560"/>
                   </a:lnTo>
                   <a:lnTo>
-                    <a:pt x="980132" y="2917170"/>
-                  </a:lnTo>
-                  <a:lnTo>
-                    <a:pt x="1936785" y="1944780"/>
-                  </a:lnTo>
-                  <a:lnTo>
-                    <a:pt x="1972460" y="972390"/>
-                  </a:lnTo>
-                  <a:lnTo>
-                    <a:pt x="534833" y="0"/>
+                    <a:pt x="1053116" y="2917170"/>
+                  </a:lnTo>
+                  <a:lnTo>
+                    <a:pt x="1932988" y="1944780"/>
+                  </a:lnTo>
+                  <a:lnTo>
+                    <a:pt x="2010031" y="972390"/>
+                  </a:lnTo>
+                  <a:lnTo>
+                    <a:pt x="507982" y="0"/>
                   </a:lnTo>
                 </a:path>
               </a:pathLst>
             </a:custGeom>
             <a:ln w="27101" cap="flat">
               <a:solidFill>
-                <a:srgbClr val="AD0002">
+                <a:srgbClr val="0000AD">
                   <a:alpha val="100000"/>
                 </a:srgbClr>
               </a:solidFill>
@@ -7910,37 +9804,37 @@
           </p:nvSpPr>
           <p:spPr>
             <a:xfrm>
-              <a:off x="6556010" y="2779025"/>
-              <a:ext cx="1978762" cy="4861950"/>
+              <a:off x="6463376" y="2779025"/>
+              <a:ext cx="1826311" cy="4861950"/>
             </a:xfrm>
             <a:custGeom>
               <a:avLst/>
               <a:pathLst>
-                <a:path w="1978762" h="4861950">
+                <a:path w="1826311" h="4861950">
                   <a:moveTo>
-                    <a:pt x="809802" y="4861950"/>
+                    <a:pt x="692571" y="4861950"/>
                   </a:moveTo>
                   <a:lnTo>
                     <a:pt x="0" y="3889560"/>
                   </a:lnTo>
                   <a:lnTo>
-                    <a:pt x="925872" y="2917170"/>
-                  </a:lnTo>
-                  <a:lnTo>
-                    <a:pt x="1970828" y="1944780"/>
-                  </a:lnTo>
-                  <a:lnTo>
-                    <a:pt x="1978762" y="972390"/>
-                  </a:lnTo>
-                  <a:lnTo>
-                    <a:pt x="527076" y="0"/>
+                    <a:pt x="1050531" y="2917170"/>
+                  </a:lnTo>
+                  <a:lnTo>
+                    <a:pt x="1826311" y="1944780"/>
+                  </a:lnTo>
+                  <a:lnTo>
+                    <a:pt x="1714002" y="972390"/>
+                  </a:lnTo>
+                  <a:lnTo>
+                    <a:pt x="411467" y="0"/>
                   </a:lnTo>
                 </a:path>
               </a:pathLst>
             </a:custGeom>
             <a:ln w="27101" cap="flat">
               <a:solidFill>
-                <a:srgbClr val="A50002">
+                <a:srgbClr val="0000A5">
                   <a:alpha val="100000"/>
                 </a:srgbClr>
               </a:solidFill>
@@ -7962,37 +9856,37 @@
           </p:nvSpPr>
           <p:spPr>
             <a:xfrm>
-              <a:off x="6562664" y="2779025"/>
-              <a:ext cx="1987718" cy="4861950"/>
+              <a:off x="6383122" y="2779025"/>
+              <a:ext cx="2107861" cy="4861950"/>
             </a:xfrm>
             <a:custGeom>
               <a:avLst/>
               <a:pathLst>
-                <a:path w="1987718" h="4861950">
+                <a:path w="2107861" h="4861950">
                   <a:moveTo>
-                    <a:pt x="798679" y="4861950"/>
+                    <a:pt x="1043319" y="4861950"/>
                   </a:moveTo>
                   <a:lnTo>
                     <a:pt x="0" y="3889560"/>
                   </a:lnTo>
                   <a:lnTo>
-                    <a:pt x="953043" y="2917170"/>
-                  </a:lnTo>
-                  <a:lnTo>
-                    <a:pt x="1951559" y="1944780"/>
-                  </a:lnTo>
-                  <a:lnTo>
-                    <a:pt x="1987718" y="972390"/>
-                  </a:lnTo>
-                  <a:lnTo>
-                    <a:pt x="544655" y="0"/>
+                    <a:pt x="1007449" y="2917170"/>
+                  </a:lnTo>
+                  <a:lnTo>
+                    <a:pt x="1886306" y="1944780"/>
+                  </a:lnTo>
+                  <a:lnTo>
+                    <a:pt x="2107861" y="972390"/>
+                  </a:lnTo>
+                  <a:lnTo>
+                    <a:pt x="595973" y="0"/>
                   </a:lnTo>
                 </a:path>
               </a:pathLst>
             </a:custGeom>
             <a:ln w="27101" cap="flat">
               <a:solidFill>
-                <a:srgbClr val="9C0002">
+                <a:srgbClr val="00009C">
                   <a:alpha val="100000"/>
                 </a:srgbClr>
               </a:solidFill>
@@ -8014,37 +9908,37 @@
           </p:nvSpPr>
           <p:spPr>
             <a:xfrm>
-              <a:off x="6569090" y="2779025"/>
-              <a:ext cx="2032283" cy="4861950"/>
+              <a:off x="6496671" y="2779025"/>
+              <a:ext cx="1798177" cy="4861950"/>
             </a:xfrm>
             <a:custGeom>
               <a:avLst/>
               <a:pathLst>
-                <a:path w="2032283" h="4861950">
+                <a:path w="1798177" h="4861950">
                   <a:moveTo>
-                    <a:pt x="807753" y="4861950"/>
+                    <a:pt x="558706" y="4861950"/>
                   </a:moveTo>
                   <a:lnTo>
                     <a:pt x="0" y="3889560"/>
                   </a:lnTo>
                   <a:lnTo>
-                    <a:pt x="920931" y="2917170"/>
-                  </a:lnTo>
-                  <a:lnTo>
-                    <a:pt x="1937011" y="1944780"/>
-                  </a:lnTo>
-                  <a:lnTo>
-                    <a:pt x="2032283" y="972390"/>
-                  </a:lnTo>
-                  <a:lnTo>
-                    <a:pt x="563182" y="0"/>
+                    <a:pt x="1046038" y="2917170"/>
+                  </a:lnTo>
+                  <a:lnTo>
+                    <a:pt x="1743861" y="1944780"/>
+                  </a:lnTo>
+                  <a:lnTo>
+                    <a:pt x="1798177" y="972390"/>
+                  </a:lnTo>
+                  <a:lnTo>
+                    <a:pt x="448084" y="0"/>
                   </a:lnTo>
                 </a:path>
               </a:pathLst>
             </a:custGeom>
             <a:ln w="27101" cap="flat">
               <a:solidFill>
-                <a:srgbClr val="930001">
+                <a:srgbClr val="000093">
                   <a:alpha val="100000"/>
                 </a:srgbClr>
               </a:solidFill>
@@ -8066,31 +9960,37 @@
           </p:nvSpPr>
           <p:spPr>
             <a:xfrm>
-              <a:off x="6557842" y="4723805"/>
-              <a:ext cx="1993528" cy="2917170"/>
+              <a:off x="6468680" y="2779025"/>
+              <a:ext cx="2102823" cy="4861950"/>
             </a:xfrm>
             <a:custGeom>
               <a:avLst/>
               <a:pathLst>
-                <a:path w="1993528" h="2917170">
+                <a:path w="2102823" h="4861950">
                   <a:moveTo>
-                    <a:pt x="825128" y="2917170"/>
+                    <a:pt x="783424" y="4861950"/>
                   </a:moveTo>
                   <a:lnTo>
-                    <a:pt x="0" y="1944780"/>
-                  </a:lnTo>
-                  <a:lnTo>
-                    <a:pt x="986347" y="972390"/>
-                  </a:lnTo>
-                  <a:lnTo>
-                    <a:pt x="1993528" y="0"/>
+                    <a:pt x="0" y="3889560"/>
+                  </a:lnTo>
+                  <a:lnTo>
+                    <a:pt x="1000732" y="2917170"/>
+                  </a:lnTo>
+                  <a:lnTo>
+                    <a:pt x="1817830" y="1944780"/>
+                  </a:lnTo>
+                  <a:lnTo>
+                    <a:pt x="2102823" y="972390"/>
+                  </a:lnTo>
+                  <a:lnTo>
+                    <a:pt x="583165" y="0"/>
                   </a:lnTo>
                 </a:path>
               </a:pathLst>
             </a:custGeom>
             <a:ln w="27101" cap="flat">
               <a:solidFill>
-                <a:srgbClr val="8B0000">
+                <a:srgbClr val="00008B">
                   <a:alpha val="100000"/>
                 </a:srgbClr>
               </a:solidFill>
@@ -10006,8 +11906,8 @@
           </p:nvSpPr>
           <p:spPr>
             <a:xfrm>
-              <a:off x="5792225" y="1756903"/>
-              <a:ext cx="3141017" cy="258712"/>
+              <a:off x="5861157" y="1756903"/>
+              <a:ext cx="3003153" cy="258712"/>
             </a:xfrm>
             <a:prstGeom prst="rect">
               <a:avLst/>
@@ -10039,7 +11939,7 @@
                   <a:latin typeface="Arial"/>
                   <a:cs typeface="Arial"/>
                 </a:rPr>
-                <a:t>Manual annotation</a:t>
+                <a:t>Model estimation </a:t>
               </a:r>
             </a:p>
           </p:txBody>
@@ -10208,8 +12108,8 @@
           </p:nvSpPr>
           <p:spPr>
             <a:xfrm>
-              <a:off x="5905303" y="2535928"/>
-              <a:ext cx="4312107" cy="5194865"/>
+              <a:off x="5837438" y="2535928"/>
+              <a:ext cx="4379972" cy="5194865"/>
             </a:xfrm>
             <a:prstGeom prst="rect">
               <a:avLst/>
@@ -10234,94 +12134,94 @@
           </p:nvSpPr>
           <p:spPr>
             <a:xfrm>
-              <a:off x="6101308" y="2772058"/>
-              <a:ext cx="3920097" cy="4722605"/>
+              <a:off x="6036527" y="2772058"/>
+              <a:ext cx="3981793" cy="4722605"/>
             </a:xfrm>
             <a:custGeom>
               <a:avLst/>
               <a:pathLst>
-                <a:path w="3920097" h="4722605">
+                <a:path w="3981793" h="4722605">
                   <a:moveTo>
                     <a:pt x="0" y="4722605"/>
                   </a:moveTo>
                   <a:lnTo>
-                    <a:pt x="163337" y="4225489"/>
-                  </a:lnTo>
-                  <a:lnTo>
-                    <a:pt x="326674" y="4225489"/>
-                  </a:lnTo>
-                  <a:lnTo>
-                    <a:pt x="490012" y="4225489"/>
-                  </a:lnTo>
-                  <a:lnTo>
-                    <a:pt x="653349" y="4225489"/>
-                  </a:lnTo>
-                  <a:lnTo>
-                    <a:pt x="816686" y="3728372"/>
-                  </a:lnTo>
-                  <a:lnTo>
-                    <a:pt x="980024" y="1988465"/>
-                  </a:lnTo>
-                  <a:lnTo>
-                    <a:pt x="1143361" y="994232"/>
-                  </a:lnTo>
-                  <a:lnTo>
-                    <a:pt x="1306699" y="497116"/>
-                  </a:lnTo>
-                  <a:lnTo>
-                    <a:pt x="1470036" y="0"/>
-                  </a:lnTo>
-                  <a:lnTo>
-                    <a:pt x="1633373" y="0"/>
-                  </a:lnTo>
-                  <a:lnTo>
-                    <a:pt x="1796711" y="0"/>
-                  </a:lnTo>
-                  <a:lnTo>
-                    <a:pt x="1960048" y="0"/>
-                  </a:lnTo>
-                  <a:lnTo>
-                    <a:pt x="2123386" y="0"/>
-                  </a:lnTo>
-                  <a:lnTo>
-                    <a:pt x="2286723" y="0"/>
-                  </a:lnTo>
-                  <a:lnTo>
-                    <a:pt x="2450060" y="0"/>
-                  </a:lnTo>
-                  <a:lnTo>
-                    <a:pt x="2613398" y="0"/>
-                  </a:lnTo>
-                  <a:lnTo>
-                    <a:pt x="2776735" y="0"/>
-                  </a:lnTo>
-                  <a:lnTo>
-                    <a:pt x="2940073" y="0"/>
-                  </a:lnTo>
-                  <a:lnTo>
-                    <a:pt x="3103410" y="0"/>
-                  </a:lnTo>
-                  <a:lnTo>
-                    <a:pt x="3266747" y="0"/>
-                  </a:lnTo>
-                  <a:lnTo>
-                    <a:pt x="3430085" y="0"/>
-                  </a:lnTo>
-                  <a:lnTo>
-                    <a:pt x="3593422" y="0"/>
-                  </a:lnTo>
-                  <a:lnTo>
-                    <a:pt x="3756759" y="0"/>
-                  </a:lnTo>
-                  <a:lnTo>
-                    <a:pt x="3920097" y="0"/>
+                    <a:pt x="165908" y="4474047"/>
+                  </a:lnTo>
+                  <a:lnTo>
+                    <a:pt x="331816" y="2485581"/>
+                  </a:lnTo>
+                  <a:lnTo>
+                    <a:pt x="497724" y="4474047"/>
+                  </a:lnTo>
+                  <a:lnTo>
+                    <a:pt x="663632" y="4225489"/>
+                  </a:lnTo>
+                  <a:lnTo>
+                    <a:pt x="829540" y="3728372"/>
+                  </a:lnTo>
+                  <a:lnTo>
+                    <a:pt x="995448" y="3479814"/>
+                  </a:lnTo>
+                  <a:lnTo>
+                    <a:pt x="1161356" y="994232"/>
+                  </a:lnTo>
+                  <a:lnTo>
+                    <a:pt x="1327264" y="497116"/>
+                  </a:lnTo>
+                  <a:lnTo>
+                    <a:pt x="1493172" y="0"/>
+                  </a:lnTo>
+                  <a:lnTo>
+                    <a:pt x="1659080" y="0"/>
+                  </a:lnTo>
+                  <a:lnTo>
+                    <a:pt x="1824988" y="0"/>
+                  </a:lnTo>
+                  <a:lnTo>
+                    <a:pt x="1990896" y="0"/>
+                  </a:lnTo>
+                  <a:lnTo>
+                    <a:pt x="2156804" y="0"/>
+                  </a:lnTo>
+                  <a:lnTo>
+                    <a:pt x="2322712" y="0"/>
+                  </a:lnTo>
+                  <a:lnTo>
+                    <a:pt x="2488620" y="0"/>
+                  </a:lnTo>
+                  <a:lnTo>
+                    <a:pt x="2654528" y="0"/>
+                  </a:lnTo>
+                  <a:lnTo>
+                    <a:pt x="2820436" y="0"/>
+                  </a:lnTo>
+                  <a:lnTo>
+                    <a:pt x="2986345" y="0"/>
+                  </a:lnTo>
+                  <a:lnTo>
+                    <a:pt x="3152253" y="0"/>
+                  </a:lnTo>
+                  <a:lnTo>
+                    <a:pt x="3318161" y="0"/>
+                  </a:lnTo>
+                  <a:lnTo>
+                    <a:pt x="3484069" y="0"/>
+                  </a:lnTo>
+                  <a:lnTo>
+                    <a:pt x="3649977" y="0"/>
+                  </a:lnTo>
+                  <a:lnTo>
+                    <a:pt x="3815885" y="0"/>
+                  </a:lnTo>
+                  <a:lnTo>
+                    <a:pt x="3981793" y="0"/>
                   </a:lnTo>
                 </a:path>
               </a:pathLst>
             </a:custGeom>
             <a:ln w="40651" cap="flat">
               <a:solidFill>
-                <a:srgbClr val="8B0000">
+                <a:srgbClr val="00008B">
                   <a:alpha val="100000"/>
                 </a:srgbClr>
               </a:solidFill>
@@ -10343,7 +12243,7 @@
           </p:nvSpPr>
           <p:spPr>
             <a:xfrm>
-              <a:off x="5905303" y="2535928"/>
+              <a:off x="5837438" y="2535928"/>
               <a:ext cx="0" cy="5194865"/>
             </a:xfrm>
             <a:custGeom>
@@ -10383,7 +12283,7 @@
           </p:nvSpPr>
           <p:spPr>
             <a:xfrm>
-              <a:off x="5466437" y="6687463"/>
+              <a:off x="5398572" y="6687463"/>
               <a:ext cx="339030" cy="222944"/>
             </a:xfrm>
             <a:prstGeom prst="rect">
@@ -10429,7 +12329,7 @@
           </p:nvSpPr>
           <p:spPr>
             <a:xfrm>
-              <a:off x="5466437" y="5379411"/>
+              <a:off x="5398572" y="5379411"/>
               <a:ext cx="339030" cy="222795"/>
             </a:xfrm>
             <a:prstGeom prst="rect">
@@ -10475,7 +12375,7 @@
           </p:nvSpPr>
           <p:spPr>
             <a:xfrm>
-              <a:off x="5466437" y="4071210"/>
+              <a:off x="5398572" y="4071210"/>
               <a:ext cx="339030" cy="222795"/>
             </a:xfrm>
             <a:prstGeom prst="rect">
@@ -10521,7 +12421,7 @@
           </p:nvSpPr>
           <p:spPr>
             <a:xfrm>
-              <a:off x="5466437" y="2763009"/>
+              <a:off x="5398572" y="2763009"/>
               <a:ext cx="339030" cy="222795"/>
             </a:xfrm>
             <a:prstGeom prst="rect">
@@ -10567,7 +12467,7 @@
           </p:nvSpPr>
           <p:spPr>
             <a:xfrm>
-              <a:off x="5833303" y="6801317"/>
+              <a:off x="5765438" y="6801317"/>
               <a:ext cx="72000" cy="0"/>
             </a:xfrm>
             <a:custGeom>
@@ -10607,7 +12507,7 @@
           </p:nvSpPr>
           <p:spPr>
             <a:xfrm>
-              <a:off x="5833303" y="5493116"/>
+              <a:off x="5765438" y="5493116"/>
               <a:ext cx="72000" cy="0"/>
             </a:xfrm>
             <a:custGeom>
@@ -10647,7 +12547,7 @@
           </p:nvSpPr>
           <p:spPr>
             <a:xfrm>
-              <a:off x="5833303" y="4184915"/>
+              <a:off x="5765438" y="4184915"/>
               <a:ext cx="72000" cy="0"/>
             </a:xfrm>
             <a:custGeom>
@@ -10687,7 +12587,7 @@
           </p:nvSpPr>
           <p:spPr>
             <a:xfrm>
-              <a:off x="5833303" y="2876714"/>
+              <a:off x="5765438" y="2876714"/>
               <a:ext cx="72000" cy="0"/>
             </a:xfrm>
             <a:custGeom>
@@ -10727,18 +12627,18 @@
           </p:nvSpPr>
           <p:spPr>
             <a:xfrm>
-              <a:off x="5905303" y="7730794"/>
-              <a:ext cx="4312107" cy="0"/>
+              <a:off x="5837438" y="7730794"/>
+              <a:ext cx="4379972" cy="0"/>
             </a:xfrm>
             <a:custGeom>
               <a:avLst/>
               <a:pathLst>
-                <a:path w="4312107" h="0">
+                <a:path w="4379972" h="0">
                   <a:moveTo>
                     <a:pt x="0" y="0"/>
                   </a:moveTo>
                   <a:lnTo>
-                    <a:pt x="4312107" y="0"/>
+                    <a:pt x="4379972" y="0"/>
                   </a:lnTo>
                 </a:path>
               </a:pathLst>
@@ -10767,7 +12667,7 @@
           </p:nvSpPr>
           <p:spPr>
             <a:xfrm>
-              <a:off x="6101308" y="7730794"/>
+              <a:off x="6036527" y="7730794"/>
               <a:ext cx="0" cy="72000"/>
             </a:xfrm>
             <a:custGeom>
@@ -10807,7 +12707,7 @@
           </p:nvSpPr>
           <p:spPr>
             <a:xfrm>
-              <a:off x="6427983" y="7730794"/>
+              <a:off x="6368344" y="7730794"/>
               <a:ext cx="0" cy="72000"/>
             </a:xfrm>
             <a:custGeom>
@@ -10847,7 +12747,7 @@
           </p:nvSpPr>
           <p:spPr>
             <a:xfrm>
-              <a:off x="6754658" y="7730794"/>
+              <a:off x="6700160" y="7730794"/>
               <a:ext cx="0" cy="72000"/>
             </a:xfrm>
             <a:custGeom>
@@ -10887,7 +12787,7 @@
           </p:nvSpPr>
           <p:spPr>
             <a:xfrm>
-              <a:off x="7081333" y="7730794"/>
+              <a:off x="7031976" y="7730794"/>
               <a:ext cx="0" cy="72000"/>
             </a:xfrm>
             <a:custGeom>
@@ -10927,7 +12827,7 @@
           </p:nvSpPr>
           <p:spPr>
             <a:xfrm>
-              <a:off x="7408007" y="7730794"/>
+              <a:off x="7363792" y="7730794"/>
               <a:ext cx="0" cy="72000"/>
             </a:xfrm>
             <a:custGeom>
@@ -10967,7 +12867,7 @@
           </p:nvSpPr>
           <p:spPr>
             <a:xfrm>
-              <a:off x="7734682" y="7730794"/>
+              <a:off x="7695608" y="7730794"/>
               <a:ext cx="0" cy="72000"/>
             </a:xfrm>
             <a:custGeom>
@@ -11007,7 +12907,7 @@
           </p:nvSpPr>
           <p:spPr>
             <a:xfrm>
-              <a:off x="8061357" y="7730794"/>
+              <a:off x="8027424" y="7730794"/>
               <a:ext cx="0" cy="72000"/>
             </a:xfrm>
             <a:custGeom>
@@ -11047,7 +12947,7 @@
           </p:nvSpPr>
           <p:spPr>
             <a:xfrm>
-              <a:off x="8388032" y="7730794"/>
+              <a:off x="8359240" y="7730794"/>
               <a:ext cx="0" cy="72000"/>
             </a:xfrm>
             <a:custGeom>
@@ -11087,7 +12987,7 @@
           </p:nvSpPr>
           <p:spPr>
             <a:xfrm>
-              <a:off x="8714706" y="7730794"/>
+              <a:off x="8691056" y="7730794"/>
               <a:ext cx="0" cy="72000"/>
             </a:xfrm>
             <a:custGeom>
@@ -11127,7 +13027,7 @@
           </p:nvSpPr>
           <p:spPr>
             <a:xfrm>
-              <a:off x="9041381" y="7730794"/>
+              <a:off x="9022872" y="7730794"/>
               <a:ext cx="0" cy="72000"/>
             </a:xfrm>
             <a:custGeom>
@@ -11167,7 +13067,7 @@
           </p:nvSpPr>
           <p:spPr>
             <a:xfrm>
-              <a:off x="9368056" y="7730794"/>
+              <a:off x="9354689" y="7730794"/>
               <a:ext cx="0" cy="72000"/>
             </a:xfrm>
             <a:custGeom>
@@ -11207,7 +13107,7 @@
           </p:nvSpPr>
           <p:spPr>
             <a:xfrm>
-              <a:off x="9694731" y="7730794"/>
+              <a:off x="9686505" y="7730794"/>
               <a:ext cx="0" cy="72000"/>
             </a:xfrm>
             <a:custGeom>
@@ -11247,7 +13147,7 @@
           </p:nvSpPr>
           <p:spPr>
             <a:xfrm>
-              <a:off x="10021406" y="7730794"/>
+              <a:off x="10018321" y="7730794"/>
               <a:ext cx="0" cy="72000"/>
             </a:xfrm>
             <a:custGeom>
@@ -11287,7 +13187,7 @@
           </p:nvSpPr>
           <p:spPr>
             <a:xfrm rot="-3600000">
-              <a:off x="6024271" y="7772624"/>
+              <a:off x="5959490" y="7772624"/>
               <a:ext cx="339030" cy="222795"/>
             </a:xfrm>
             <a:prstGeom prst="rect">
@@ -11333,7 +13233,7 @@
           </p:nvSpPr>
           <p:spPr>
             <a:xfrm rot="-3600000">
-              <a:off x="6350946" y="7772624"/>
+              <a:off x="6291306" y="7772624"/>
               <a:ext cx="339030" cy="222795"/>
             </a:xfrm>
             <a:prstGeom prst="rect">
@@ -11379,7 +13279,7 @@
           </p:nvSpPr>
           <p:spPr>
             <a:xfrm rot="-3600000">
-              <a:off x="6677556" y="7772512"/>
+              <a:off x="6623058" y="7772512"/>
               <a:ext cx="339030" cy="222944"/>
             </a:xfrm>
             <a:prstGeom prst="rect">
@@ -11425,7 +13325,7 @@
           </p:nvSpPr>
           <p:spPr>
             <a:xfrm rot="-3600000">
-              <a:off x="7004295" y="7772624"/>
+              <a:off x="6954938" y="7772624"/>
               <a:ext cx="339030" cy="222795"/>
             </a:xfrm>
             <a:prstGeom prst="rect">
@@ -11471,7 +13371,7 @@
           </p:nvSpPr>
           <p:spPr>
             <a:xfrm rot="-3600000">
-              <a:off x="7330970" y="7772624"/>
+              <a:off x="7286754" y="7772624"/>
               <a:ext cx="339030" cy="222795"/>
             </a:xfrm>
             <a:prstGeom prst="rect">
@@ -11517,7 +13417,7 @@
           </p:nvSpPr>
           <p:spPr>
             <a:xfrm rot="-3600000">
-              <a:off x="7657645" y="7772624"/>
+              <a:off x="7618571" y="7772624"/>
               <a:ext cx="339030" cy="222795"/>
             </a:xfrm>
             <a:prstGeom prst="rect">
@@ -11563,7 +13463,7 @@
           </p:nvSpPr>
           <p:spPr>
             <a:xfrm rot="-3600000">
-              <a:off x="7984319" y="7772624"/>
+              <a:off x="7950387" y="7772624"/>
               <a:ext cx="339030" cy="222795"/>
             </a:xfrm>
             <a:prstGeom prst="rect">
@@ -11609,7 +13509,7 @@
           </p:nvSpPr>
           <p:spPr>
             <a:xfrm rot="-3600000">
-              <a:off x="8310994" y="7772624"/>
+              <a:off x="8282203" y="7772624"/>
               <a:ext cx="339030" cy="222795"/>
             </a:xfrm>
             <a:prstGeom prst="rect">
@@ -11655,7 +13555,7 @@
           </p:nvSpPr>
           <p:spPr>
             <a:xfrm rot="-3600000">
-              <a:off x="8637669" y="7772624"/>
+              <a:off x="8614019" y="7772624"/>
               <a:ext cx="339030" cy="222795"/>
             </a:xfrm>
             <a:prstGeom prst="rect">
@@ -11701,7 +13601,7 @@
           </p:nvSpPr>
           <p:spPr>
             <a:xfrm rot="-3600000">
-              <a:off x="8879586" y="7772624"/>
+              <a:off x="8861077" y="7772624"/>
               <a:ext cx="508545" cy="222795"/>
             </a:xfrm>
             <a:prstGeom prst="rect">
@@ -11747,7 +13647,7 @@
           </p:nvSpPr>
           <p:spPr>
             <a:xfrm rot="-3600000">
-              <a:off x="9206261" y="7772624"/>
+              <a:off x="9192894" y="7772624"/>
               <a:ext cx="508545" cy="222795"/>
             </a:xfrm>
             <a:prstGeom prst="rect">
@@ -11793,7 +13693,7 @@
           </p:nvSpPr>
           <p:spPr>
             <a:xfrm rot="-3600000">
-              <a:off x="9532936" y="7772624"/>
+              <a:off x="9524710" y="7772624"/>
               <a:ext cx="508545" cy="222795"/>
             </a:xfrm>
             <a:prstGeom prst="rect">
@@ -11839,7 +13739,7 @@
           </p:nvSpPr>
           <p:spPr>
             <a:xfrm rot="-3600000">
-              <a:off x="9859546" y="7772512"/>
+              <a:off x="9856461" y="7772512"/>
               <a:ext cx="508545" cy="222944"/>
             </a:xfrm>
             <a:prstGeom prst="rect">
@@ -11885,7 +13785,7 @@
           </p:nvSpPr>
           <p:spPr>
             <a:xfrm>
-              <a:off x="6790662" y="8593894"/>
+              <a:off x="6756730" y="8593894"/>
               <a:ext cx="2541389" cy="286047"/>
             </a:xfrm>
             <a:prstGeom prst="rect">
@@ -11931,7 +13831,7 @@
           </p:nvSpPr>
           <p:spPr>
             <a:xfrm rot="-5400000">
-              <a:off x="3009614" y="4990337"/>
+              <a:off x="3005893" y="4990337"/>
               <a:ext cx="3878907" cy="286047"/>
             </a:xfrm>
             <a:prstGeom prst="rect">
@@ -11977,3481 +13877,7 @@
           </p:nvSpPr>
           <p:spPr>
             <a:xfrm>
-              <a:off x="6490848" y="1756903"/>
-              <a:ext cx="3141017" cy="258712"/>
-            </a:xfrm>
-            <a:prstGeom prst="rect">
-              <a:avLst/>
-            </a:prstGeom>
-            <a:noFill/>
-          </p:spPr>
-          <p:txBody>
-            <a:bodyPr lIns="0" rIns="0" tIns="0" bIns="0" anchorCtr="1" anchor="ctr" wrap="none"/>
-            <a:lstStyle/>
-            <a:p>
-              <a:pPr algn="l" marL="0" marR="0" indent="0">
-                <a:lnSpc>
-                  <a:spcPts val="2800"/>
-                </a:lnSpc>
-                <a:spcBef>
-                  <a:spcPts val="0"/>
-                </a:spcBef>
-                <a:spcAft>
-                  <a:spcPts val="0"/>
-                </a:spcAft>
-              </a:pPr>
-              <a:r>
-                <a:rPr sz="2800" b="1">
-                  <a:solidFill>
-                    <a:srgbClr val="000000">
-                      <a:alpha val="100000"/>
-                    </a:srgbClr>
-                  </a:solidFill>
-                  <a:latin typeface="Arial"/>
-                  <a:cs typeface="Arial"/>
-                </a:rPr>
-                <a:t>Manual annotation</a:t>
-              </a:r>
-            </a:p>
-          </p:txBody>
-        </p:sp>
-        <p:sp>
-          <p:nvSpPr>
-            <p:cNvPr id="46" name="tx46"/>
-            <p:cNvSpPr/>
-            <p:nvPr/>
-          </p:nvSpPr>
-          <p:spPr>
-            <a:xfrm>
-              <a:off x="8061357" y="2399664"/>
-              <a:ext cx="0" cy="0"/>
-            </a:xfrm>
-            <a:prstGeom prst="rect">
-              <a:avLst/>
-            </a:prstGeom>
-            <a:noFill/>
-          </p:spPr>
-          <p:txBody>
-            <a:bodyPr lIns="0" rIns="0" tIns="0" bIns="0" anchorCtr="1" anchor="ctr" wrap="none"/>
-            <a:lstStyle/>
-            <a:p>
-              <a:pPr algn="l" marL="0" marR="0" indent="0">
-                <a:lnSpc>
-                  <a:spcPts val="2800"/>
-                </a:lnSpc>
-                <a:spcBef>
-                  <a:spcPts val="0"/>
-                </a:spcBef>
-                <a:spcAft>
-                  <a:spcPts val="0"/>
-                </a:spcAft>
-              </a:pPr>
-              <a:r>
-                <a:rPr sz="2800" b="1">
-                  <a:solidFill>
-                    <a:srgbClr val="000000">
-                      <a:alpha val="100000"/>
-                    </a:srgbClr>
-                  </a:solidFill>
-                  <a:latin typeface="Arial"/>
-                  <a:cs typeface="Arial"/>
-                </a:rPr>
-                <a:t/>
-              </a:r>
-            </a:p>
-          </p:txBody>
-        </p:sp>
-      </p:grpSp>
-    </p:spTree>
-  </p:cSld>
-  <p:clrMapOvr>
-    <a:masterClrMapping/>
-  </p:clrMapOvr>
-</p:sld>
-</file>
-
-<file path=ppt/slides/slide5.xml><?xml version="1.0" encoding="utf-8"?>
-<p:sld xmlns:a="http://schemas.openxmlformats.org/drawingml/2006/main" xmlns:r="http://schemas.openxmlformats.org/officeDocument/2006/relationships" xmlns:p="http://schemas.openxmlformats.org/presentationml/2006/main">
-  <p:cSld>
-    <p:spTree>
-      <p:nvGrpSpPr>
-        <p:cNvPr id="1" name=""/>
-        <p:cNvGrpSpPr/>
-        <p:nvPr/>
-      </p:nvGrpSpPr>
-      <p:grpSpPr>
-        <a:xfrm>
-          <a:off x="0" y="0"/>
-          <a:ext cx="0" cy="0"/>
-          <a:chOff x="0" y="0"/>
-          <a:chExt cx="0" cy="0"/>
-        </a:xfrm>
-      </p:grpSpPr>
-      <p:grpSp xmlns:a="http://schemas.openxmlformats.org/drawingml/2006/main" xmlns:r="http://schemas.openxmlformats.org/officeDocument/2006/relationships" xmlns:p="http://schemas.openxmlformats.org/presentationml/2006/main" xmlns:pic="http://schemas.openxmlformats.org/drawingml/2006/picture">
-        <p:nvGrpSpPr>
-          <p:cNvPr id="2" name=""/>
-          <p:cNvGrpSpPr/>
-          <p:nvPr/>
-        </p:nvGrpSpPr>
-        <p:grpSpPr>
-          <a:xfrm>
-            <a:off x="4800600" y="1691481"/>
-            <a:ext cx="5486400" cy="7315200"/>
-            <a:chOff x="4800600" y="1691481"/>
-            <a:chExt cx="5486400" cy="7315200"/>
-          </a:xfrm>
-        </p:grpSpPr>
-        <p:sp>
-          <p:nvSpPr>
-            <p:cNvPr id="3" name="rc3"/>
-            <p:cNvSpPr/>
-            <p:nvPr/>
-          </p:nvSpPr>
-          <p:spPr>
-            <a:xfrm>
-              <a:off x="4800600" y="1691481"/>
-              <a:ext cx="5486400" cy="7315200"/>
-            </a:xfrm>
-            <a:prstGeom prst="rect">
-              <a:avLst/>
-            </a:prstGeom>
-            <a:solidFill>
-              <a:srgbClr val="FFFFFF">
-                <a:alpha val="100000"/>
-              </a:srgbClr>
-            </a:solidFill>
-            <a:ln w="9525" cap="rnd">
-              <a:solidFill>
-                <a:srgbClr val="FFFFFF">
-                  <a:alpha val="100000"/>
-                </a:srgbClr>
-              </a:solidFill>
-              <a:prstDash val="solid"/>
-              <a:round/>
-            </a:ln>
-          </p:spPr>
-          <p:txBody>
-            <a:bodyPr/>
-            <a:lstStyle/>
-            <a:p/>
-          </p:txBody>
-        </p:sp>
-        <p:sp>
-          <p:nvSpPr>
-            <p:cNvPr id="4" name="rc4"/>
-            <p:cNvSpPr/>
-            <p:nvPr/>
-          </p:nvSpPr>
-          <p:spPr>
-            <a:xfrm>
-              <a:off x="4800600" y="1691481"/>
-              <a:ext cx="5486400" cy="7315200"/>
-            </a:xfrm>
-            <a:prstGeom prst="rect">
-              <a:avLst/>
-            </a:prstGeom>
-            <a:solidFill>
-              <a:srgbClr val="FFFFFF">
-                <a:alpha val="100000"/>
-              </a:srgbClr>
-            </a:solidFill>
-            <a:ln w="13550" cap="rnd">
-              <a:solidFill>
-                <a:srgbClr val="FFFFFF">
-                  <a:alpha val="100000"/>
-                </a:srgbClr>
-              </a:solidFill>
-              <a:prstDash val="solid"/>
-              <a:round/>
-            </a:ln>
-          </p:spPr>
-          <p:txBody>
-            <a:bodyPr/>
-            <a:lstStyle/>
-            <a:p/>
-          </p:txBody>
-        </p:sp>
-        <p:sp>
-          <p:nvSpPr>
-            <p:cNvPr id="5" name="rc5"/>
-            <p:cNvSpPr/>
-            <p:nvPr/>
-          </p:nvSpPr>
-          <p:spPr>
-            <a:xfrm>
-              <a:off x="5938938" y="2535928"/>
-              <a:ext cx="2847590" cy="5348145"/>
-            </a:xfrm>
-            <a:prstGeom prst="rect">
-              <a:avLst/>
-            </a:prstGeom>
-            <a:solidFill>
-              <a:srgbClr val="FFFFFF">
-                <a:alpha val="100000"/>
-              </a:srgbClr>
-            </a:solidFill>
-          </p:spPr>
-          <p:txBody>
-            <a:bodyPr/>
-            <a:lstStyle/>
-            <a:p/>
-          </p:txBody>
-        </p:sp>
-        <p:sp>
-          <p:nvSpPr>
-            <p:cNvPr id="6" name="pl6"/>
-            <p:cNvSpPr/>
-            <p:nvPr/>
-          </p:nvSpPr>
-          <p:spPr>
-            <a:xfrm>
-              <a:off x="6207060" y="2779025"/>
-              <a:ext cx="73767" cy="4861950"/>
-            </a:xfrm>
-            <a:custGeom>
-              <a:avLst/>
-              <a:pathLst>
-                <a:path w="73767" h="4861950">
-                  <a:moveTo>
-                    <a:pt x="73767" y="4861950"/>
-                  </a:moveTo>
-                  <a:lnTo>
-                    <a:pt x="0" y="3889560"/>
-                  </a:lnTo>
-                  <a:lnTo>
-                    <a:pt x="13802" y="2917170"/>
-                  </a:lnTo>
-                  <a:lnTo>
-                    <a:pt x="17895" y="1944780"/>
-                  </a:lnTo>
-                  <a:lnTo>
-                    <a:pt x="5024" y="972390"/>
-                  </a:lnTo>
-                  <a:lnTo>
-                    <a:pt x="5692" y="0"/>
-                  </a:lnTo>
-                </a:path>
-              </a:pathLst>
-            </a:custGeom>
-            <a:ln w="27101" cap="flat">
-              <a:solidFill>
-                <a:srgbClr val="F5EDFF">
-                  <a:alpha val="100000"/>
-                </a:srgbClr>
-              </a:solidFill>
-              <a:prstDash val="solid"/>
-              <a:round/>
-            </a:ln>
-          </p:spPr>
-          <p:txBody>
-            <a:bodyPr/>
-            <a:lstStyle/>
-            <a:p/>
-          </p:txBody>
-        </p:sp>
-        <p:sp>
-          <p:nvSpPr>
-            <p:cNvPr id="7" name="pl7"/>
-            <p:cNvSpPr/>
-            <p:nvPr/>
-          </p:nvSpPr>
-          <p:spPr>
-            <a:xfrm>
-              <a:off x="6194372" y="2779025"/>
-              <a:ext cx="319675" cy="4861950"/>
-            </a:xfrm>
-            <a:custGeom>
-              <a:avLst/>
-              <a:pathLst>
-                <a:path w="319675" h="4861950">
-                  <a:moveTo>
-                    <a:pt x="51303" y="4861950"/>
-                  </a:moveTo>
-                  <a:lnTo>
-                    <a:pt x="0" y="3889560"/>
-                  </a:lnTo>
-                  <a:lnTo>
-                    <a:pt x="23838" y="2917170"/>
-                  </a:lnTo>
-                  <a:lnTo>
-                    <a:pt x="98007" y="1944780"/>
-                  </a:lnTo>
-                  <a:lnTo>
-                    <a:pt x="149254" y="972390"/>
-                  </a:lnTo>
-                  <a:lnTo>
-                    <a:pt x="319675" y="0"/>
-                  </a:lnTo>
-                </a:path>
-              </a:pathLst>
-            </a:custGeom>
-            <a:ln w="27101" cap="flat">
-              <a:solidFill>
-                <a:srgbClr val="EADBFF">
-                  <a:alpha val="100000"/>
-                </a:srgbClr>
-              </a:solidFill>
-              <a:prstDash val="solid"/>
-              <a:round/>
-            </a:ln>
-          </p:spPr>
-          <p:txBody>
-            <a:bodyPr/>
-            <a:lstStyle/>
-            <a:p/>
-          </p:txBody>
-        </p:sp>
-        <p:sp>
-          <p:nvSpPr>
-            <p:cNvPr id="8" name="pl8"/>
-            <p:cNvSpPr/>
-            <p:nvPr/>
-          </p:nvSpPr>
-          <p:spPr>
-            <a:xfrm>
-              <a:off x="6223395" y="2779025"/>
-              <a:ext cx="390377" cy="4861950"/>
-            </a:xfrm>
-            <a:custGeom>
-              <a:avLst/>
-              <a:pathLst>
-                <a:path w="390377" h="4861950">
-                  <a:moveTo>
-                    <a:pt x="53738" y="4861950"/>
-                  </a:moveTo>
-                  <a:lnTo>
-                    <a:pt x="0" y="3889560"/>
-                  </a:lnTo>
-                  <a:lnTo>
-                    <a:pt x="9018" y="2917170"/>
-                  </a:lnTo>
-                  <a:lnTo>
-                    <a:pt x="135135" y="1944780"/>
-                  </a:lnTo>
-                  <a:lnTo>
-                    <a:pt x="132366" y="972390"/>
-                  </a:lnTo>
-                  <a:lnTo>
-                    <a:pt x="390377" y="0"/>
-                  </a:lnTo>
-                </a:path>
-              </a:pathLst>
-            </a:custGeom>
-            <a:ln w="27101" cap="flat">
-              <a:solidFill>
-                <a:srgbClr val="DFC9FF">
-                  <a:alpha val="100000"/>
-                </a:srgbClr>
-              </a:solidFill>
-              <a:prstDash val="solid"/>
-              <a:round/>
-            </a:ln>
-          </p:spPr>
-          <p:txBody>
-            <a:bodyPr/>
-            <a:lstStyle/>
-            <a:p/>
-          </p:txBody>
-        </p:sp>
-        <p:sp>
-          <p:nvSpPr>
-            <p:cNvPr id="9" name="pl9"/>
-            <p:cNvSpPr/>
-            <p:nvPr/>
-          </p:nvSpPr>
-          <p:spPr>
-            <a:xfrm>
-              <a:off x="6216184" y="2779025"/>
-              <a:ext cx="365268" cy="4861950"/>
-            </a:xfrm>
-            <a:custGeom>
-              <a:avLst/>
-              <a:pathLst>
-                <a:path w="365268" h="4861950">
-                  <a:moveTo>
-                    <a:pt x="66745" y="4861950"/>
-                  </a:moveTo>
-                  <a:lnTo>
-                    <a:pt x="16654" y="3889560"/>
-                  </a:lnTo>
-                  <a:lnTo>
-                    <a:pt x="0" y="2917170"/>
-                  </a:lnTo>
-                  <a:lnTo>
-                    <a:pt x="100244" y="1944780"/>
-                  </a:lnTo>
-                  <a:lnTo>
-                    <a:pt x="150095" y="972390"/>
-                  </a:lnTo>
-                  <a:lnTo>
-                    <a:pt x="365268" y="0"/>
-                  </a:lnTo>
-                </a:path>
-              </a:pathLst>
-            </a:custGeom>
-            <a:ln w="27101" cap="flat">
-              <a:solidFill>
-                <a:srgbClr val="D3B7FF">
-                  <a:alpha val="100000"/>
-                </a:srgbClr>
-              </a:solidFill>
-              <a:prstDash val="solid"/>
-              <a:round/>
-            </a:ln>
-          </p:spPr>
-          <p:txBody>
-            <a:bodyPr/>
-            <a:lstStyle/>
-            <a:p/>
-          </p:txBody>
-        </p:sp>
-        <p:sp>
-          <p:nvSpPr>
-            <p:cNvPr id="10" name="pl10"/>
-            <p:cNvSpPr/>
-            <p:nvPr/>
-          </p:nvSpPr>
-          <p:spPr>
-            <a:xfrm>
-              <a:off x="6193909" y="2779025"/>
-              <a:ext cx="396766" cy="4861950"/>
-            </a:xfrm>
-            <a:custGeom>
-              <a:avLst/>
-              <a:pathLst>
-                <a:path w="396766" h="4861950">
-                  <a:moveTo>
-                    <a:pt x="82024" y="4861950"/>
-                  </a:moveTo>
-                  <a:lnTo>
-                    <a:pt x="34202" y="3889560"/>
-                  </a:lnTo>
-                  <a:lnTo>
-                    <a:pt x="0" y="2917170"/>
-                  </a:lnTo>
-                  <a:lnTo>
-                    <a:pt x="174135" y="1944780"/>
-                  </a:lnTo>
-                  <a:lnTo>
-                    <a:pt x="243147" y="972390"/>
-                  </a:lnTo>
-                  <a:lnTo>
-                    <a:pt x="396766" y="0"/>
-                  </a:lnTo>
-                </a:path>
-              </a:pathLst>
-            </a:custGeom>
-            <a:ln w="27101" cap="flat">
-              <a:solidFill>
-                <a:srgbClr val="C7A6FF">
-                  <a:alpha val="100000"/>
-                </a:srgbClr>
-              </a:solidFill>
-              <a:prstDash val="solid"/>
-              <a:round/>
-            </a:ln>
-          </p:spPr>
-          <p:txBody>
-            <a:bodyPr/>
-            <a:lstStyle/>
-            <a:p/>
-          </p:txBody>
-        </p:sp>
-        <p:sp>
-          <p:nvSpPr>
-            <p:cNvPr id="11" name="pl11"/>
-            <p:cNvSpPr/>
-            <p:nvPr/>
-          </p:nvSpPr>
-          <p:spPr>
-            <a:xfrm>
-              <a:off x="6220184" y="2779025"/>
-              <a:ext cx="343426" cy="4861950"/>
-            </a:xfrm>
-            <a:custGeom>
-              <a:avLst/>
-              <a:pathLst>
-                <a:path w="343426" h="4861950">
-                  <a:moveTo>
-                    <a:pt x="61986" y="4861950"/>
-                  </a:moveTo>
-                  <a:lnTo>
-                    <a:pt x="3223" y="3889560"/>
-                  </a:lnTo>
-                  <a:lnTo>
-                    <a:pt x="0" y="2917170"/>
-                  </a:lnTo>
-                  <a:lnTo>
-                    <a:pt x="212059" y="1944780"/>
-                  </a:lnTo>
-                  <a:lnTo>
-                    <a:pt x="189917" y="972390"/>
-                  </a:lnTo>
-                  <a:lnTo>
-                    <a:pt x="343426" y="0"/>
-                  </a:lnTo>
-                </a:path>
-              </a:pathLst>
-            </a:custGeom>
-            <a:ln w="27101" cap="flat">
-              <a:solidFill>
-                <a:srgbClr val="BA94FF">
-                  <a:alpha val="100000"/>
-                </a:srgbClr>
-              </a:solidFill>
-              <a:prstDash val="solid"/>
-              <a:round/>
-            </a:ln>
-          </p:spPr>
-          <p:txBody>
-            <a:bodyPr/>
-            <a:lstStyle/>
-            <a:p/>
-          </p:txBody>
-        </p:sp>
-        <p:sp>
-          <p:nvSpPr>
-            <p:cNvPr id="12" name="pl12"/>
-            <p:cNvSpPr/>
-            <p:nvPr/>
-          </p:nvSpPr>
-          <p:spPr>
-            <a:xfrm>
-              <a:off x="6208421" y="2779025"/>
-              <a:ext cx="508375" cy="4861950"/>
-            </a:xfrm>
-            <a:custGeom>
-              <a:avLst/>
-              <a:pathLst>
-                <a:path w="508375" h="4861950">
-                  <a:moveTo>
-                    <a:pt x="75228" y="4861950"/>
-                  </a:moveTo>
-                  <a:lnTo>
-                    <a:pt x="0" y="3889560"/>
-                  </a:lnTo>
-                  <a:lnTo>
-                    <a:pt x="114092" y="2917170"/>
-                  </a:lnTo>
-                  <a:lnTo>
-                    <a:pt x="508375" y="1944780"/>
-                  </a:lnTo>
-                  <a:lnTo>
-                    <a:pt x="256087" y="972390"/>
-                  </a:lnTo>
-                  <a:lnTo>
-                    <a:pt x="305079" y="0"/>
-                  </a:lnTo>
-                </a:path>
-              </a:pathLst>
-            </a:custGeom>
-            <a:ln w="27101" cap="flat">
-              <a:solidFill>
-                <a:srgbClr val="AC82FF">
-                  <a:alpha val="100000"/>
-                </a:srgbClr>
-              </a:solidFill>
-              <a:prstDash val="solid"/>
-              <a:round/>
-            </a:ln>
-          </p:spPr>
-          <p:txBody>
-            <a:bodyPr/>
-            <a:lstStyle/>
-            <a:p/>
-          </p:txBody>
-        </p:sp>
-        <p:sp>
-          <p:nvSpPr>
-            <p:cNvPr id="13" name="pl13"/>
-            <p:cNvSpPr/>
-            <p:nvPr/>
-          </p:nvSpPr>
-          <p:spPr>
-            <a:xfrm>
-              <a:off x="6219101" y="2779025"/>
-              <a:ext cx="1466166" cy="4861950"/>
-            </a:xfrm>
-            <a:custGeom>
-              <a:avLst/>
-              <a:pathLst>
-                <a:path w="1466166" h="4861950">
-                  <a:moveTo>
-                    <a:pt x="48011" y="4861950"/>
-                  </a:moveTo>
-                  <a:lnTo>
-                    <a:pt x="0" y="3889560"/>
-                  </a:lnTo>
-                  <a:lnTo>
-                    <a:pt x="1048912" y="2917170"/>
-                  </a:lnTo>
-                  <a:lnTo>
-                    <a:pt x="1270609" y="1944780"/>
-                  </a:lnTo>
-                  <a:lnTo>
-                    <a:pt x="1466166" y="972390"/>
-                  </a:lnTo>
-                  <a:lnTo>
-                    <a:pt x="352203" y="0"/>
-                  </a:lnTo>
-                </a:path>
-              </a:pathLst>
-            </a:custGeom>
-            <a:ln w="27101" cap="flat">
-              <a:solidFill>
-                <a:srgbClr val="9D71FF">
-                  <a:alpha val="100000"/>
-                </a:srgbClr>
-              </a:solidFill>
-              <a:prstDash val="solid"/>
-              <a:round/>
-            </a:ln>
-          </p:spPr>
-          <p:txBody>
-            <a:bodyPr/>
-            <a:lstStyle/>
-            <a:p/>
-          </p:txBody>
-        </p:sp>
-        <p:sp>
-          <p:nvSpPr>
-            <p:cNvPr id="14" name="pl14"/>
-            <p:cNvSpPr/>
-            <p:nvPr/>
-          </p:nvSpPr>
-          <p:spPr>
-            <a:xfrm>
-              <a:off x="6268039" y="2779025"/>
-              <a:ext cx="1268920" cy="4861950"/>
-            </a:xfrm>
-            <a:custGeom>
-              <a:avLst/>
-              <a:pathLst>
-                <a:path w="1268920" h="4861950">
-                  <a:moveTo>
-                    <a:pt x="250629" y="4861950"/>
-                  </a:moveTo>
-                  <a:lnTo>
-                    <a:pt x="0" y="3889560"/>
-                  </a:lnTo>
-                  <a:lnTo>
-                    <a:pt x="1158372" y="2917170"/>
-                  </a:lnTo>
-                  <a:lnTo>
-                    <a:pt x="1268920" y="1944780"/>
-                  </a:lnTo>
-                  <a:lnTo>
-                    <a:pt x="1153146" y="972390"/>
-                  </a:lnTo>
-                  <a:lnTo>
-                    <a:pt x="273455" y="0"/>
-                  </a:lnTo>
-                </a:path>
-              </a:pathLst>
-            </a:custGeom>
-            <a:ln w="27101" cap="flat">
-              <a:solidFill>
-                <a:srgbClr val="8C5FFF">
-                  <a:alpha val="100000"/>
-                </a:srgbClr>
-              </a:solidFill>
-              <a:prstDash val="solid"/>
-              <a:round/>
-            </a:ln>
-          </p:spPr>
-          <p:txBody>
-            <a:bodyPr/>
-            <a:lstStyle/>
-            <a:p/>
-          </p:txBody>
-        </p:sp>
-        <p:sp>
-          <p:nvSpPr>
-            <p:cNvPr id="15" name="pl15"/>
-            <p:cNvSpPr/>
-            <p:nvPr/>
-          </p:nvSpPr>
-          <p:spPr>
-            <a:xfrm>
-              <a:off x="6421902" y="2779025"/>
-              <a:ext cx="1674031" cy="4861950"/>
-            </a:xfrm>
-            <a:custGeom>
-              <a:avLst/>
-              <a:pathLst>
-                <a:path w="1674031" h="4861950">
-                  <a:moveTo>
-                    <a:pt x="743465" y="4861950"/>
-                  </a:moveTo>
-                  <a:lnTo>
-                    <a:pt x="0" y="3889560"/>
-                  </a:lnTo>
-                  <a:lnTo>
-                    <a:pt x="1284556" y="2917170"/>
-                  </a:lnTo>
-                  <a:lnTo>
-                    <a:pt x="1378387" y="1944780"/>
-                  </a:lnTo>
-                  <a:lnTo>
-                    <a:pt x="1674031" y="972390"/>
-                  </a:lnTo>
-                  <a:lnTo>
-                    <a:pt x="498198" y="0"/>
-                  </a:lnTo>
-                </a:path>
-              </a:pathLst>
-            </a:custGeom>
-            <a:ln w="27101" cap="flat">
-              <a:solidFill>
-                <a:srgbClr val="794DFF">
-                  <a:alpha val="100000"/>
-                </a:srgbClr>
-              </a:solidFill>
-              <a:prstDash val="solid"/>
-              <a:round/>
-            </a:ln>
-          </p:spPr>
-          <p:txBody>
-            <a:bodyPr/>
-            <a:lstStyle/>
-            <a:p/>
-          </p:txBody>
-        </p:sp>
-        <p:sp>
-          <p:nvSpPr>
-            <p:cNvPr id="16" name="pl16"/>
-            <p:cNvSpPr/>
-            <p:nvPr/>
-          </p:nvSpPr>
-          <p:spPr>
-            <a:xfrm>
-              <a:off x="6434244" y="2779025"/>
-              <a:ext cx="1677343" cy="4861950"/>
-            </a:xfrm>
-            <a:custGeom>
-              <a:avLst/>
-              <a:pathLst>
-                <a:path w="1677343" h="4861950">
-                  <a:moveTo>
-                    <a:pt x="818220" y="4861950"/>
-                  </a:moveTo>
-                  <a:lnTo>
-                    <a:pt x="0" y="3889560"/>
-                  </a:lnTo>
-                  <a:lnTo>
-                    <a:pt x="1037540" y="2917170"/>
-                  </a:lnTo>
-                  <a:lnTo>
-                    <a:pt x="1579186" y="1944780"/>
-                  </a:lnTo>
-                  <a:lnTo>
-                    <a:pt x="1677343" y="972390"/>
-                  </a:lnTo>
-                  <a:lnTo>
-                    <a:pt x="401959" y="0"/>
-                  </a:lnTo>
-                </a:path>
-              </a:pathLst>
-            </a:custGeom>
-            <a:ln w="27101" cap="flat">
-              <a:solidFill>
-                <a:srgbClr val="633AFF">
-                  <a:alpha val="100000"/>
-                </a:srgbClr>
-              </a:solidFill>
-              <a:prstDash val="solid"/>
-              <a:round/>
-            </a:ln>
-          </p:spPr>
-          <p:txBody>
-            <a:bodyPr/>
-            <a:lstStyle/>
-            <a:p/>
-          </p:txBody>
-        </p:sp>
-        <p:sp>
-          <p:nvSpPr>
-            <p:cNvPr id="17" name="pl17"/>
-            <p:cNvSpPr/>
-            <p:nvPr/>
-          </p:nvSpPr>
-          <p:spPr>
-            <a:xfrm>
-              <a:off x="6421477" y="2779025"/>
-              <a:ext cx="1912211" cy="4861950"/>
-            </a:xfrm>
-            <a:custGeom>
-              <a:avLst/>
-              <a:pathLst>
-                <a:path w="1912211" h="4861950">
-                  <a:moveTo>
-                    <a:pt x="934423" y="4861950"/>
-                  </a:moveTo>
-                  <a:lnTo>
-                    <a:pt x="0" y="3889560"/>
-                  </a:lnTo>
-                  <a:lnTo>
-                    <a:pt x="1266162" y="2917170"/>
-                  </a:lnTo>
-                  <a:lnTo>
-                    <a:pt x="1527389" y="1944780"/>
-                  </a:lnTo>
-                  <a:lnTo>
-                    <a:pt x="1912211" y="972390"/>
-                  </a:lnTo>
-                  <a:lnTo>
-                    <a:pt x="677203" y="0"/>
-                  </a:lnTo>
-                </a:path>
-              </a:pathLst>
-            </a:custGeom>
-            <a:ln w="27101" cap="flat">
-              <a:solidFill>
-                <a:srgbClr val="4624FF">
-                  <a:alpha val="100000"/>
-                </a:srgbClr>
-              </a:solidFill>
-              <a:prstDash val="solid"/>
-              <a:round/>
-            </a:ln>
-          </p:spPr>
-          <p:txBody>
-            <a:bodyPr/>
-            <a:lstStyle/>
-            <a:p/>
-          </p:txBody>
-        </p:sp>
-        <p:sp>
-          <p:nvSpPr>
-            <p:cNvPr id="18" name="pl18"/>
-            <p:cNvSpPr/>
-            <p:nvPr/>
-          </p:nvSpPr>
-          <p:spPr>
-            <a:xfrm>
-              <a:off x="6527266" y="2779025"/>
-              <a:ext cx="1736098" cy="4861950"/>
-            </a:xfrm>
-            <a:custGeom>
-              <a:avLst/>
-              <a:pathLst>
-                <a:path w="1736098" h="4861950">
-                  <a:moveTo>
-                    <a:pt x="953020" y="4861950"/>
-                  </a:moveTo>
-                  <a:lnTo>
-                    <a:pt x="0" y="3889560"/>
-                  </a:lnTo>
-                  <a:lnTo>
-                    <a:pt x="1038234" y="2917170"/>
-                  </a:lnTo>
-                  <a:lnTo>
-                    <a:pt x="1285912" y="1944780"/>
-                  </a:lnTo>
-                  <a:lnTo>
-                    <a:pt x="1736098" y="972390"/>
-                  </a:lnTo>
-                  <a:lnTo>
-                    <a:pt x="699885" y="0"/>
-                  </a:lnTo>
-                </a:path>
-              </a:pathLst>
-            </a:custGeom>
-            <a:ln w="27101" cap="flat">
-              <a:solidFill>
-                <a:srgbClr val="0000FF">
-                  <a:alpha val="100000"/>
-                </a:srgbClr>
-              </a:solidFill>
-              <a:prstDash val="solid"/>
-              <a:round/>
-            </a:ln>
-          </p:spPr>
-          <p:txBody>
-            <a:bodyPr/>
-            <a:lstStyle/>
-            <a:p/>
-          </p:txBody>
-        </p:sp>
-        <p:sp>
-          <p:nvSpPr>
-            <p:cNvPr id="19" name="pl19"/>
-            <p:cNvSpPr/>
-            <p:nvPr/>
-          </p:nvSpPr>
-          <p:spPr>
-            <a:xfrm>
-              <a:off x="6426235" y="2779025"/>
-              <a:ext cx="1797681" cy="4861950"/>
-            </a:xfrm>
-            <a:custGeom>
-              <a:avLst/>
-              <a:pathLst>
-                <a:path w="1797681" h="4861950">
-                  <a:moveTo>
-                    <a:pt x="824860" y="4861950"/>
-                  </a:moveTo>
-                  <a:lnTo>
-                    <a:pt x="0" y="3889560"/>
-                  </a:lnTo>
-                  <a:lnTo>
-                    <a:pt x="1185177" y="2917170"/>
-                  </a:lnTo>
-                  <a:lnTo>
-                    <a:pt x="1385852" y="1944780"/>
-                  </a:lnTo>
-                  <a:lnTo>
-                    <a:pt x="1797681" y="972390"/>
-                  </a:lnTo>
-                  <a:lnTo>
-                    <a:pt x="601125" y="0"/>
-                  </a:lnTo>
-                </a:path>
-              </a:pathLst>
-            </a:custGeom>
-            <a:ln w="27101" cap="flat">
-              <a:solidFill>
-                <a:srgbClr val="0000F6">
-                  <a:alpha val="100000"/>
-                </a:srgbClr>
-              </a:solidFill>
-              <a:prstDash val="solid"/>
-              <a:round/>
-            </a:ln>
-          </p:spPr>
-          <p:txBody>
-            <a:bodyPr/>
-            <a:lstStyle/>
-            <a:p/>
-          </p:txBody>
-        </p:sp>
-        <p:sp>
-          <p:nvSpPr>
-            <p:cNvPr id="20" name="pl20"/>
-            <p:cNvSpPr/>
-            <p:nvPr/>
-          </p:nvSpPr>
-          <p:spPr>
-            <a:xfrm>
-              <a:off x="6665587" y="2779025"/>
-              <a:ext cx="1165714" cy="4861950"/>
-            </a:xfrm>
-            <a:custGeom>
-              <a:avLst/>
-              <a:pathLst>
-                <a:path w="1165714" h="4861950">
-                  <a:moveTo>
-                    <a:pt x="621627" y="4861950"/>
-                  </a:moveTo>
-                  <a:lnTo>
-                    <a:pt x="0" y="3889560"/>
-                  </a:lnTo>
-                  <a:lnTo>
-                    <a:pt x="754391" y="2917170"/>
-                  </a:lnTo>
-                  <a:lnTo>
-                    <a:pt x="1165714" y="1944780"/>
-                  </a:lnTo>
-                  <a:lnTo>
-                    <a:pt x="1152245" y="972390"/>
-                  </a:lnTo>
-                  <a:lnTo>
-                    <a:pt x="133072" y="0"/>
-                  </a:lnTo>
-                </a:path>
-              </a:pathLst>
-            </a:custGeom>
-            <a:ln w="27101" cap="flat">
-              <a:solidFill>
-                <a:srgbClr val="0000EC">
-                  <a:alpha val="100000"/>
-                </a:srgbClr>
-              </a:solidFill>
-              <a:prstDash val="solid"/>
-              <a:round/>
-            </a:ln>
-          </p:spPr>
-          <p:txBody>
-            <a:bodyPr/>
-            <a:lstStyle/>
-            <a:p/>
-          </p:txBody>
-        </p:sp>
-        <p:sp>
-          <p:nvSpPr>
-            <p:cNvPr id="21" name="pl21"/>
-            <p:cNvSpPr/>
-            <p:nvPr/>
-          </p:nvSpPr>
-          <p:spPr>
-            <a:xfrm>
-              <a:off x="6423226" y="2779025"/>
-              <a:ext cx="1858597" cy="4861950"/>
-            </a:xfrm>
-            <a:custGeom>
-              <a:avLst/>
-              <a:pathLst>
-                <a:path w="1858597" h="4861950">
-                  <a:moveTo>
-                    <a:pt x="776653" y="4861950"/>
-                  </a:moveTo>
-                  <a:lnTo>
-                    <a:pt x="0" y="3889560"/>
-                  </a:lnTo>
-                  <a:lnTo>
-                    <a:pt x="1184444" y="2917170"/>
-                  </a:lnTo>
-                  <a:lnTo>
-                    <a:pt x="1322575" y="1944780"/>
-                  </a:lnTo>
-                  <a:lnTo>
-                    <a:pt x="1858597" y="972390"/>
-                  </a:lnTo>
-                  <a:lnTo>
-                    <a:pt x="552575" y="0"/>
-                  </a:lnTo>
-                </a:path>
-              </a:pathLst>
-            </a:custGeom>
-            <a:ln w="27101" cap="flat">
-              <a:solidFill>
-                <a:srgbClr val="0000E3">
-                  <a:alpha val="100000"/>
-                </a:srgbClr>
-              </a:solidFill>
-              <a:prstDash val="solid"/>
-              <a:round/>
-            </a:ln>
-          </p:spPr>
-          <p:txBody>
-            <a:bodyPr/>
-            <a:lstStyle/>
-            <a:p/>
-          </p:txBody>
-        </p:sp>
-        <p:sp>
-          <p:nvSpPr>
-            <p:cNvPr id="22" name="pl22"/>
-            <p:cNvSpPr/>
-            <p:nvPr/>
-          </p:nvSpPr>
-          <p:spPr>
-            <a:xfrm>
-              <a:off x="6527206" y="2779025"/>
-              <a:ext cx="1513603" cy="4861950"/>
-            </a:xfrm>
-            <a:custGeom>
-              <a:avLst/>
-              <a:pathLst>
-                <a:path w="1513603" h="4861950">
-                  <a:moveTo>
-                    <a:pt x="676188" y="4861950"/>
-                  </a:moveTo>
-                  <a:lnTo>
-                    <a:pt x="0" y="3889560"/>
-                  </a:lnTo>
-                  <a:lnTo>
-                    <a:pt x="820344" y="2917170"/>
-                  </a:lnTo>
-                  <a:lnTo>
-                    <a:pt x="1219451" y="1944780"/>
-                  </a:lnTo>
-                  <a:lnTo>
-                    <a:pt x="1513603" y="972390"/>
-                  </a:lnTo>
-                  <a:lnTo>
-                    <a:pt x="280396" y="0"/>
-                  </a:lnTo>
-                </a:path>
-              </a:pathLst>
-            </a:custGeom>
-            <a:ln w="27101" cap="flat">
-              <a:solidFill>
-                <a:srgbClr val="0000DA">
-                  <a:alpha val="100000"/>
-                </a:srgbClr>
-              </a:solidFill>
-              <a:prstDash val="solid"/>
-              <a:round/>
-            </a:ln>
-          </p:spPr>
-          <p:txBody>
-            <a:bodyPr/>
-            <a:lstStyle/>
-            <a:p/>
-          </p:txBody>
-        </p:sp>
-        <p:sp>
-          <p:nvSpPr>
-            <p:cNvPr id="23" name="pl23"/>
-            <p:cNvSpPr/>
-            <p:nvPr/>
-          </p:nvSpPr>
-          <p:spPr>
-            <a:xfrm>
-              <a:off x="6447807" y="2779025"/>
-              <a:ext cx="1922422" cy="4861950"/>
-            </a:xfrm>
-            <a:custGeom>
-              <a:avLst/>
-              <a:pathLst>
-                <a:path w="1922422" h="4861950">
-                  <a:moveTo>
-                    <a:pt x="753097" y="4861950"/>
-                  </a:moveTo>
-                  <a:lnTo>
-                    <a:pt x="0" y="3889560"/>
-                  </a:lnTo>
-                  <a:lnTo>
-                    <a:pt x="1154296" y="2917170"/>
-                  </a:lnTo>
-                  <a:lnTo>
-                    <a:pt x="1361691" y="1944780"/>
-                  </a:lnTo>
-                  <a:lnTo>
-                    <a:pt x="1922422" y="972390"/>
-                  </a:lnTo>
-                  <a:lnTo>
-                    <a:pt x="604528" y="0"/>
-                  </a:lnTo>
-                </a:path>
-              </a:pathLst>
-            </a:custGeom>
-            <a:ln w="27101" cap="flat">
-              <a:solidFill>
-                <a:srgbClr val="0000D1">
-                  <a:alpha val="100000"/>
-                </a:srgbClr>
-              </a:solidFill>
-              <a:prstDash val="solid"/>
-              <a:round/>
-            </a:ln>
-          </p:spPr>
-          <p:txBody>
-            <a:bodyPr/>
-            <a:lstStyle/>
-            <a:p/>
-          </p:txBody>
-        </p:sp>
-        <p:sp>
-          <p:nvSpPr>
-            <p:cNvPr id="24" name="pl24"/>
-            <p:cNvSpPr/>
-            <p:nvPr/>
-          </p:nvSpPr>
-          <p:spPr>
-            <a:xfrm>
-              <a:off x="6508420" y="2779025"/>
-              <a:ext cx="1545468" cy="4861950"/>
-            </a:xfrm>
-            <a:custGeom>
-              <a:avLst/>
-              <a:pathLst>
-                <a:path w="1545468" h="4861950">
-                  <a:moveTo>
-                    <a:pt x="766347" y="4861950"/>
-                  </a:moveTo>
-                  <a:lnTo>
-                    <a:pt x="0" y="3889560"/>
-                  </a:lnTo>
-                  <a:lnTo>
-                    <a:pt x="1054979" y="2917170"/>
-                  </a:lnTo>
-                  <a:lnTo>
-                    <a:pt x="1439686" y="1944780"/>
-                  </a:lnTo>
-                  <a:lnTo>
-                    <a:pt x="1545468" y="972390"/>
-                  </a:lnTo>
-                  <a:lnTo>
-                    <a:pt x="368361" y="0"/>
-                  </a:lnTo>
-                </a:path>
-              </a:pathLst>
-            </a:custGeom>
-            <a:ln w="27101" cap="flat">
-              <a:solidFill>
-                <a:srgbClr val="0000C8">
-                  <a:alpha val="100000"/>
-                </a:srgbClr>
-              </a:solidFill>
-              <a:prstDash val="solid"/>
-              <a:round/>
-            </a:ln>
-          </p:spPr>
-          <p:txBody>
-            <a:bodyPr/>
-            <a:lstStyle/>
-            <a:p/>
-          </p:txBody>
-        </p:sp>
-        <p:sp>
-          <p:nvSpPr>
-            <p:cNvPr id="25" name="pl25"/>
-            <p:cNvSpPr/>
-            <p:nvPr/>
-          </p:nvSpPr>
-          <p:spPr>
-            <a:xfrm>
-              <a:off x="6367263" y="2779025"/>
-              <a:ext cx="1808832" cy="4861950"/>
-            </a:xfrm>
-            <a:custGeom>
-              <a:avLst/>
-              <a:pathLst>
-                <a:path w="1808832" h="4861950">
-                  <a:moveTo>
-                    <a:pt x="1022402" y="4861950"/>
-                  </a:moveTo>
-                  <a:lnTo>
-                    <a:pt x="0" y="3889560"/>
-                  </a:lnTo>
-                  <a:lnTo>
-                    <a:pt x="1067718" y="2917170"/>
-                  </a:lnTo>
-                  <a:lnTo>
-                    <a:pt x="1774337" y="1944780"/>
-                  </a:lnTo>
-                  <a:lnTo>
-                    <a:pt x="1808832" y="972390"/>
-                  </a:lnTo>
-                  <a:lnTo>
-                    <a:pt x="574286" y="0"/>
-                  </a:lnTo>
-                </a:path>
-              </a:pathLst>
-            </a:custGeom>
-            <a:ln w="27101" cap="flat">
-              <a:solidFill>
-                <a:srgbClr val="0000BF">
-                  <a:alpha val="100000"/>
-                </a:srgbClr>
-              </a:solidFill>
-              <a:prstDash val="solid"/>
-              <a:round/>
-            </a:ln>
-          </p:spPr>
-          <p:txBody>
-            <a:bodyPr/>
-            <a:lstStyle/>
-            <a:p/>
-          </p:txBody>
-        </p:sp>
-        <p:sp>
-          <p:nvSpPr>
-            <p:cNvPr id="26" name="pl26"/>
-            <p:cNvSpPr/>
-            <p:nvPr/>
-          </p:nvSpPr>
-          <p:spPr>
-            <a:xfrm>
-              <a:off x="6493922" y="2779025"/>
-              <a:ext cx="1644464" cy="4861950"/>
-            </a:xfrm>
-            <a:custGeom>
-              <a:avLst/>
-              <a:pathLst>
-                <a:path w="1644464" h="4861950">
-                  <a:moveTo>
-                    <a:pt x="763301" y="4861950"/>
-                  </a:moveTo>
-                  <a:lnTo>
-                    <a:pt x="0" y="3889560"/>
-                  </a:lnTo>
-                  <a:lnTo>
-                    <a:pt x="871640" y="2917170"/>
-                  </a:lnTo>
-                  <a:lnTo>
-                    <a:pt x="1644464" y="1944780"/>
-                  </a:lnTo>
-                  <a:lnTo>
-                    <a:pt x="1554001" y="972390"/>
-                  </a:lnTo>
-                  <a:lnTo>
-                    <a:pt x="457486" y="0"/>
-                  </a:lnTo>
-                </a:path>
-              </a:pathLst>
-            </a:custGeom>
-            <a:ln w="27101" cap="flat">
-              <a:solidFill>
-                <a:srgbClr val="0000B6">
-                  <a:alpha val="100000"/>
-                </a:srgbClr>
-              </a:solidFill>
-              <a:prstDash val="solid"/>
-              <a:round/>
-            </a:ln>
-          </p:spPr>
-          <p:txBody>
-            <a:bodyPr/>
-            <a:lstStyle/>
-            <a:p/>
-          </p:txBody>
-        </p:sp>
-        <p:sp>
-          <p:nvSpPr>
-            <p:cNvPr id="27" name="pl27"/>
-            <p:cNvSpPr/>
-            <p:nvPr/>
-          </p:nvSpPr>
-          <p:spPr>
-            <a:xfrm>
-              <a:off x="6389538" y="2779025"/>
-              <a:ext cx="2010031" cy="4861950"/>
-            </a:xfrm>
-            <a:custGeom>
-              <a:avLst/>
-              <a:pathLst>
-                <a:path w="2010031" h="4861950">
-                  <a:moveTo>
-                    <a:pt x="1023318" y="4861950"/>
-                  </a:moveTo>
-                  <a:lnTo>
-                    <a:pt x="0" y="3889560"/>
-                  </a:lnTo>
-                  <a:lnTo>
-                    <a:pt x="1053116" y="2917170"/>
-                  </a:lnTo>
-                  <a:lnTo>
-                    <a:pt x="1932988" y="1944780"/>
-                  </a:lnTo>
-                  <a:lnTo>
-                    <a:pt x="2010031" y="972390"/>
-                  </a:lnTo>
-                  <a:lnTo>
-                    <a:pt x="507982" y="0"/>
-                  </a:lnTo>
-                </a:path>
-              </a:pathLst>
-            </a:custGeom>
-            <a:ln w="27101" cap="flat">
-              <a:solidFill>
-                <a:srgbClr val="0000AD">
-                  <a:alpha val="100000"/>
-                </a:srgbClr>
-              </a:solidFill>
-              <a:prstDash val="solid"/>
-              <a:round/>
-            </a:ln>
-          </p:spPr>
-          <p:txBody>
-            <a:bodyPr/>
-            <a:lstStyle/>
-            <a:p/>
-          </p:txBody>
-        </p:sp>
-        <p:sp>
-          <p:nvSpPr>
-            <p:cNvPr id="28" name="pl28"/>
-            <p:cNvSpPr/>
-            <p:nvPr/>
-          </p:nvSpPr>
-          <p:spPr>
-            <a:xfrm>
-              <a:off x="6463376" y="2779025"/>
-              <a:ext cx="1826311" cy="4861950"/>
-            </a:xfrm>
-            <a:custGeom>
-              <a:avLst/>
-              <a:pathLst>
-                <a:path w="1826311" h="4861950">
-                  <a:moveTo>
-                    <a:pt x="692571" y="4861950"/>
-                  </a:moveTo>
-                  <a:lnTo>
-                    <a:pt x="0" y="3889560"/>
-                  </a:lnTo>
-                  <a:lnTo>
-                    <a:pt x="1050531" y="2917170"/>
-                  </a:lnTo>
-                  <a:lnTo>
-                    <a:pt x="1826311" y="1944780"/>
-                  </a:lnTo>
-                  <a:lnTo>
-                    <a:pt x="1714002" y="972390"/>
-                  </a:lnTo>
-                  <a:lnTo>
-                    <a:pt x="411467" y="0"/>
-                  </a:lnTo>
-                </a:path>
-              </a:pathLst>
-            </a:custGeom>
-            <a:ln w="27101" cap="flat">
-              <a:solidFill>
-                <a:srgbClr val="0000A5">
-                  <a:alpha val="100000"/>
-                </a:srgbClr>
-              </a:solidFill>
-              <a:prstDash val="solid"/>
-              <a:round/>
-            </a:ln>
-          </p:spPr>
-          <p:txBody>
-            <a:bodyPr/>
-            <a:lstStyle/>
-            <a:p/>
-          </p:txBody>
-        </p:sp>
-        <p:sp>
-          <p:nvSpPr>
-            <p:cNvPr id="29" name="pl29"/>
-            <p:cNvSpPr/>
-            <p:nvPr/>
-          </p:nvSpPr>
-          <p:spPr>
-            <a:xfrm>
-              <a:off x="6383122" y="2779025"/>
-              <a:ext cx="2107861" cy="4861950"/>
-            </a:xfrm>
-            <a:custGeom>
-              <a:avLst/>
-              <a:pathLst>
-                <a:path w="2107861" h="4861950">
-                  <a:moveTo>
-                    <a:pt x="1043319" y="4861950"/>
-                  </a:moveTo>
-                  <a:lnTo>
-                    <a:pt x="0" y="3889560"/>
-                  </a:lnTo>
-                  <a:lnTo>
-                    <a:pt x="1007449" y="2917170"/>
-                  </a:lnTo>
-                  <a:lnTo>
-                    <a:pt x="1886306" y="1944780"/>
-                  </a:lnTo>
-                  <a:lnTo>
-                    <a:pt x="2107861" y="972390"/>
-                  </a:lnTo>
-                  <a:lnTo>
-                    <a:pt x="595973" y="0"/>
-                  </a:lnTo>
-                </a:path>
-              </a:pathLst>
-            </a:custGeom>
-            <a:ln w="27101" cap="flat">
-              <a:solidFill>
-                <a:srgbClr val="00009C">
-                  <a:alpha val="100000"/>
-                </a:srgbClr>
-              </a:solidFill>
-              <a:prstDash val="solid"/>
-              <a:round/>
-            </a:ln>
-          </p:spPr>
-          <p:txBody>
-            <a:bodyPr/>
-            <a:lstStyle/>
-            <a:p/>
-          </p:txBody>
-        </p:sp>
-        <p:sp>
-          <p:nvSpPr>
-            <p:cNvPr id="30" name="pl30"/>
-            <p:cNvSpPr/>
-            <p:nvPr/>
-          </p:nvSpPr>
-          <p:spPr>
-            <a:xfrm>
-              <a:off x="6496671" y="2779025"/>
-              <a:ext cx="1798177" cy="4861950"/>
-            </a:xfrm>
-            <a:custGeom>
-              <a:avLst/>
-              <a:pathLst>
-                <a:path w="1798177" h="4861950">
-                  <a:moveTo>
-                    <a:pt x="558706" y="4861950"/>
-                  </a:moveTo>
-                  <a:lnTo>
-                    <a:pt x="0" y="3889560"/>
-                  </a:lnTo>
-                  <a:lnTo>
-                    <a:pt x="1046038" y="2917170"/>
-                  </a:lnTo>
-                  <a:lnTo>
-                    <a:pt x="1743861" y="1944780"/>
-                  </a:lnTo>
-                  <a:lnTo>
-                    <a:pt x="1798177" y="972390"/>
-                  </a:lnTo>
-                  <a:lnTo>
-                    <a:pt x="448084" y="0"/>
-                  </a:lnTo>
-                </a:path>
-              </a:pathLst>
-            </a:custGeom>
-            <a:ln w="27101" cap="flat">
-              <a:solidFill>
-                <a:srgbClr val="000093">
-                  <a:alpha val="100000"/>
-                </a:srgbClr>
-              </a:solidFill>
-              <a:prstDash val="solid"/>
-              <a:round/>
-            </a:ln>
-          </p:spPr>
-          <p:txBody>
-            <a:bodyPr/>
-            <a:lstStyle/>
-            <a:p/>
-          </p:txBody>
-        </p:sp>
-        <p:sp>
-          <p:nvSpPr>
-            <p:cNvPr id="31" name="pl31"/>
-            <p:cNvSpPr/>
-            <p:nvPr/>
-          </p:nvSpPr>
-          <p:spPr>
-            <a:xfrm>
-              <a:off x="6468680" y="2779025"/>
-              <a:ext cx="2102823" cy="4861950"/>
-            </a:xfrm>
-            <a:custGeom>
-              <a:avLst/>
-              <a:pathLst>
-                <a:path w="2102823" h="4861950">
-                  <a:moveTo>
-                    <a:pt x="783424" y="4861950"/>
-                  </a:moveTo>
-                  <a:lnTo>
-                    <a:pt x="0" y="3889560"/>
-                  </a:lnTo>
-                  <a:lnTo>
-                    <a:pt x="1000732" y="2917170"/>
-                  </a:lnTo>
-                  <a:lnTo>
-                    <a:pt x="1817830" y="1944780"/>
-                  </a:lnTo>
-                  <a:lnTo>
-                    <a:pt x="2102823" y="972390"/>
-                  </a:lnTo>
-                  <a:lnTo>
-                    <a:pt x="583165" y="0"/>
-                  </a:lnTo>
-                </a:path>
-              </a:pathLst>
-            </a:custGeom>
-            <a:ln w="27101" cap="flat">
-              <a:solidFill>
-                <a:srgbClr val="00008B">
-                  <a:alpha val="100000"/>
-                </a:srgbClr>
-              </a:solidFill>
-              <a:prstDash val="solid"/>
-              <a:round/>
-            </a:ln>
-          </p:spPr>
-          <p:txBody>
-            <a:bodyPr/>
-            <a:lstStyle/>
-            <a:p/>
-          </p:txBody>
-        </p:sp>
-        <p:sp>
-          <p:nvSpPr>
-            <p:cNvPr id="32" name="pl32"/>
-            <p:cNvSpPr/>
-            <p:nvPr/>
-          </p:nvSpPr>
-          <p:spPr>
-            <a:xfrm>
-              <a:off x="5938938" y="2535928"/>
-              <a:ext cx="0" cy="5348145"/>
-            </a:xfrm>
-            <a:custGeom>
-              <a:avLst/>
-              <a:pathLst>
-                <a:path w="0" h="5348145">
-                  <a:moveTo>
-                    <a:pt x="0" y="5348145"/>
-                  </a:moveTo>
-                  <a:lnTo>
-                    <a:pt x="0" y="0"/>
-                  </a:lnTo>
-                </a:path>
-              </a:pathLst>
-            </a:custGeom>
-            <a:ln w="27101" cap="flat">
-              <a:solidFill>
-                <a:srgbClr val="000000">
-                  <a:alpha val="100000"/>
-                </a:srgbClr>
-              </a:solidFill>
-              <a:prstDash val="solid"/>
-              <a:round/>
-            </a:ln>
-          </p:spPr>
-          <p:txBody>
-            <a:bodyPr/>
-            <a:lstStyle/>
-            <a:p/>
-          </p:txBody>
-        </p:sp>
-        <p:sp>
-          <p:nvSpPr>
-            <p:cNvPr id="33" name="tx33"/>
-            <p:cNvSpPr/>
-            <p:nvPr/>
-          </p:nvSpPr>
-          <p:spPr>
-            <a:xfrm>
-              <a:off x="5398572" y="7527271"/>
-              <a:ext cx="440531" cy="222795"/>
-            </a:xfrm>
-            <a:prstGeom prst="rect">
-              <a:avLst/>
-            </a:prstGeom>
-            <a:noFill/>
-          </p:spPr>
-          <p:txBody>
-            <a:bodyPr lIns="0" rIns="0" tIns="0" bIns="0" anchorCtr="1" anchor="ctr" wrap="none"/>
-            <a:lstStyle/>
-            <a:p>
-              <a:pPr algn="l" marL="0" marR="0" indent="0">
-                <a:lnSpc>
-                  <a:spcPts val="2400"/>
-                </a:lnSpc>
-                <a:spcBef>
-                  <a:spcPts val="0"/>
-                </a:spcBef>
-                <a:spcAft>
-                  <a:spcPts val="0"/>
-                </a:spcAft>
-              </a:pPr>
-              <a:r>
-                <a:rPr sz="2400">
-                  <a:solidFill>
-                    <a:srgbClr val="000000">
-                      <a:alpha val="100000"/>
-                    </a:srgbClr>
-                  </a:solidFill>
-                  <a:latin typeface="Arial"/>
-                  <a:cs typeface="Arial"/>
-                </a:rPr>
-                <a:t>-60</a:t>
-              </a:r>
-            </a:p>
-          </p:txBody>
-        </p:sp>
-        <p:sp>
-          <p:nvSpPr>
-            <p:cNvPr id="34" name="tx34"/>
-            <p:cNvSpPr/>
-            <p:nvPr/>
-          </p:nvSpPr>
-          <p:spPr>
-            <a:xfrm>
-              <a:off x="5398572" y="6554881"/>
-              <a:ext cx="440531" cy="222795"/>
-            </a:xfrm>
-            <a:prstGeom prst="rect">
-              <a:avLst/>
-            </a:prstGeom>
-            <a:noFill/>
-          </p:spPr>
-          <p:txBody>
-            <a:bodyPr lIns="0" rIns="0" tIns="0" bIns="0" anchorCtr="1" anchor="ctr" wrap="none"/>
-            <a:lstStyle/>
-            <a:p>
-              <a:pPr algn="l" marL="0" marR="0" indent="0">
-                <a:lnSpc>
-                  <a:spcPts val="2400"/>
-                </a:lnSpc>
-                <a:spcBef>
-                  <a:spcPts val="0"/>
-                </a:spcBef>
-                <a:spcAft>
-                  <a:spcPts val="0"/>
-                </a:spcAft>
-              </a:pPr>
-              <a:r>
-                <a:rPr sz="2400">
-                  <a:solidFill>
-                    <a:srgbClr val="000000">
-                      <a:alpha val="100000"/>
-                    </a:srgbClr>
-                  </a:solidFill>
-                  <a:latin typeface="Arial"/>
-                  <a:cs typeface="Arial"/>
-                </a:rPr>
-                <a:t>-50</a:t>
-              </a:r>
-            </a:p>
-          </p:txBody>
-        </p:sp>
-        <p:sp>
-          <p:nvSpPr>
-            <p:cNvPr id="35" name="tx35"/>
-            <p:cNvSpPr/>
-            <p:nvPr/>
-          </p:nvSpPr>
-          <p:spPr>
-            <a:xfrm>
-              <a:off x="5398572" y="5582491"/>
-              <a:ext cx="440531" cy="222795"/>
-            </a:xfrm>
-            <a:prstGeom prst="rect">
-              <a:avLst/>
-            </a:prstGeom>
-            <a:noFill/>
-          </p:spPr>
-          <p:txBody>
-            <a:bodyPr lIns="0" rIns="0" tIns="0" bIns="0" anchorCtr="1" anchor="ctr" wrap="none"/>
-            <a:lstStyle/>
-            <a:p>
-              <a:pPr algn="l" marL="0" marR="0" indent="0">
-                <a:lnSpc>
-                  <a:spcPts val="2400"/>
-                </a:lnSpc>
-                <a:spcBef>
-                  <a:spcPts val="0"/>
-                </a:spcBef>
-                <a:spcAft>
-                  <a:spcPts val="0"/>
-                </a:spcAft>
-              </a:pPr>
-              <a:r>
-                <a:rPr sz="2400">
-                  <a:solidFill>
-                    <a:srgbClr val="000000">
-                      <a:alpha val="100000"/>
-                    </a:srgbClr>
-                  </a:solidFill>
-                  <a:latin typeface="Arial"/>
-                  <a:cs typeface="Arial"/>
-                </a:rPr>
-                <a:t>-40</a:t>
-              </a:r>
-            </a:p>
-          </p:txBody>
-        </p:sp>
-        <p:sp>
-          <p:nvSpPr>
-            <p:cNvPr id="36" name="tx36"/>
-            <p:cNvSpPr/>
-            <p:nvPr/>
-          </p:nvSpPr>
-          <p:spPr>
-            <a:xfrm>
-              <a:off x="5398572" y="4609952"/>
-              <a:ext cx="440531" cy="222944"/>
-            </a:xfrm>
-            <a:prstGeom prst="rect">
-              <a:avLst/>
-            </a:prstGeom>
-            <a:noFill/>
-          </p:spPr>
-          <p:txBody>
-            <a:bodyPr lIns="0" rIns="0" tIns="0" bIns="0" anchorCtr="1" anchor="ctr" wrap="none"/>
-            <a:lstStyle/>
-            <a:p>
-              <a:pPr algn="l" marL="0" marR="0" indent="0">
-                <a:lnSpc>
-                  <a:spcPts val="2400"/>
-                </a:lnSpc>
-                <a:spcBef>
-                  <a:spcPts val="0"/>
-                </a:spcBef>
-                <a:spcAft>
-                  <a:spcPts val="0"/>
-                </a:spcAft>
-              </a:pPr>
-              <a:r>
-                <a:rPr sz="2400">
-                  <a:solidFill>
-                    <a:srgbClr val="000000">
-                      <a:alpha val="100000"/>
-                    </a:srgbClr>
-                  </a:solidFill>
-                  <a:latin typeface="Arial"/>
-                  <a:cs typeface="Arial"/>
-                </a:rPr>
-                <a:t>-30</a:t>
-              </a:r>
-            </a:p>
-          </p:txBody>
-        </p:sp>
-        <p:sp>
-          <p:nvSpPr>
-            <p:cNvPr id="37" name="tx37"/>
-            <p:cNvSpPr/>
-            <p:nvPr/>
-          </p:nvSpPr>
-          <p:spPr>
-            <a:xfrm>
-              <a:off x="5398572" y="3637711"/>
-              <a:ext cx="440531" cy="222795"/>
-            </a:xfrm>
-            <a:prstGeom prst="rect">
-              <a:avLst/>
-            </a:prstGeom>
-            <a:noFill/>
-          </p:spPr>
-          <p:txBody>
-            <a:bodyPr lIns="0" rIns="0" tIns="0" bIns="0" anchorCtr="1" anchor="ctr" wrap="none"/>
-            <a:lstStyle/>
-            <a:p>
-              <a:pPr algn="l" marL="0" marR="0" indent="0">
-                <a:lnSpc>
-                  <a:spcPts val="2400"/>
-                </a:lnSpc>
-                <a:spcBef>
-                  <a:spcPts val="0"/>
-                </a:spcBef>
-                <a:spcAft>
-                  <a:spcPts val="0"/>
-                </a:spcAft>
-              </a:pPr>
-              <a:r>
-                <a:rPr sz="2400">
-                  <a:solidFill>
-                    <a:srgbClr val="000000">
-                      <a:alpha val="100000"/>
-                    </a:srgbClr>
-                  </a:solidFill>
-                  <a:latin typeface="Arial"/>
-                  <a:cs typeface="Arial"/>
-                </a:rPr>
-                <a:t>-20</a:t>
-              </a:r>
-            </a:p>
-          </p:txBody>
-        </p:sp>
-        <p:sp>
-          <p:nvSpPr>
-            <p:cNvPr id="38" name="tx38"/>
-            <p:cNvSpPr/>
-            <p:nvPr/>
-          </p:nvSpPr>
-          <p:spPr>
-            <a:xfrm>
-              <a:off x="5398572" y="2665321"/>
-              <a:ext cx="440531" cy="222795"/>
-            </a:xfrm>
-            <a:prstGeom prst="rect">
-              <a:avLst/>
-            </a:prstGeom>
-            <a:noFill/>
-          </p:spPr>
-          <p:txBody>
-            <a:bodyPr lIns="0" rIns="0" tIns="0" bIns="0" anchorCtr="1" anchor="ctr" wrap="none"/>
-            <a:lstStyle/>
-            <a:p>
-              <a:pPr algn="l" marL="0" marR="0" indent="0">
-                <a:lnSpc>
-                  <a:spcPts val="2400"/>
-                </a:lnSpc>
-                <a:spcBef>
-                  <a:spcPts val="0"/>
-                </a:spcBef>
-                <a:spcAft>
-                  <a:spcPts val="0"/>
-                </a:spcAft>
-              </a:pPr>
-              <a:r>
-                <a:rPr sz="2400">
-                  <a:solidFill>
-                    <a:srgbClr val="000000">
-                      <a:alpha val="100000"/>
-                    </a:srgbClr>
-                  </a:solidFill>
-                  <a:latin typeface="Arial"/>
-                  <a:cs typeface="Arial"/>
-                </a:rPr>
-                <a:t>-10</a:t>
-              </a:r>
-            </a:p>
-          </p:txBody>
-        </p:sp>
-        <p:sp>
-          <p:nvSpPr>
-            <p:cNvPr id="39" name="pl39"/>
-            <p:cNvSpPr/>
-            <p:nvPr/>
-          </p:nvSpPr>
-          <p:spPr>
-            <a:xfrm>
-              <a:off x="5866938" y="7640976"/>
-              <a:ext cx="72000" cy="0"/>
-            </a:xfrm>
-            <a:custGeom>
-              <a:avLst/>
-              <a:pathLst>
-                <a:path w="72000" h="0">
-                  <a:moveTo>
-                    <a:pt x="0" y="0"/>
-                  </a:moveTo>
-                  <a:lnTo>
-                    <a:pt x="72000" y="0"/>
-                  </a:lnTo>
-                </a:path>
-              </a:pathLst>
-            </a:custGeom>
-            <a:ln w="27101" cap="flat">
-              <a:solidFill>
-                <a:srgbClr val="333333">
-                  <a:alpha val="100000"/>
-                </a:srgbClr>
-              </a:solidFill>
-              <a:prstDash val="solid"/>
-              <a:round/>
-            </a:ln>
-          </p:spPr>
-          <p:txBody>
-            <a:bodyPr/>
-            <a:lstStyle/>
-            <a:p/>
-          </p:txBody>
-        </p:sp>
-        <p:sp>
-          <p:nvSpPr>
-            <p:cNvPr id="40" name="pl40"/>
-            <p:cNvSpPr/>
-            <p:nvPr/>
-          </p:nvSpPr>
-          <p:spPr>
-            <a:xfrm>
-              <a:off x="5866938" y="6668586"/>
-              <a:ext cx="72000" cy="0"/>
-            </a:xfrm>
-            <a:custGeom>
-              <a:avLst/>
-              <a:pathLst>
-                <a:path w="72000" h="0">
-                  <a:moveTo>
-                    <a:pt x="0" y="0"/>
-                  </a:moveTo>
-                  <a:lnTo>
-                    <a:pt x="72000" y="0"/>
-                  </a:lnTo>
-                </a:path>
-              </a:pathLst>
-            </a:custGeom>
-            <a:ln w="27101" cap="flat">
-              <a:solidFill>
-                <a:srgbClr val="333333">
-                  <a:alpha val="100000"/>
-                </a:srgbClr>
-              </a:solidFill>
-              <a:prstDash val="solid"/>
-              <a:round/>
-            </a:ln>
-          </p:spPr>
-          <p:txBody>
-            <a:bodyPr/>
-            <a:lstStyle/>
-            <a:p/>
-          </p:txBody>
-        </p:sp>
-        <p:sp>
-          <p:nvSpPr>
-            <p:cNvPr id="41" name="pl41"/>
-            <p:cNvSpPr/>
-            <p:nvPr/>
-          </p:nvSpPr>
-          <p:spPr>
-            <a:xfrm>
-              <a:off x="5866938" y="5696195"/>
-              <a:ext cx="72000" cy="0"/>
-            </a:xfrm>
-            <a:custGeom>
-              <a:avLst/>
-              <a:pathLst>
-                <a:path w="72000" h="0">
-                  <a:moveTo>
-                    <a:pt x="0" y="0"/>
-                  </a:moveTo>
-                  <a:lnTo>
-                    <a:pt x="72000" y="0"/>
-                  </a:lnTo>
-                </a:path>
-              </a:pathLst>
-            </a:custGeom>
-            <a:ln w="27101" cap="flat">
-              <a:solidFill>
-                <a:srgbClr val="333333">
-                  <a:alpha val="100000"/>
-                </a:srgbClr>
-              </a:solidFill>
-              <a:prstDash val="solid"/>
-              <a:round/>
-            </a:ln>
-          </p:spPr>
-          <p:txBody>
-            <a:bodyPr/>
-            <a:lstStyle/>
-            <a:p/>
-          </p:txBody>
-        </p:sp>
-        <p:sp>
-          <p:nvSpPr>
-            <p:cNvPr id="42" name="pl42"/>
-            <p:cNvSpPr/>
-            <p:nvPr/>
-          </p:nvSpPr>
-          <p:spPr>
-            <a:xfrm>
-              <a:off x="5866938" y="4723805"/>
-              <a:ext cx="72000" cy="0"/>
-            </a:xfrm>
-            <a:custGeom>
-              <a:avLst/>
-              <a:pathLst>
-                <a:path w="72000" h="0">
-                  <a:moveTo>
-                    <a:pt x="0" y="0"/>
-                  </a:moveTo>
-                  <a:lnTo>
-                    <a:pt x="72000" y="0"/>
-                  </a:lnTo>
-                </a:path>
-              </a:pathLst>
-            </a:custGeom>
-            <a:ln w="27101" cap="flat">
-              <a:solidFill>
-                <a:srgbClr val="333333">
-                  <a:alpha val="100000"/>
-                </a:srgbClr>
-              </a:solidFill>
-              <a:prstDash val="solid"/>
-              <a:round/>
-            </a:ln>
-          </p:spPr>
-          <p:txBody>
-            <a:bodyPr/>
-            <a:lstStyle/>
-            <a:p/>
-          </p:txBody>
-        </p:sp>
-        <p:sp>
-          <p:nvSpPr>
-            <p:cNvPr id="43" name="pl43"/>
-            <p:cNvSpPr/>
-            <p:nvPr/>
-          </p:nvSpPr>
-          <p:spPr>
-            <a:xfrm>
-              <a:off x="5866938" y="3751415"/>
-              <a:ext cx="72000" cy="0"/>
-            </a:xfrm>
-            <a:custGeom>
-              <a:avLst/>
-              <a:pathLst>
-                <a:path w="72000" h="0">
-                  <a:moveTo>
-                    <a:pt x="0" y="0"/>
-                  </a:moveTo>
-                  <a:lnTo>
-                    <a:pt x="72000" y="0"/>
-                  </a:lnTo>
-                </a:path>
-              </a:pathLst>
-            </a:custGeom>
-            <a:ln w="27101" cap="flat">
-              <a:solidFill>
-                <a:srgbClr val="333333">
-                  <a:alpha val="100000"/>
-                </a:srgbClr>
-              </a:solidFill>
-              <a:prstDash val="solid"/>
-              <a:round/>
-            </a:ln>
-          </p:spPr>
-          <p:txBody>
-            <a:bodyPr/>
-            <a:lstStyle/>
-            <a:p/>
-          </p:txBody>
-        </p:sp>
-        <p:sp>
-          <p:nvSpPr>
-            <p:cNvPr id="44" name="pl44"/>
-            <p:cNvSpPr/>
-            <p:nvPr/>
-          </p:nvSpPr>
-          <p:spPr>
-            <a:xfrm>
-              <a:off x="5866938" y="2779025"/>
-              <a:ext cx="72000" cy="0"/>
-            </a:xfrm>
-            <a:custGeom>
-              <a:avLst/>
-              <a:pathLst>
-                <a:path w="72000" h="0">
-                  <a:moveTo>
-                    <a:pt x="0" y="0"/>
-                  </a:moveTo>
-                  <a:lnTo>
-                    <a:pt x="72000" y="0"/>
-                  </a:lnTo>
-                </a:path>
-              </a:pathLst>
-            </a:custGeom>
-            <a:ln w="27101" cap="flat">
-              <a:solidFill>
-                <a:srgbClr val="333333">
-                  <a:alpha val="100000"/>
-                </a:srgbClr>
-              </a:solidFill>
-              <a:prstDash val="solid"/>
-              <a:round/>
-            </a:ln>
-          </p:spPr>
-          <p:txBody>
-            <a:bodyPr/>
-            <a:lstStyle/>
-            <a:p/>
-          </p:txBody>
-        </p:sp>
-        <p:sp>
-          <p:nvSpPr>
-            <p:cNvPr id="45" name="pl45"/>
-            <p:cNvSpPr/>
-            <p:nvPr/>
-          </p:nvSpPr>
-          <p:spPr>
-            <a:xfrm>
-              <a:off x="5938938" y="7884073"/>
-              <a:ext cx="2847590" cy="0"/>
-            </a:xfrm>
-            <a:custGeom>
-              <a:avLst/>
-              <a:pathLst>
-                <a:path w="2847590" h="0">
-                  <a:moveTo>
-                    <a:pt x="0" y="0"/>
-                  </a:moveTo>
-                  <a:lnTo>
-                    <a:pt x="2847590" y="0"/>
-                  </a:lnTo>
-                </a:path>
-              </a:pathLst>
-            </a:custGeom>
-            <a:ln w="27101" cap="flat">
-              <a:solidFill>
-                <a:srgbClr val="000000">
-                  <a:alpha val="100000"/>
-                </a:srgbClr>
-              </a:solidFill>
-              <a:prstDash val="solid"/>
-              <a:round/>
-            </a:ln>
-          </p:spPr>
-          <p:txBody>
-            <a:bodyPr/>
-            <a:lstStyle/>
-            <a:p/>
-          </p:txBody>
-        </p:sp>
-        <p:sp>
-          <p:nvSpPr>
-            <p:cNvPr id="46" name="pl46"/>
-            <p:cNvSpPr/>
-            <p:nvPr/>
-          </p:nvSpPr>
-          <p:spPr>
-            <a:xfrm>
-              <a:off x="6068374" y="7884073"/>
-              <a:ext cx="0" cy="71999"/>
-            </a:xfrm>
-            <a:custGeom>
-              <a:avLst/>
-              <a:pathLst>
-                <a:path w="0" h="71999">
-                  <a:moveTo>
-                    <a:pt x="0" y="71999"/>
-                  </a:moveTo>
-                  <a:lnTo>
-                    <a:pt x="0" y="0"/>
-                  </a:lnTo>
-                </a:path>
-              </a:pathLst>
-            </a:custGeom>
-            <a:ln w="27101" cap="flat">
-              <a:solidFill>
-                <a:srgbClr val="333333">
-                  <a:alpha val="100000"/>
-                </a:srgbClr>
-              </a:solidFill>
-              <a:prstDash val="solid"/>
-              <a:round/>
-            </a:ln>
-          </p:spPr>
-          <p:txBody>
-            <a:bodyPr/>
-            <a:lstStyle/>
-            <a:p/>
-          </p:txBody>
-        </p:sp>
-        <p:sp>
-          <p:nvSpPr>
-            <p:cNvPr id="47" name="pl47"/>
-            <p:cNvSpPr/>
-            <p:nvPr/>
-          </p:nvSpPr>
-          <p:spPr>
-            <a:xfrm>
-              <a:off x="6931281" y="7884073"/>
-              <a:ext cx="0" cy="71999"/>
-            </a:xfrm>
-            <a:custGeom>
-              <a:avLst/>
-              <a:pathLst>
-                <a:path w="0" h="71999">
-                  <a:moveTo>
-                    <a:pt x="0" y="71999"/>
-                  </a:moveTo>
-                  <a:lnTo>
-                    <a:pt x="0" y="0"/>
-                  </a:lnTo>
-                </a:path>
-              </a:pathLst>
-            </a:custGeom>
-            <a:ln w="27101" cap="flat">
-              <a:solidFill>
-                <a:srgbClr val="333333">
-                  <a:alpha val="100000"/>
-                </a:srgbClr>
-              </a:solidFill>
-              <a:prstDash val="solid"/>
-              <a:round/>
-            </a:ln>
-          </p:spPr>
-          <p:txBody>
-            <a:bodyPr/>
-            <a:lstStyle/>
-            <a:p/>
-          </p:txBody>
-        </p:sp>
-        <p:sp>
-          <p:nvSpPr>
-            <p:cNvPr id="48" name="pl48"/>
-            <p:cNvSpPr/>
-            <p:nvPr/>
-          </p:nvSpPr>
-          <p:spPr>
-            <a:xfrm>
-              <a:off x="7794187" y="7884073"/>
-              <a:ext cx="0" cy="71999"/>
-            </a:xfrm>
-            <a:custGeom>
-              <a:avLst/>
-              <a:pathLst>
-                <a:path w="0" h="71999">
-                  <a:moveTo>
-                    <a:pt x="0" y="71999"/>
-                  </a:moveTo>
-                  <a:lnTo>
-                    <a:pt x="0" y="0"/>
-                  </a:lnTo>
-                </a:path>
-              </a:pathLst>
-            </a:custGeom>
-            <a:ln w="27101" cap="flat">
-              <a:solidFill>
-                <a:srgbClr val="333333">
-                  <a:alpha val="100000"/>
-                </a:srgbClr>
-              </a:solidFill>
-              <a:prstDash val="solid"/>
-              <a:round/>
-            </a:ln>
-          </p:spPr>
-          <p:txBody>
-            <a:bodyPr/>
-            <a:lstStyle/>
-            <a:p/>
-          </p:txBody>
-        </p:sp>
-        <p:sp>
-          <p:nvSpPr>
-            <p:cNvPr id="49" name="pl49"/>
-            <p:cNvSpPr/>
-            <p:nvPr/>
-          </p:nvSpPr>
-          <p:spPr>
-            <a:xfrm>
-              <a:off x="8657093" y="7884073"/>
-              <a:ext cx="0" cy="71999"/>
-            </a:xfrm>
-            <a:custGeom>
-              <a:avLst/>
-              <a:pathLst>
-                <a:path w="0" h="71999">
-                  <a:moveTo>
-                    <a:pt x="0" y="71999"/>
-                  </a:moveTo>
-                  <a:lnTo>
-                    <a:pt x="0" y="0"/>
-                  </a:lnTo>
-                </a:path>
-              </a:pathLst>
-            </a:custGeom>
-            <a:ln w="27101" cap="flat">
-              <a:solidFill>
-                <a:srgbClr val="333333">
-                  <a:alpha val="100000"/>
-                </a:srgbClr>
-              </a:solidFill>
-              <a:prstDash val="solid"/>
-              <a:round/>
-            </a:ln>
-          </p:spPr>
-          <p:txBody>
-            <a:bodyPr/>
-            <a:lstStyle/>
-            <a:p/>
-          </p:txBody>
-        </p:sp>
-        <p:sp>
-          <p:nvSpPr>
-            <p:cNvPr id="50" name="tx50"/>
-            <p:cNvSpPr/>
-            <p:nvPr/>
-          </p:nvSpPr>
-          <p:spPr>
-            <a:xfrm>
-              <a:off x="5856518" y="7979295"/>
-              <a:ext cx="423713" cy="222795"/>
-            </a:xfrm>
-            <a:prstGeom prst="rect">
-              <a:avLst/>
-            </a:prstGeom>
-            <a:noFill/>
-          </p:spPr>
-          <p:txBody>
-            <a:bodyPr lIns="0" rIns="0" tIns="0" bIns="0" anchorCtr="1" anchor="ctr" wrap="none"/>
-            <a:lstStyle/>
-            <a:p>
-              <a:pPr algn="l" marL="0" marR="0" indent="0">
-                <a:lnSpc>
-                  <a:spcPts val="2400"/>
-                </a:lnSpc>
-                <a:spcBef>
-                  <a:spcPts val="0"/>
-                </a:spcBef>
-                <a:spcAft>
-                  <a:spcPts val="0"/>
-                </a:spcAft>
-              </a:pPr>
-              <a:r>
-                <a:rPr sz="2400">
-                  <a:solidFill>
-                    <a:srgbClr val="000000">
-                      <a:alpha val="100000"/>
-                    </a:srgbClr>
-                  </a:solidFill>
-                  <a:latin typeface="Arial"/>
-                  <a:cs typeface="Arial"/>
-                </a:rPr>
-                <a:t>0.0</a:t>
-              </a:r>
-            </a:p>
-          </p:txBody>
-        </p:sp>
-        <p:sp>
-          <p:nvSpPr>
-            <p:cNvPr id="51" name="tx51"/>
-            <p:cNvSpPr/>
-            <p:nvPr/>
-          </p:nvSpPr>
-          <p:spPr>
-            <a:xfrm>
-              <a:off x="6719424" y="7979295"/>
-              <a:ext cx="423713" cy="222795"/>
-            </a:xfrm>
-            <a:prstGeom prst="rect">
-              <a:avLst/>
-            </a:prstGeom>
-            <a:noFill/>
-          </p:spPr>
-          <p:txBody>
-            <a:bodyPr lIns="0" rIns="0" tIns="0" bIns="0" anchorCtr="1" anchor="ctr" wrap="none"/>
-            <a:lstStyle/>
-            <a:p>
-              <a:pPr algn="l" marL="0" marR="0" indent="0">
-                <a:lnSpc>
-                  <a:spcPts val="2400"/>
-                </a:lnSpc>
-                <a:spcBef>
-                  <a:spcPts val="0"/>
-                </a:spcBef>
-                <a:spcAft>
-                  <a:spcPts val="0"/>
-                </a:spcAft>
-              </a:pPr>
-              <a:r>
-                <a:rPr sz="2400">
-                  <a:solidFill>
-                    <a:srgbClr val="000000">
-                      <a:alpha val="100000"/>
-                    </a:srgbClr>
-                  </a:solidFill>
-                  <a:latin typeface="Arial"/>
-                  <a:cs typeface="Arial"/>
-                </a:rPr>
-                <a:t>0.5</a:t>
-              </a:r>
-            </a:p>
-          </p:txBody>
-        </p:sp>
-        <p:sp>
-          <p:nvSpPr>
-            <p:cNvPr id="52" name="tx52"/>
-            <p:cNvSpPr/>
-            <p:nvPr/>
-          </p:nvSpPr>
-          <p:spPr>
-            <a:xfrm>
-              <a:off x="7582330" y="7979295"/>
-              <a:ext cx="423713" cy="222795"/>
-            </a:xfrm>
-            <a:prstGeom prst="rect">
-              <a:avLst/>
-            </a:prstGeom>
-            <a:noFill/>
-          </p:spPr>
-          <p:txBody>
-            <a:bodyPr lIns="0" rIns="0" tIns="0" bIns="0" anchorCtr="1" anchor="ctr" wrap="none"/>
-            <a:lstStyle/>
-            <a:p>
-              <a:pPr algn="l" marL="0" marR="0" indent="0">
-                <a:lnSpc>
-                  <a:spcPts val="2400"/>
-                </a:lnSpc>
-                <a:spcBef>
-                  <a:spcPts val="0"/>
-                </a:spcBef>
-                <a:spcAft>
-                  <a:spcPts val="0"/>
-                </a:spcAft>
-              </a:pPr>
-              <a:r>
-                <a:rPr sz="2400">
-                  <a:solidFill>
-                    <a:srgbClr val="000000">
-                      <a:alpha val="100000"/>
-                    </a:srgbClr>
-                  </a:solidFill>
-                  <a:latin typeface="Arial"/>
-                  <a:cs typeface="Arial"/>
-                </a:rPr>
-                <a:t>1.0</a:t>
-              </a:r>
-            </a:p>
-          </p:txBody>
-        </p:sp>
-        <p:sp>
-          <p:nvSpPr>
-            <p:cNvPr id="53" name="tx53"/>
-            <p:cNvSpPr/>
-            <p:nvPr/>
-          </p:nvSpPr>
-          <p:spPr>
-            <a:xfrm>
-              <a:off x="8445237" y="7979295"/>
-              <a:ext cx="423713" cy="222795"/>
-            </a:xfrm>
-            <a:prstGeom prst="rect">
-              <a:avLst/>
-            </a:prstGeom>
-            <a:noFill/>
-          </p:spPr>
-          <p:txBody>
-            <a:bodyPr lIns="0" rIns="0" tIns="0" bIns="0" anchorCtr="1" anchor="ctr" wrap="none"/>
-            <a:lstStyle/>
-            <a:p>
-              <a:pPr algn="l" marL="0" marR="0" indent="0">
-                <a:lnSpc>
-                  <a:spcPts val="2400"/>
-                </a:lnSpc>
-                <a:spcBef>
-                  <a:spcPts val="0"/>
-                </a:spcBef>
-                <a:spcAft>
-                  <a:spcPts val="0"/>
-                </a:spcAft>
-              </a:pPr>
-              <a:r>
-                <a:rPr sz="2400">
-                  <a:solidFill>
-                    <a:srgbClr val="000000">
-                      <a:alpha val="100000"/>
-                    </a:srgbClr>
-                  </a:solidFill>
-                  <a:latin typeface="Arial"/>
-                  <a:cs typeface="Arial"/>
-                </a:rPr>
-                <a:t>1.5</a:t>
-              </a:r>
-            </a:p>
-          </p:txBody>
-        </p:sp>
-        <p:sp>
-          <p:nvSpPr>
-            <p:cNvPr id="54" name="tx54"/>
-            <p:cNvSpPr/>
-            <p:nvPr/>
-          </p:nvSpPr>
-          <p:spPr>
-            <a:xfrm>
-              <a:off x="6406044" y="8529749"/>
-              <a:ext cx="1693217" cy="286047"/>
-            </a:xfrm>
-            <a:prstGeom prst="rect">
-              <a:avLst/>
-            </a:prstGeom>
-            <a:noFill/>
-          </p:spPr>
-          <p:txBody>
-            <a:bodyPr lIns="0" rIns="0" tIns="0" bIns="0" anchorCtr="1" anchor="ctr" wrap="none"/>
-            <a:lstStyle/>
-            <a:p>
-              <a:pPr algn="l" marL="0" marR="0" indent="0">
-                <a:lnSpc>
-                  <a:spcPts val="2400"/>
-                </a:lnSpc>
-                <a:spcBef>
-                  <a:spcPts val="0"/>
-                </a:spcBef>
-                <a:spcAft>
-                  <a:spcPts val="0"/>
-                </a:spcAft>
-              </a:pPr>
-              <a:r>
-                <a:rPr sz="2400">
-                  <a:solidFill>
-                    <a:srgbClr val="000000">
-                      <a:alpha val="100000"/>
-                    </a:srgbClr>
-                  </a:solidFill>
-                  <a:latin typeface="Arial"/>
-                  <a:cs typeface="Arial"/>
-                </a:rPr>
-                <a:t>RLD (cm/cm</a:t>
-              </a:r>
-            </a:p>
-          </p:txBody>
-        </p:sp>
-        <p:sp>
-          <p:nvSpPr>
-            <p:cNvPr id="55" name="tx55"/>
-            <p:cNvSpPr/>
-            <p:nvPr/>
-          </p:nvSpPr>
-          <p:spPr>
-            <a:xfrm>
-              <a:off x="8099262" y="8512292"/>
-              <a:ext cx="118660" cy="153352"/>
-            </a:xfrm>
-            <a:prstGeom prst="rect">
-              <a:avLst/>
-            </a:prstGeom>
-            <a:noFill/>
-          </p:spPr>
-          <p:txBody>
-            <a:bodyPr lIns="0" rIns="0" tIns="0" bIns="0" anchorCtr="1" anchor="ctr" wrap="none"/>
-            <a:lstStyle/>
-            <a:p>
-              <a:pPr algn="l" marL="0" marR="0" indent="0">
-                <a:lnSpc>
-                  <a:spcPts val="1679"/>
-                </a:lnSpc>
-                <a:spcBef>
-                  <a:spcPts val="0"/>
-                </a:spcBef>
-                <a:spcAft>
-                  <a:spcPts val="0"/>
-                </a:spcAft>
-              </a:pPr>
-              <a:r>
-                <a:rPr sz="1679">
-                  <a:solidFill>
-                    <a:srgbClr val="000000">
-                      <a:alpha val="100000"/>
-                    </a:srgbClr>
-                  </a:solidFill>
-                  <a:latin typeface="Arial"/>
-                  <a:cs typeface="Arial"/>
-                </a:rPr>
-                <a:t>2</a:t>
-              </a:r>
-            </a:p>
-          </p:txBody>
-        </p:sp>
-        <p:sp>
-          <p:nvSpPr>
-            <p:cNvPr id="56" name="tx56"/>
-            <p:cNvSpPr/>
-            <p:nvPr/>
-          </p:nvSpPr>
-          <p:spPr>
-            <a:xfrm>
-              <a:off x="8217923" y="8529749"/>
-              <a:ext cx="101500" cy="286047"/>
-            </a:xfrm>
-            <a:prstGeom prst="rect">
-              <a:avLst/>
-            </a:prstGeom>
-            <a:noFill/>
-          </p:spPr>
-          <p:txBody>
-            <a:bodyPr lIns="0" rIns="0" tIns="0" bIns="0" anchorCtr="1" anchor="ctr" wrap="none"/>
-            <a:lstStyle/>
-            <a:p>
-              <a:pPr algn="l" marL="0" marR="0" indent="0">
-                <a:lnSpc>
-                  <a:spcPts val="2400"/>
-                </a:lnSpc>
-                <a:spcBef>
-                  <a:spcPts val="0"/>
-                </a:spcBef>
-                <a:spcAft>
-                  <a:spcPts val="0"/>
-                </a:spcAft>
-              </a:pPr>
-              <a:r>
-                <a:rPr sz="2400">
-                  <a:solidFill>
-                    <a:srgbClr val="000000">
-                      <a:alpha val="100000"/>
-                    </a:srgbClr>
-                  </a:solidFill>
-                  <a:latin typeface="Arial"/>
-                  <a:cs typeface="Arial"/>
-                </a:rPr>
-                <a:t>)</a:t>
-              </a:r>
-            </a:p>
-          </p:txBody>
-        </p:sp>
-        <p:sp>
-          <p:nvSpPr>
-            <p:cNvPr id="57" name="tx57"/>
-            <p:cNvSpPr/>
-            <p:nvPr/>
-          </p:nvSpPr>
-          <p:spPr>
-            <a:xfrm rot="-5400000">
-              <a:off x="4191681" y="5066977"/>
-              <a:ext cx="1507331" cy="286047"/>
-            </a:xfrm>
-            <a:prstGeom prst="rect">
-              <a:avLst/>
-            </a:prstGeom>
-            <a:noFill/>
-          </p:spPr>
-          <p:txBody>
-            <a:bodyPr lIns="0" rIns="0" tIns="0" bIns="0" anchorCtr="1" anchor="ctr" wrap="none"/>
-            <a:lstStyle/>
-            <a:p>
-              <a:pPr algn="l" marL="0" marR="0" indent="0">
-                <a:lnSpc>
-                  <a:spcPts val="2400"/>
-                </a:lnSpc>
-                <a:spcBef>
-                  <a:spcPts val="0"/>
-                </a:spcBef>
-                <a:spcAft>
-                  <a:spcPts val="0"/>
-                </a:spcAft>
-              </a:pPr>
-              <a:r>
-                <a:rPr sz="2400">
-                  <a:solidFill>
-                    <a:srgbClr val="000000">
-                      <a:alpha val="100000"/>
-                    </a:srgbClr>
-                  </a:solidFill>
-                  <a:latin typeface="Arial"/>
-                  <a:cs typeface="Arial"/>
-                </a:rPr>
-                <a:t>Depth (cm)</a:t>
-              </a:r>
-            </a:p>
-          </p:txBody>
-        </p:sp>
-        <p:sp>
-          <p:nvSpPr>
-            <p:cNvPr id="58" name="rc58"/>
-            <p:cNvSpPr/>
-            <p:nvPr/>
-          </p:nvSpPr>
-          <p:spPr>
-            <a:xfrm>
-              <a:off x="8925707" y="3806944"/>
-              <a:ext cx="1291703" cy="2806112"/>
-            </a:xfrm>
-            <a:prstGeom prst="rect">
-              <a:avLst/>
-            </a:prstGeom>
-            <a:solidFill>
-              <a:srgbClr val="FFFFFF">
-                <a:alpha val="100000"/>
-              </a:srgbClr>
-            </a:solidFill>
-          </p:spPr>
-          <p:txBody>
-            <a:bodyPr/>
-            <a:lstStyle/>
-            <a:p/>
-          </p:txBody>
-        </p:sp>
-        <p:pic>
-          <p:nvPicPr>
-            <p:cNvPr id="59" name="pic59"/>
-            <p:cNvPicPr/>
-            <p:nvPr/>
-          </p:nvPicPr>
-          <p:blipFill>
-            <a:blip r:embed="rId2" cstate="print"/>
-            <a:stretch>
-              <a:fillRect/>
-            </a:stretch>
-          </p:blipFill>
-          <p:spPr>
-            <a:xfrm>
-              <a:off x="8995296" y="4743467"/>
-              <a:ext cx="360000" cy="1800000"/>
-            </a:xfrm>
-            <a:prstGeom prst="rect">
-              <a:avLst/>
-            </a:prstGeom>
-          </p:spPr>
-        </p:pic>
-        <p:sp>
-          <p:nvSpPr>
-            <p:cNvPr id="60" name="tx60"/>
-            <p:cNvSpPr/>
-            <p:nvPr/>
-          </p:nvSpPr>
-          <p:spPr>
-            <a:xfrm>
-              <a:off x="9509062" y="6143592"/>
-              <a:ext cx="169515" cy="218926"/>
-            </a:xfrm>
-            <a:prstGeom prst="rect">
-              <a:avLst/>
-            </a:prstGeom>
-            <a:noFill/>
-          </p:spPr>
-          <p:txBody>
-            <a:bodyPr lIns="0" rIns="0" tIns="0" bIns="0" anchorCtr="1" anchor="ctr" wrap="none"/>
-            <a:lstStyle/>
-            <a:p>
-              <a:pPr algn="l" marL="0" marR="0" indent="0">
-                <a:lnSpc>
-                  <a:spcPts val="2400"/>
-                </a:lnSpc>
-                <a:spcBef>
-                  <a:spcPts val="0"/>
-                </a:spcBef>
-                <a:spcAft>
-                  <a:spcPts val="0"/>
-                </a:spcAft>
-              </a:pPr>
-              <a:r>
-                <a:rPr sz="2400">
-                  <a:solidFill>
-                    <a:srgbClr val="000000">
-                      <a:alpha val="100000"/>
-                    </a:srgbClr>
-                  </a:solidFill>
-                  <a:latin typeface="Arial"/>
-                  <a:cs typeface="Arial"/>
-                </a:rPr>
-                <a:t>5</a:t>
-              </a:r>
-            </a:p>
-          </p:txBody>
-        </p:sp>
-        <p:sp>
-          <p:nvSpPr>
-            <p:cNvPr id="61" name="tx61"/>
-            <p:cNvSpPr/>
-            <p:nvPr/>
-          </p:nvSpPr>
-          <p:spPr>
-            <a:xfrm>
-              <a:off x="9509062" y="5780923"/>
-              <a:ext cx="339030" cy="222795"/>
-            </a:xfrm>
-            <a:prstGeom prst="rect">
-              <a:avLst/>
-            </a:prstGeom>
-            <a:noFill/>
-          </p:spPr>
-          <p:txBody>
-            <a:bodyPr lIns="0" rIns="0" tIns="0" bIns="0" anchorCtr="1" anchor="ctr" wrap="none"/>
-            <a:lstStyle/>
-            <a:p>
-              <a:pPr algn="l" marL="0" marR="0" indent="0">
-                <a:lnSpc>
-                  <a:spcPts val="2400"/>
-                </a:lnSpc>
-                <a:spcBef>
-                  <a:spcPts val="0"/>
-                </a:spcBef>
-                <a:spcAft>
-                  <a:spcPts val="0"/>
-                </a:spcAft>
-              </a:pPr>
-              <a:r>
-                <a:rPr sz="2400">
-                  <a:solidFill>
-                    <a:srgbClr val="000000">
-                      <a:alpha val="100000"/>
-                    </a:srgbClr>
-                  </a:solidFill>
-                  <a:latin typeface="Arial"/>
-                  <a:cs typeface="Arial"/>
-                </a:rPr>
-                <a:t>10</a:t>
-              </a:r>
-            </a:p>
-          </p:txBody>
-        </p:sp>
-        <p:sp>
-          <p:nvSpPr>
-            <p:cNvPr id="62" name="tx62"/>
-            <p:cNvSpPr/>
-            <p:nvPr/>
-          </p:nvSpPr>
-          <p:spPr>
-            <a:xfrm>
-              <a:off x="9509062" y="5422123"/>
-              <a:ext cx="339030" cy="222795"/>
-            </a:xfrm>
-            <a:prstGeom prst="rect">
-              <a:avLst/>
-            </a:prstGeom>
-            <a:noFill/>
-          </p:spPr>
-          <p:txBody>
-            <a:bodyPr lIns="0" rIns="0" tIns="0" bIns="0" anchorCtr="1" anchor="ctr" wrap="none"/>
-            <a:lstStyle/>
-            <a:p>
-              <a:pPr algn="l" marL="0" marR="0" indent="0">
-                <a:lnSpc>
-                  <a:spcPts val="2400"/>
-                </a:lnSpc>
-                <a:spcBef>
-                  <a:spcPts val="0"/>
-                </a:spcBef>
-                <a:spcAft>
-                  <a:spcPts val="0"/>
-                </a:spcAft>
-              </a:pPr>
-              <a:r>
-                <a:rPr sz="2400">
-                  <a:solidFill>
-                    <a:srgbClr val="000000">
-                      <a:alpha val="100000"/>
-                    </a:srgbClr>
-                  </a:solidFill>
-                  <a:latin typeface="Arial"/>
-                  <a:cs typeface="Arial"/>
-                </a:rPr>
-                <a:t>15</a:t>
-              </a:r>
-            </a:p>
-          </p:txBody>
-        </p:sp>
-        <p:sp>
-          <p:nvSpPr>
-            <p:cNvPr id="63" name="tx63"/>
-            <p:cNvSpPr/>
-            <p:nvPr/>
-          </p:nvSpPr>
-          <p:spPr>
-            <a:xfrm>
-              <a:off x="9509062" y="5063323"/>
-              <a:ext cx="339030" cy="222795"/>
-            </a:xfrm>
-            <a:prstGeom prst="rect">
-              <a:avLst/>
-            </a:prstGeom>
-            <a:noFill/>
-          </p:spPr>
-          <p:txBody>
-            <a:bodyPr lIns="0" rIns="0" tIns="0" bIns="0" anchorCtr="1" anchor="ctr" wrap="none"/>
-            <a:lstStyle/>
-            <a:p>
-              <a:pPr algn="l" marL="0" marR="0" indent="0">
-                <a:lnSpc>
-                  <a:spcPts val="2400"/>
-                </a:lnSpc>
-                <a:spcBef>
-                  <a:spcPts val="0"/>
-                </a:spcBef>
-                <a:spcAft>
-                  <a:spcPts val="0"/>
-                </a:spcAft>
-              </a:pPr>
-              <a:r>
-                <a:rPr sz="2400">
-                  <a:solidFill>
-                    <a:srgbClr val="000000">
-                      <a:alpha val="100000"/>
-                    </a:srgbClr>
-                  </a:solidFill>
-                  <a:latin typeface="Arial"/>
-                  <a:cs typeface="Arial"/>
-                </a:rPr>
-                <a:t>20</a:t>
-              </a:r>
-            </a:p>
-          </p:txBody>
-        </p:sp>
-        <p:sp>
-          <p:nvSpPr>
-            <p:cNvPr id="64" name="tx64"/>
-            <p:cNvSpPr/>
-            <p:nvPr/>
-          </p:nvSpPr>
-          <p:spPr>
-            <a:xfrm>
-              <a:off x="9509062" y="4704523"/>
-              <a:ext cx="339030" cy="222795"/>
-            </a:xfrm>
-            <a:prstGeom prst="rect">
-              <a:avLst/>
-            </a:prstGeom>
-            <a:noFill/>
-          </p:spPr>
-          <p:txBody>
-            <a:bodyPr lIns="0" rIns="0" tIns="0" bIns="0" anchorCtr="1" anchor="ctr" wrap="none"/>
-            <a:lstStyle/>
-            <a:p>
-              <a:pPr algn="l" marL="0" marR="0" indent="0">
-                <a:lnSpc>
-                  <a:spcPts val="2400"/>
-                </a:lnSpc>
-                <a:spcBef>
-                  <a:spcPts val="0"/>
-                </a:spcBef>
-                <a:spcAft>
-                  <a:spcPts val="0"/>
-                </a:spcAft>
-              </a:pPr>
-              <a:r>
-                <a:rPr sz="2400">
-                  <a:solidFill>
-                    <a:srgbClr val="000000">
-                      <a:alpha val="100000"/>
-                    </a:srgbClr>
-                  </a:solidFill>
-                  <a:latin typeface="Arial"/>
-                  <a:cs typeface="Arial"/>
-                </a:rPr>
-                <a:t>25</a:t>
-              </a:r>
-            </a:p>
-          </p:txBody>
-        </p:sp>
-        <p:sp>
-          <p:nvSpPr>
-            <p:cNvPr id="65" name="tx65"/>
-            <p:cNvSpPr/>
-            <p:nvPr/>
-          </p:nvSpPr>
-          <p:spPr>
-            <a:xfrm>
-              <a:off x="8995296" y="3902876"/>
-              <a:ext cx="1169044" cy="225623"/>
-            </a:xfrm>
-            <a:prstGeom prst="rect">
-              <a:avLst/>
-            </a:prstGeom>
-            <a:noFill/>
-          </p:spPr>
-          <p:txBody>
-            <a:bodyPr lIns="0" rIns="0" tIns="0" bIns="0" anchorCtr="1" anchor="ctr" wrap="none"/>
-            <a:lstStyle/>
-            <a:p>
-              <a:pPr algn="l" marL="0" marR="0" indent="0">
-                <a:lnSpc>
-                  <a:spcPts val="2400"/>
-                </a:lnSpc>
-                <a:spcBef>
-                  <a:spcPts val="0"/>
-                </a:spcBef>
-                <a:spcAft>
-                  <a:spcPts val="0"/>
-                </a:spcAft>
-              </a:pPr>
-              <a:r>
-                <a:rPr sz="2400">
-                  <a:solidFill>
-                    <a:srgbClr val="000000">
-                      <a:alpha val="100000"/>
-                    </a:srgbClr>
-                  </a:solidFill>
-                  <a:latin typeface="Arial"/>
-                  <a:cs typeface="Arial"/>
-                </a:rPr>
-                <a:t>Session </a:t>
-              </a:r>
-            </a:p>
-          </p:txBody>
-        </p:sp>
-        <p:sp>
-          <p:nvSpPr>
-            <p:cNvPr id="66" name="tx66"/>
-            <p:cNvSpPr/>
-            <p:nvPr/>
-          </p:nvSpPr>
-          <p:spPr>
-            <a:xfrm>
-              <a:off x="8995296" y="4235930"/>
-              <a:ext cx="1033462" cy="221753"/>
-            </a:xfrm>
-            <a:prstGeom prst="rect">
-              <a:avLst/>
-            </a:prstGeom>
-            <a:noFill/>
-          </p:spPr>
-          <p:txBody>
-            <a:bodyPr lIns="0" rIns="0" tIns="0" bIns="0" anchorCtr="1" anchor="ctr" wrap="none"/>
-            <a:lstStyle/>
-            <a:p>
-              <a:pPr algn="l" marL="0" marR="0" indent="0">
-                <a:lnSpc>
-                  <a:spcPts val="2400"/>
-                </a:lnSpc>
-                <a:spcBef>
-                  <a:spcPts val="0"/>
-                </a:spcBef>
-                <a:spcAft>
-                  <a:spcPts val="0"/>
-                </a:spcAft>
-              </a:pPr>
-              <a:r>
-                <a:rPr sz="2400">
-                  <a:solidFill>
-                    <a:srgbClr val="000000">
-                      <a:alpha val="100000"/>
-                    </a:srgbClr>
-                  </a:solidFill>
-                  <a:latin typeface="Arial"/>
-                  <a:cs typeface="Arial"/>
-                </a:rPr>
-                <a:t>number</a:t>
-              </a:r>
-            </a:p>
-          </p:txBody>
-        </p:sp>
-        <p:sp>
-          <p:nvSpPr>
-            <p:cNvPr id="67" name="pl67"/>
-            <p:cNvSpPr/>
-            <p:nvPr/>
-          </p:nvSpPr>
-          <p:spPr>
-            <a:xfrm>
-              <a:off x="8995296" y="6253427"/>
-              <a:ext cx="71999" cy="0"/>
-            </a:xfrm>
-            <a:custGeom>
-              <a:avLst/>
-              <a:pathLst>
-                <a:path w="71999" h="0">
-                  <a:moveTo>
-                    <a:pt x="0" y="0"/>
-                  </a:moveTo>
-                  <a:lnTo>
-                    <a:pt x="71999" y="0"/>
-                  </a:lnTo>
-                </a:path>
-              </a:pathLst>
-            </a:custGeom>
-            <a:ln w="4762" cap="flat">
-              <a:solidFill>
-                <a:srgbClr val="FFFFFF">
-                  <a:alpha val="100000"/>
-                </a:srgbClr>
-              </a:solidFill>
-              <a:prstDash val="solid"/>
-              <a:round/>
-            </a:ln>
-          </p:spPr>
-          <p:txBody>
-            <a:bodyPr/>
-            <a:lstStyle/>
-            <a:p/>
-          </p:txBody>
-        </p:sp>
-        <p:sp>
-          <p:nvSpPr>
-            <p:cNvPr id="68" name="pl68"/>
-            <p:cNvSpPr/>
-            <p:nvPr/>
-          </p:nvSpPr>
-          <p:spPr>
-            <a:xfrm>
-              <a:off x="8995296" y="5894627"/>
-              <a:ext cx="71999" cy="0"/>
-            </a:xfrm>
-            <a:custGeom>
-              <a:avLst/>
-              <a:pathLst>
-                <a:path w="71999" h="0">
-                  <a:moveTo>
-                    <a:pt x="0" y="0"/>
-                  </a:moveTo>
-                  <a:lnTo>
-                    <a:pt x="71999" y="0"/>
-                  </a:lnTo>
-                </a:path>
-              </a:pathLst>
-            </a:custGeom>
-            <a:ln w="4762" cap="flat">
-              <a:solidFill>
-                <a:srgbClr val="FFFFFF">
-                  <a:alpha val="100000"/>
-                </a:srgbClr>
-              </a:solidFill>
-              <a:prstDash val="solid"/>
-              <a:round/>
-            </a:ln>
-          </p:spPr>
-          <p:txBody>
-            <a:bodyPr/>
-            <a:lstStyle/>
-            <a:p/>
-          </p:txBody>
-        </p:sp>
-        <p:sp>
-          <p:nvSpPr>
-            <p:cNvPr id="69" name="pl69"/>
-            <p:cNvSpPr/>
-            <p:nvPr/>
-          </p:nvSpPr>
-          <p:spPr>
-            <a:xfrm>
-              <a:off x="8995296" y="5535827"/>
-              <a:ext cx="71999" cy="0"/>
-            </a:xfrm>
-            <a:custGeom>
-              <a:avLst/>
-              <a:pathLst>
-                <a:path w="71999" h="0">
-                  <a:moveTo>
-                    <a:pt x="0" y="0"/>
-                  </a:moveTo>
-                  <a:lnTo>
-                    <a:pt x="71999" y="0"/>
-                  </a:lnTo>
-                </a:path>
-              </a:pathLst>
-            </a:custGeom>
-            <a:ln w="4762" cap="flat">
-              <a:solidFill>
-                <a:srgbClr val="FFFFFF">
-                  <a:alpha val="100000"/>
-                </a:srgbClr>
-              </a:solidFill>
-              <a:prstDash val="solid"/>
-              <a:round/>
-            </a:ln>
-          </p:spPr>
-          <p:txBody>
-            <a:bodyPr/>
-            <a:lstStyle/>
-            <a:p/>
-          </p:txBody>
-        </p:sp>
-        <p:sp>
-          <p:nvSpPr>
-            <p:cNvPr id="70" name="pl70"/>
-            <p:cNvSpPr/>
-            <p:nvPr/>
-          </p:nvSpPr>
-          <p:spPr>
-            <a:xfrm>
-              <a:off x="8995296" y="5177027"/>
-              <a:ext cx="71999" cy="0"/>
-            </a:xfrm>
-            <a:custGeom>
-              <a:avLst/>
-              <a:pathLst>
-                <a:path w="71999" h="0">
-                  <a:moveTo>
-                    <a:pt x="0" y="0"/>
-                  </a:moveTo>
-                  <a:lnTo>
-                    <a:pt x="71999" y="0"/>
-                  </a:lnTo>
-                </a:path>
-              </a:pathLst>
-            </a:custGeom>
-            <a:ln w="4762" cap="flat">
-              <a:solidFill>
-                <a:srgbClr val="FFFFFF">
-                  <a:alpha val="100000"/>
-                </a:srgbClr>
-              </a:solidFill>
-              <a:prstDash val="solid"/>
-              <a:round/>
-            </a:ln>
-          </p:spPr>
-          <p:txBody>
-            <a:bodyPr/>
-            <a:lstStyle/>
-            <a:p/>
-          </p:txBody>
-        </p:sp>
-        <p:sp>
-          <p:nvSpPr>
-            <p:cNvPr id="71" name="pl71"/>
-            <p:cNvSpPr/>
-            <p:nvPr/>
-          </p:nvSpPr>
-          <p:spPr>
-            <a:xfrm>
-              <a:off x="8995296" y="4818227"/>
-              <a:ext cx="71999" cy="0"/>
-            </a:xfrm>
-            <a:custGeom>
-              <a:avLst/>
-              <a:pathLst>
-                <a:path w="71999" h="0">
-                  <a:moveTo>
-                    <a:pt x="0" y="0"/>
-                  </a:moveTo>
-                  <a:lnTo>
-                    <a:pt x="71999" y="0"/>
-                  </a:lnTo>
-                </a:path>
-              </a:pathLst>
-            </a:custGeom>
-            <a:ln w="4762" cap="flat">
-              <a:solidFill>
-                <a:srgbClr val="FFFFFF">
-                  <a:alpha val="100000"/>
-                </a:srgbClr>
-              </a:solidFill>
-              <a:prstDash val="solid"/>
-              <a:round/>
-            </a:ln>
-          </p:spPr>
-          <p:txBody>
-            <a:bodyPr/>
-            <a:lstStyle/>
-            <a:p/>
-          </p:txBody>
-        </p:sp>
-        <p:sp>
-          <p:nvSpPr>
-            <p:cNvPr id="72" name="pl72"/>
-            <p:cNvSpPr/>
-            <p:nvPr/>
-          </p:nvSpPr>
-          <p:spPr>
-            <a:xfrm>
-              <a:off x="9283296" y="6253427"/>
-              <a:ext cx="71999" cy="0"/>
-            </a:xfrm>
-            <a:custGeom>
-              <a:avLst/>
-              <a:pathLst>
-                <a:path w="71999" h="0">
-                  <a:moveTo>
-                    <a:pt x="0" y="0"/>
-                  </a:moveTo>
-                  <a:lnTo>
-                    <a:pt x="71999" y="0"/>
-                  </a:lnTo>
-                </a:path>
-              </a:pathLst>
-            </a:custGeom>
-            <a:ln w="4762" cap="flat">
-              <a:solidFill>
-                <a:srgbClr val="FFFFFF">
-                  <a:alpha val="100000"/>
-                </a:srgbClr>
-              </a:solidFill>
-              <a:prstDash val="solid"/>
-              <a:round/>
-            </a:ln>
-          </p:spPr>
-          <p:txBody>
-            <a:bodyPr/>
-            <a:lstStyle/>
-            <a:p/>
-          </p:txBody>
-        </p:sp>
-        <p:sp>
-          <p:nvSpPr>
-            <p:cNvPr id="73" name="pl73"/>
-            <p:cNvSpPr/>
-            <p:nvPr/>
-          </p:nvSpPr>
-          <p:spPr>
-            <a:xfrm>
-              <a:off x="9283296" y="5894627"/>
-              <a:ext cx="71999" cy="0"/>
-            </a:xfrm>
-            <a:custGeom>
-              <a:avLst/>
-              <a:pathLst>
-                <a:path w="71999" h="0">
-                  <a:moveTo>
-                    <a:pt x="0" y="0"/>
-                  </a:moveTo>
-                  <a:lnTo>
-                    <a:pt x="71999" y="0"/>
-                  </a:lnTo>
-                </a:path>
-              </a:pathLst>
-            </a:custGeom>
-            <a:ln w="4762" cap="flat">
-              <a:solidFill>
-                <a:srgbClr val="FFFFFF">
-                  <a:alpha val="100000"/>
-                </a:srgbClr>
-              </a:solidFill>
-              <a:prstDash val="solid"/>
-              <a:round/>
-            </a:ln>
-          </p:spPr>
-          <p:txBody>
-            <a:bodyPr/>
-            <a:lstStyle/>
-            <a:p/>
-          </p:txBody>
-        </p:sp>
-        <p:sp>
-          <p:nvSpPr>
-            <p:cNvPr id="74" name="pl74"/>
-            <p:cNvSpPr/>
-            <p:nvPr/>
-          </p:nvSpPr>
-          <p:spPr>
-            <a:xfrm>
-              <a:off x="9283296" y="5535827"/>
-              <a:ext cx="71999" cy="0"/>
-            </a:xfrm>
-            <a:custGeom>
-              <a:avLst/>
-              <a:pathLst>
-                <a:path w="71999" h="0">
-                  <a:moveTo>
-                    <a:pt x="0" y="0"/>
-                  </a:moveTo>
-                  <a:lnTo>
-                    <a:pt x="71999" y="0"/>
-                  </a:lnTo>
-                </a:path>
-              </a:pathLst>
-            </a:custGeom>
-            <a:ln w="4762" cap="flat">
-              <a:solidFill>
-                <a:srgbClr val="FFFFFF">
-                  <a:alpha val="100000"/>
-                </a:srgbClr>
-              </a:solidFill>
-              <a:prstDash val="solid"/>
-              <a:round/>
-            </a:ln>
-          </p:spPr>
-          <p:txBody>
-            <a:bodyPr/>
-            <a:lstStyle/>
-            <a:p/>
-          </p:txBody>
-        </p:sp>
-        <p:sp>
-          <p:nvSpPr>
-            <p:cNvPr id="75" name="pl75"/>
-            <p:cNvSpPr/>
-            <p:nvPr/>
-          </p:nvSpPr>
-          <p:spPr>
-            <a:xfrm>
-              <a:off x="9283296" y="5177027"/>
-              <a:ext cx="71999" cy="0"/>
-            </a:xfrm>
-            <a:custGeom>
-              <a:avLst/>
-              <a:pathLst>
-                <a:path w="71999" h="0">
-                  <a:moveTo>
-                    <a:pt x="0" y="0"/>
-                  </a:moveTo>
-                  <a:lnTo>
-                    <a:pt x="71999" y="0"/>
-                  </a:lnTo>
-                </a:path>
-              </a:pathLst>
-            </a:custGeom>
-            <a:ln w="4762" cap="flat">
-              <a:solidFill>
-                <a:srgbClr val="FFFFFF">
-                  <a:alpha val="100000"/>
-                </a:srgbClr>
-              </a:solidFill>
-              <a:prstDash val="solid"/>
-              <a:round/>
-            </a:ln>
-          </p:spPr>
-          <p:txBody>
-            <a:bodyPr/>
-            <a:lstStyle/>
-            <a:p/>
-          </p:txBody>
-        </p:sp>
-        <p:sp>
-          <p:nvSpPr>
-            <p:cNvPr id="76" name="pl76"/>
-            <p:cNvSpPr/>
-            <p:nvPr/>
-          </p:nvSpPr>
-          <p:spPr>
-            <a:xfrm>
-              <a:off x="9283296" y="4818227"/>
-              <a:ext cx="71999" cy="0"/>
-            </a:xfrm>
-            <a:custGeom>
-              <a:avLst/>
-              <a:pathLst>
-                <a:path w="71999" h="0">
-                  <a:moveTo>
-                    <a:pt x="0" y="0"/>
-                  </a:moveTo>
-                  <a:lnTo>
-                    <a:pt x="71999" y="0"/>
-                  </a:lnTo>
-                </a:path>
-              </a:pathLst>
-            </a:custGeom>
-            <a:ln w="4762" cap="flat">
-              <a:solidFill>
-                <a:srgbClr val="FFFFFF">
-                  <a:alpha val="100000"/>
-                </a:srgbClr>
-              </a:solidFill>
-              <a:prstDash val="solid"/>
-              <a:round/>
-            </a:ln>
-          </p:spPr>
-          <p:txBody>
-            <a:bodyPr/>
-            <a:lstStyle/>
-            <a:p/>
-          </p:txBody>
-        </p:sp>
-        <p:sp>
-          <p:nvSpPr>
-            <p:cNvPr id="77" name="tx77"/>
-            <p:cNvSpPr/>
-            <p:nvPr/>
-          </p:nvSpPr>
-          <p:spPr>
-            <a:xfrm>
-              <a:off x="5910556" y="1756903"/>
+              <a:off x="6575246" y="1756903"/>
               <a:ext cx="2904356" cy="258712"/>
             </a:xfrm>
             <a:prstGeom prst="rect">
@@ -15491,1984 +13917,13 @@
         </p:sp>
         <p:sp>
           <p:nvSpPr>
-            <p:cNvPr id="78" name="tx78"/>
-            <p:cNvSpPr/>
-            <p:nvPr/>
-          </p:nvSpPr>
-          <p:spPr>
-            <a:xfrm>
-              <a:off x="7362734" y="2399664"/>
-              <a:ext cx="0" cy="0"/>
-            </a:xfrm>
-            <a:prstGeom prst="rect">
-              <a:avLst/>
-            </a:prstGeom>
-            <a:noFill/>
-          </p:spPr>
-          <p:txBody>
-            <a:bodyPr lIns="0" rIns="0" tIns="0" bIns="0" anchorCtr="1" anchor="ctr" wrap="none"/>
-            <a:lstStyle/>
-            <a:p>
-              <a:pPr algn="l" marL="0" marR="0" indent="0">
-                <a:lnSpc>
-                  <a:spcPts val="2800"/>
-                </a:lnSpc>
-                <a:spcBef>
-                  <a:spcPts val="0"/>
-                </a:spcBef>
-                <a:spcAft>
-                  <a:spcPts val="0"/>
-                </a:spcAft>
-              </a:pPr>
-              <a:r>
-                <a:rPr sz="2800" b="1">
-                  <a:solidFill>
-                    <a:srgbClr val="000000">
-                      <a:alpha val="100000"/>
-                    </a:srgbClr>
-                  </a:solidFill>
-                  <a:latin typeface="Arial"/>
-                  <a:cs typeface="Arial"/>
-                </a:rPr>
-                <a:t/>
-              </a:r>
-            </a:p>
-          </p:txBody>
-        </p:sp>
-      </p:grpSp>
-    </p:spTree>
-  </p:cSld>
-  <p:clrMapOvr>
-    <a:masterClrMapping/>
-  </p:clrMapOvr>
-</p:sld>
-</file>
-
-<file path=ppt/slides/slide6.xml><?xml version="1.0" encoding="utf-8"?>
-<p:sld xmlns:a="http://schemas.openxmlformats.org/drawingml/2006/main" xmlns:r="http://schemas.openxmlformats.org/officeDocument/2006/relationships" xmlns:p="http://schemas.openxmlformats.org/presentationml/2006/main">
-  <p:cSld>
-    <p:spTree>
-      <p:nvGrpSpPr>
-        <p:cNvPr id="1" name=""/>
-        <p:cNvGrpSpPr/>
-        <p:nvPr/>
-      </p:nvGrpSpPr>
-      <p:grpSpPr>
-        <a:xfrm>
-          <a:off x="0" y="0"/>
-          <a:ext cx="0" cy="0"/>
-          <a:chOff x="0" y="0"/>
-          <a:chExt cx="0" cy="0"/>
-        </a:xfrm>
-      </p:grpSpPr>
-      <p:grpSp xmlns:a="http://schemas.openxmlformats.org/drawingml/2006/main" xmlns:r="http://schemas.openxmlformats.org/officeDocument/2006/relationships" xmlns:p="http://schemas.openxmlformats.org/presentationml/2006/main" xmlns:pic="http://schemas.openxmlformats.org/drawingml/2006/picture">
-        <p:nvGrpSpPr>
-          <p:cNvPr id="2" name=""/>
-          <p:cNvGrpSpPr/>
-          <p:nvPr/>
-        </p:nvGrpSpPr>
-        <p:grpSpPr>
-          <a:xfrm>
-            <a:off x="4800600" y="1691481"/>
-            <a:ext cx="5486400" cy="7315200"/>
-            <a:chOff x="4800600" y="1691481"/>
-            <a:chExt cx="5486400" cy="7315200"/>
-          </a:xfrm>
-        </p:grpSpPr>
-        <p:sp>
-          <p:nvSpPr>
-            <p:cNvPr id="3" name="rc3"/>
-            <p:cNvSpPr/>
-            <p:nvPr/>
-          </p:nvSpPr>
-          <p:spPr>
-            <a:xfrm>
-              <a:off x="4800600" y="1691481"/>
-              <a:ext cx="5486400" cy="7315200"/>
-            </a:xfrm>
-            <a:prstGeom prst="rect">
-              <a:avLst/>
-            </a:prstGeom>
-            <a:solidFill>
-              <a:srgbClr val="FFFFFF">
-                <a:alpha val="100000"/>
-              </a:srgbClr>
-            </a:solidFill>
-            <a:ln w="9525" cap="rnd">
-              <a:solidFill>
-                <a:srgbClr val="FFFFFF">
-                  <a:alpha val="100000"/>
-                </a:srgbClr>
-              </a:solidFill>
-              <a:prstDash val="solid"/>
-              <a:round/>
-            </a:ln>
-          </p:spPr>
-          <p:txBody>
-            <a:bodyPr/>
-            <a:lstStyle/>
-            <a:p/>
-          </p:txBody>
-        </p:sp>
-        <p:sp>
-          <p:nvSpPr>
-            <p:cNvPr id="4" name="rc4"/>
-            <p:cNvSpPr/>
-            <p:nvPr/>
-          </p:nvSpPr>
-          <p:spPr>
-            <a:xfrm>
-              <a:off x="4800600" y="1691481"/>
-              <a:ext cx="5486399" cy="7315200"/>
-            </a:xfrm>
-            <a:prstGeom prst="rect">
-              <a:avLst/>
-            </a:prstGeom>
-            <a:solidFill>
-              <a:srgbClr val="FFFFFF">
-                <a:alpha val="100000"/>
-              </a:srgbClr>
-            </a:solidFill>
-            <a:ln w="13550" cap="rnd">
-              <a:solidFill>
-                <a:srgbClr val="FFFFFF">
-                  <a:alpha val="100000"/>
-                </a:srgbClr>
-              </a:solidFill>
-              <a:prstDash val="solid"/>
-              <a:round/>
-            </a:ln>
-          </p:spPr>
-          <p:txBody>
-            <a:bodyPr/>
-            <a:lstStyle/>
-            <a:p/>
-          </p:txBody>
-        </p:sp>
-        <p:sp>
-          <p:nvSpPr>
-            <p:cNvPr id="5" name="rc5"/>
-            <p:cNvSpPr/>
-            <p:nvPr/>
-          </p:nvSpPr>
-          <p:spPr>
-            <a:xfrm>
-              <a:off x="5905303" y="2535928"/>
-              <a:ext cx="4312107" cy="5194865"/>
-            </a:xfrm>
-            <a:prstGeom prst="rect">
-              <a:avLst/>
-            </a:prstGeom>
-            <a:solidFill>
-              <a:srgbClr val="FFFFFF">
-                <a:alpha val="100000"/>
-              </a:srgbClr>
-            </a:solidFill>
-          </p:spPr>
-          <p:txBody>
-            <a:bodyPr/>
-            <a:lstStyle/>
-            <a:p/>
-          </p:txBody>
-        </p:sp>
-        <p:sp>
-          <p:nvSpPr>
-            <p:cNvPr id="6" name="pl6"/>
-            <p:cNvSpPr/>
-            <p:nvPr/>
-          </p:nvSpPr>
-          <p:spPr>
-            <a:xfrm>
-              <a:off x="6101308" y="2772058"/>
-              <a:ext cx="3920097" cy="4722605"/>
-            </a:xfrm>
-            <a:custGeom>
-              <a:avLst/>
-              <a:pathLst>
-                <a:path w="3920097" h="4722605">
-                  <a:moveTo>
-                    <a:pt x="0" y="4722605"/>
-                  </a:moveTo>
-                  <a:lnTo>
-                    <a:pt x="163337" y="4474047"/>
-                  </a:lnTo>
-                  <a:lnTo>
-                    <a:pt x="326674" y="2485581"/>
-                  </a:lnTo>
-                  <a:lnTo>
-                    <a:pt x="490012" y="4474047"/>
-                  </a:lnTo>
-                  <a:lnTo>
-                    <a:pt x="653349" y="4225489"/>
-                  </a:lnTo>
-                  <a:lnTo>
-                    <a:pt x="816686" y="3728372"/>
-                  </a:lnTo>
-                  <a:lnTo>
-                    <a:pt x="980024" y="3479814"/>
-                  </a:lnTo>
-                  <a:lnTo>
-                    <a:pt x="1143361" y="994232"/>
-                  </a:lnTo>
-                  <a:lnTo>
-                    <a:pt x="1306699" y="497116"/>
-                  </a:lnTo>
-                  <a:lnTo>
-                    <a:pt x="1470036" y="0"/>
-                  </a:lnTo>
-                  <a:lnTo>
-                    <a:pt x="1633373" y="0"/>
-                  </a:lnTo>
-                  <a:lnTo>
-                    <a:pt x="1796711" y="0"/>
-                  </a:lnTo>
-                  <a:lnTo>
-                    <a:pt x="1960048" y="0"/>
-                  </a:lnTo>
-                  <a:lnTo>
-                    <a:pt x="2123386" y="0"/>
-                  </a:lnTo>
-                  <a:lnTo>
-                    <a:pt x="2286723" y="0"/>
-                  </a:lnTo>
-                  <a:lnTo>
-                    <a:pt x="2450060" y="0"/>
-                  </a:lnTo>
-                  <a:lnTo>
-                    <a:pt x="2613398" y="0"/>
-                  </a:lnTo>
-                  <a:lnTo>
-                    <a:pt x="2776735" y="0"/>
-                  </a:lnTo>
-                  <a:lnTo>
-                    <a:pt x="2940073" y="0"/>
-                  </a:lnTo>
-                  <a:lnTo>
-                    <a:pt x="3103410" y="0"/>
-                  </a:lnTo>
-                  <a:lnTo>
-                    <a:pt x="3266747" y="0"/>
-                  </a:lnTo>
-                  <a:lnTo>
-                    <a:pt x="3430085" y="0"/>
-                  </a:lnTo>
-                  <a:lnTo>
-                    <a:pt x="3593422" y="0"/>
-                  </a:lnTo>
-                  <a:lnTo>
-                    <a:pt x="3756759" y="0"/>
-                  </a:lnTo>
-                  <a:lnTo>
-                    <a:pt x="3920097" y="0"/>
-                  </a:lnTo>
-                </a:path>
-              </a:pathLst>
-            </a:custGeom>
-            <a:ln w="40651" cap="flat">
-              <a:solidFill>
-                <a:srgbClr val="00008B">
-                  <a:alpha val="100000"/>
-                </a:srgbClr>
-              </a:solidFill>
-              <a:prstDash val="solid"/>
-              <a:round/>
-            </a:ln>
-          </p:spPr>
-          <p:txBody>
-            <a:bodyPr/>
-            <a:lstStyle/>
-            <a:p/>
-          </p:txBody>
-        </p:sp>
-        <p:sp>
-          <p:nvSpPr>
-            <p:cNvPr id="7" name="pl7"/>
-            <p:cNvSpPr/>
-            <p:nvPr/>
-          </p:nvSpPr>
-          <p:spPr>
-            <a:xfrm>
-              <a:off x="5905303" y="2535928"/>
-              <a:ext cx="0" cy="5194865"/>
-            </a:xfrm>
-            <a:custGeom>
-              <a:avLst/>
-              <a:pathLst>
-                <a:path w="0" h="5194865">
-                  <a:moveTo>
-                    <a:pt x="0" y="5194865"/>
-                  </a:moveTo>
-                  <a:lnTo>
-                    <a:pt x="0" y="0"/>
-                  </a:lnTo>
-                </a:path>
-              </a:pathLst>
-            </a:custGeom>
-            <a:ln w="27101" cap="flat">
-              <a:solidFill>
-                <a:srgbClr val="000000">
-                  <a:alpha val="100000"/>
-                </a:srgbClr>
-              </a:solidFill>
-              <a:prstDash val="solid"/>
-              <a:round/>
-            </a:ln>
-          </p:spPr>
-          <p:txBody>
-            <a:bodyPr/>
-            <a:lstStyle/>
-            <a:p/>
-          </p:txBody>
-        </p:sp>
-        <p:sp>
-          <p:nvSpPr>
-            <p:cNvPr id="8" name="tx8"/>
-            <p:cNvSpPr/>
-            <p:nvPr/>
-          </p:nvSpPr>
-          <p:spPr>
-            <a:xfrm>
-              <a:off x="5466437" y="6687463"/>
-              <a:ext cx="339030" cy="222944"/>
-            </a:xfrm>
-            <a:prstGeom prst="rect">
-              <a:avLst/>
-            </a:prstGeom>
-            <a:noFill/>
-          </p:spPr>
-          <p:txBody>
-            <a:bodyPr lIns="0" rIns="0" tIns="0" bIns="0" anchorCtr="1" anchor="ctr" wrap="none"/>
-            <a:lstStyle/>
-            <a:p>
-              <a:pPr algn="l" marL="0" marR="0" indent="0">
-                <a:lnSpc>
-                  <a:spcPts val="2400"/>
-                </a:lnSpc>
-                <a:spcBef>
-                  <a:spcPts val="0"/>
-                </a:spcBef>
-                <a:spcAft>
-                  <a:spcPts val="0"/>
-                </a:spcAft>
-              </a:pPr>
-              <a:r>
-                <a:rPr sz="2400">
-                  <a:solidFill>
-                    <a:srgbClr val="000000">
-                      <a:alpha val="100000"/>
-                    </a:srgbClr>
-                  </a:solidFill>
-                  <a:latin typeface="Arial"/>
-                  <a:cs typeface="Arial"/>
-                </a:rPr>
-                <a:t>30</a:t>
-              </a:r>
-            </a:p>
-          </p:txBody>
-        </p:sp>
-        <p:sp>
-          <p:nvSpPr>
-            <p:cNvPr id="9" name="tx9"/>
-            <p:cNvSpPr/>
-            <p:nvPr/>
-          </p:nvSpPr>
-          <p:spPr>
-            <a:xfrm>
-              <a:off x="5466437" y="5379411"/>
-              <a:ext cx="339030" cy="222795"/>
-            </a:xfrm>
-            <a:prstGeom prst="rect">
-              <a:avLst/>
-            </a:prstGeom>
-            <a:noFill/>
-          </p:spPr>
-          <p:txBody>
-            <a:bodyPr lIns="0" rIns="0" tIns="0" bIns="0" anchorCtr="1" anchor="ctr" wrap="none"/>
-            <a:lstStyle/>
-            <a:p>
-              <a:pPr algn="l" marL="0" marR="0" indent="0">
-                <a:lnSpc>
-                  <a:spcPts val="2400"/>
-                </a:lnSpc>
-                <a:spcBef>
-                  <a:spcPts val="0"/>
-                </a:spcBef>
-                <a:spcAft>
-                  <a:spcPts val="0"/>
-                </a:spcAft>
-              </a:pPr>
-              <a:r>
-                <a:rPr sz="2400">
-                  <a:solidFill>
-                    <a:srgbClr val="000000">
-                      <a:alpha val="100000"/>
-                    </a:srgbClr>
-                  </a:solidFill>
-                  <a:latin typeface="Arial"/>
-                  <a:cs typeface="Arial"/>
-                </a:rPr>
-                <a:t>40</a:t>
-              </a:r>
-            </a:p>
-          </p:txBody>
-        </p:sp>
-        <p:sp>
-          <p:nvSpPr>
-            <p:cNvPr id="10" name="tx10"/>
-            <p:cNvSpPr/>
-            <p:nvPr/>
-          </p:nvSpPr>
-          <p:spPr>
-            <a:xfrm>
-              <a:off x="5466437" y="4071210"/>
-              <a:ext cx="339030" cy="222795"/>
-            </a:xfrm>
-            <a:prstGeom prst="rect">
-              <a:avLst/>
-            </a:prstGeom>
-            <a:noFill/>
-          </p:spPr>
-          <p:txBody>
-            <a:bodyPr lIns="0" rIns="0" tIns="0" bIns="0" anchorCtr="1" anchor="ctr" wrap="none"/>
-            <a:lstStyle/>
-            <a:p>
-              <a:pPr algn="l" marL="0" marR="0" indent="0">
-                <a:lnSpc>
-                  <a:spcPts val="2400"/>
-                </a:lnSpc>
-                <a:spcBef>
-                  <a:spcPts val="0"/>
-                </a:spcBef>
-                <a:spcAft>
-                  <a:spcPts val="0"/>
-                </a:spcAft>
-              </a:pPr>
-              <a:r>
-                <a:rPr sz="2400">
-                  <a:solidFill>
-                    <a:srgbClr val="000000">
-                      <a:alpha val="100000"/>
-                    </a:srgbClr>
-                  </a:solidFill>
-                  <a:latin typeface="Arial"/>
-                  <a:cs typeface="Arial"/>
-                </a:rPr>
-                <a:t>50</a:t>
-              </a:r>
-            </a:p>
-          </p:txBody>
-        </p:sp>
-        <p:sp>
-          <p:nvSpPr>
-            <p:cNvPr id="11" name="tx11"/>
-            <p:cNvSpPr/>
-            <p:nvPr/>
-          </p:nvSpPr>
-          <p:spPr>
-            <a:xfrm>
-              <a:off x="5466437" y="2763009"/>
-              <a:ext cx="339030" cy="222795"/>
-            </a:xfrm>
-            <a:prstGeom prst="rect">
-              <a:avLst/>
-            </a:prstGeom>
-            <a:noFill/>
-          </p:spPr>
-          <p:txBody>
-            <a:bodyPr lIns="0" rIns="0" tIns="0" bIns="0" anchorCtr="1" anchor="ctr" wrap="none"/>
-            <a:lstStyle/>
-            <a:p>
-              <a:pPr algn="l" marL="0" marR="0" indent="0">
-                <a:lnSpc>
-                  <a:spcPts val="2400"/>
-                </a:lnSpc>
-                <a:spcBef>
-                  <a:spcPts val="0"/>
-                </a:spcBef>
-                <a:spcAft>
-                  <a:spcPts val="0"/>
-                </a:spcAft>
-              </a:pPr>
-              <a:r>
-                <a:rPr sz="2400">
-                  <a:solidFill>
-                    <a:srgbClr val="000000">
-                      <a:alpha val="100000"/>
-                    </a:srgbClr>
-                  </a:solidFill>
-                  <a:latin typeface="Arial"/>
-                  <a:cs typeface="Arial"/>
-                </a:rPr>
-                <a:t>60</a:t>
-              </a:r>
-            </a:p>
-          </p:txBody>
-        </p:sp>
-        <p:sp>
-          <p:nvSpPr>
-            <p:cNvPr id="12" name="pl12"/>
-            <p:cNvSpPr/>
-            <p:nvPr/>
-          </p:nvSpPr>
-          <p:spPr>
-            <a:xfrm>
-              <a:off x="5833303" y="6801317"/>
-              <a:ext cx="72000" cy="0"/>
-            </a:xfrm>
-            <a:custGeom>
-              <a:avLst/>
-              <a:pathLst>
-                <a:path w="72000" h="0">
-                  <a:moveTo>
-                    <a:pt x="0" y="0"/>
-                  </a:moveTo>
-                  <a:lnTo>
-                    <a:pt x="72000" y="0"/>
-                  </a:lnTo>
-                </a:path>
-              </a:pathLst>
-            </a:custGeom>
-            <a:ln w="27101" cap="flat">
-              <a:solidFill>
-                <a:srgbClr val="333333">
-                  <a:alpha val="100000"/>
-                </a:srgbClr>
-              </a:solidFill>
-              <a:prstDash val="solid"/>
-              <a:round/>
-            </a:ln>
-          </p:spPr>
-          <p:txBody>
-            <a:bodyPr/>
-            <a:lstStyle/>
-            <a:p/>
-          </p:txBody>
-        </p:sp>
-        <p:sp>
-          <p:nvSpPr>
-            <p:cNvPr id="13" name="pl13"/>
-            <p:cNvSpPr/>
-            <p:nvPr/>
-          </p:nvSpPr>
-          <p:spPr>
-            <a:xfrm>
-              <a:off x="5833303" y="5493116"/>
-              <a:ext cx="72000" cy="0"/>
-            </a:xfrm>
-            <a:custGeom>
-              <a:avLst/>
-              <a:pathLst>
-                <a:path w="72000" h="0">
-                  <a:moveTo>
-                    <a:pt x="0" y="0"/>
-                  </a:moveTo>
-                  <a:lnTo>
-                    <a:pt x="72000" y="0"/>
-                  </a:lnTo>
-                </a:path>
-              </a:pathLst>
-            </a:custGeom>
-            <a:ln w="27101" cap="flat">
-              <a:solidFill>
-                <a:srgbClr val="333333">
-                  <a:alpha val="100000"/>
-                </a:srgbClr>
-              </a:solidFill>
-              <a:prstDash val="solid"/>
-              <a:round/>
-            </a:ln>
-          </p:spPr>
-          <p:txBody>
-            <a:bodyPr/>
-            <a:lstStyle/>
-            <a:p/>
-          </p:txBody>
-        </p:sp>
-        <p:sp>
-          <p:nvSpPr>
-            <p:cNvPr id="14" name="pl14"/>
-            <p:cNvSpPr/>
-            <p:nvPr/>
-          </p:nvSpPr>
-          <p:spPr>
-            <a:xfrm>
-              <a:off x="5833303" y="4184915"/>
-              <a:ext cx="72000" cy="0"/>
-            </a:xfrm>
-            <a:custGeom>
-              <a:avLst/>
-              <a:pathLst>
-                <a:path w="72000" h="0">
-                  <a:moveTo>
-                    <a:pt x="0" y="0"/>
-                  </a:moveTo>
-                  <a:lnTo>
-                    <a:pt x="72000" y="0"/>
-                  </a:lnTo>
-                </a:path>
-              </a:pathLst>
-            </a:custGeom>
-            <a:ln w="27101" cap="flat">
-              <a:solidFill>
-                <a:srgbClr val="333333">
-                  <a:alpha val="100000"/>
-                </a:srgbClr>
-              </a:solidFill>
-              <a:prstDash val="solid"/>
-              <a:round/>
-            </a:ln>
-          </p:spPr>
-          <p:txBody>
-            <a:bodyPr/>
-            <a:lstStyle/>
-            <a:p/>
-          </p:txBody>
-        </p:sp>
-        <p:sp>
-          <p:nvSpPr>
-            <p:cNvPr id="15" name="pl15"/>
-            <p:cNvSpPr/>
-            <p:nvPr/>
-          </p:nvSpPr>
-          <p:spPr>
-            <a:xfrm>
-              <a:off x="5833303" y="2876714"/>
-              <a:ext cx="72000" cy="0"/>
-            </a:xfrm>
-            <a:custGeom>
-              <a:avLst/>
-              <a:pathLst>
-                <a:path w="72000" h="0">
-                  <a:moveTo>
-                    <a:pt x="0" y="0"/>
-                  </a:moveTo>
-                  <a:lnTo>
-                    <a:pt x="72000" y="0"/>
-                  </a:lnTo>
-                </a:path>
-              </a:pathLst>
-            </a:custGeom>
-            <a:ln w="27101" cap="flat">
-              <a:solidFill>
-                <a:srgbClr val="333333">
-                  <a:alpha val="100000"/>
-                </a:srgbClr>
-              </a:solidFill>
-              <a:prstDash val="solid"/>
-              <a:round/>
-            </a:ln>
-          </p:spPr>
-          <p:txBody>
-            <a:bodyPr/>
-            <a:lstStyle/>
-            <a:p/>
-          </p:txBody>
-        </p:sp>
-        <p:sp>
-          <p:nvSpPr>
-            <p:cNvPr id="16" name="pl16"/>
-            <p:cNvSpPr/>
-            <p:nvPr/>
-          </p:nvSpPr>
-          <p:spPr>
-            <a:xfrm>
-              <a:off x="5905303" y="7730794"/>
-              <a:ext cx="4312107" cy="0"/>
-            </a:xfrm>
-            <a:custGeom>
-              <a:avLst/>
-              <a:pathLst>
-                <a:path w="4312107" h="0">
-                  <a:moveTo>
-                    <a:pt x="0" y="0"/>
-                  </a:moveTo>
-                  <a:lnTo>
-                    <a:pt x="4312107" y="0"/>
-                  </a:lnTo>
-                </a:path>
-              </a:pathLst>
-            </a:custGeom>
-            <a:ln w="27101" cap="flat">
-              <a:solidFill>
-                <a:srgbClr val="000000">
-                  <a:alpha val="100000"/>
-                </a:srgbClr>
-              </a:solidFill>
-              <a:prstDash val="solid"/>
-              <a:round/>
-            </a:ln>
-          </p:spPr>
-          <p:txBody>
-            <a:bodyPr/>
-            <a:lstStyle/>
-            <a:p/>
-          </p:txBody>
-        </p:sp>
-        <p:sp>
-          <p:nvSpPr>
-            <p:cNvPr id="17" name="pl17"/>
-            <p:cNvSpPr/>
-            <p:nvPr/>
-          </p:nvSpPr>
-          <p:spPr>
-            <a:xfrm>
-              <a:off x="6101308" y="7730794"/>
-              <a:ext cx="0" cy="72000"/>
-            </a:xfrm>
-            <a:custGeom>
-              <a:avLst/>
-              <a:pathLst>
-                <a:path w="0" h="72000">
-                  <a:moveTo>
-                    <a:pt x="0" y="72000"/>
-                  </a:moveTo>
-                  <a:lnTo>
-                    <a:pt x="0" y="0"/>
-                  </a:lnTo>
-                </a:path>
-              </a:pathLst>
-            </a:custGeom>
-            <a:ln w="27101" cap="flat">
-              <a:solidFill>
-                <a:srgbClr val="333333">
-                  <a:alpha val="100000"/>
-                </a:srgbClr>
-              </a:solidFill>
-              <a:prstDash val="solid"/>
-              <a:round/>
-            </a:ln>
-          </p:spPr>
-          <p:txBody>
-            <a:bodyPr/>
-            <a:lstStyle/>
-            <a:p/>
-          </p:txBody>
-        </p:sp>
-        <p:sp>
-          <p:nvSpPr>
-            <p:cNvPr id="18" name="pl18"/>
-            <p:cNvSpPr/>
-            <p:nvPr/>
-          </p:nvSpPr>
-          <p:spPr>
-            <a:xfrm>
-              <a:off x="6427983" y="7730794"/>
-              <a:ext cx="0" cy="72000"/>
-            </a:xfrm>
-            <a:custGeom>
-              <a:avLst/>
-              <a:pathLst>
-                <a:path w="0" h="72000">
-                  <a:moveTo>
-                    <a:pt x="0" y="72000"/>
-                  </a:moveTo>
-                  <a:lnTo>
-                    <a:pt x="0" y="0"/>
-                  </a:lnTo>
-                </a:path>
-              </a:pathLst>
-            </a:custGeom>
-            <a:ln w="27101" cap="flat">
-              <a:solidFill>
-                <a:srgbClr val="333333">
-                  <a:alpha val="100000"/>
-                </a:srgbClr>
-              </a:solidFill>
-              <a:prstDash val="solid"/>
-              <a:round/>
-            </a:ln>
-          </p:spPr>
-          <p:txBody>
-            <a:bodyPr/>
-            <a:lstStyle/>
-            <a:p/>
-          </p:txBody>
-        </p:sp>
-        <p:sp>
-          <p:nvSpPr>
-            <p:cNvPr id="19" name="pl19"/>
-            <p:cNvSpPr/>
-            <p:nvPr/>
-          </p:nvSpPr>
-          <p:spPr>
-            <a:xfrm>
-              <a:off x="6754658" y="7730794"/>
-              <a:ext cx="0" cy="72000"/>
-            </a:xfrm>
-            <a:custGeom>
-              <a:avLst/>
-              <a:pathLst>
-                <a:path w="0" h="72000">
-                  <a:moveTo>
-                    <a:pt x="0" y="72000"/>
-                  </a:moveTo>
-                  <a:lnTo>
-                    <a:pt x="0" y="0"/>
-                  </a:lnTo>
-                </a:path>
-              </a:pathLst>
-            </a:custGeom>
-            <a:ln w="27101" cap="flat">
-              <a:solidFill>
-                <a:srgbClr val="333333">
-                  <a:alpha val="100000"/>
-                </a:srgbClr>
-              </a:solidFill>
-              <a:prstDash val="solid"/>
-              <a:round/>
-            </a:ln>
-          </p:spPr>
-          <p:txBody>
-            <a:bodyPr/>
-            <a:lstStyle/>
-            <a:p/>
-          </p:txBody>
-        </p:sp>
-        <p:sp>
-          <p:nvSpPr>
-            <p:cNvPr id="20" name="pl20"/>
-            <p:cNvSpPr/>
-            <p:nvPr/>
-          </p:nvSpPr>
-          <p:spPr>
-            <a:xfrm>
-              <a:off x="7081333" y="7730794"/>
-              <a:ext cx="0" cy="72000"/>
-            </a:xfrm>
-            <a:custGeom>
-              <a:avLst/>
-              <a:pathLst>
-                <a:path w="0" h="72000">
-                  <a:moveTo>
-                    <a:pt x="0" y="72000"/>
-                  </a:moveTo>
-                  <a:lnTo>
-                    <a:pt x="0" y="0"/>
-                  </a:lnTo>
-                </a:path>
-              </a:pathLst>
-            </a:custGeom>
-            <a:ln w="27101" cap="flat">
-              <a:solidFill>
-                <a:srgbClr val="333333">
-                  <a:alpha val="100000"/>
-                </a:srgbClr>
-              </a:solidFill>
-              <a:prstDash val="solid"/>
-              <a:round/>
-            </a:ln>
-          </p:spPr>
-          <p:txBody>
-            <a:bodyPr/>
-            <a:lstStyle/>
-            <a:p/>
-          </p:txBody>
-        </p:sp>
-        <p:sp>
-          <p:nvSpPr>
-            <p:cNvPr id="21" name="pl21"/>
-            <p:cNvSpPr/>
-            <p:nvPr/>
-          </p:nvSpPr>
-          <p:spPr>
-            <a:xfrm>
-              <a:off x="7408007" y="7730794"/>
-              <a:ext cx="0" cy="72000"/>
-            </a:xfrm>
-            <a:custGeom>
-              <a:avLst/>
-              <a:pathLst>
-                <a:path w="0" h="72000">
-                  <a:moveTo>
-                    <a:pt x="0" y="72000"/>
-                  </a:moveTo>
-                  <a:lnTo>
-                    <a:pt x="0" y="0"/>
-                  </a:lnTo>
-                </a:path>
-              </a:pathLst>
-            </a:custGeom>
-            <a:ln w="27101" cap="flat">
-              <a:solidFill>
-                <a:srgbClr val="333333">
-                  <a:alpha val="100000"/>
-                </a:srgbClr>
-              </a:solidFill>
-              <a:prstDash val="solid"/>
-              <a:round/>
-            </a:ln>
-          </p:spPr>
-          <p:txBody>
-            <a:bodyPr/>
-            <a:lstStyle/>
-            <a:p/>
-          </p:txBody>
-        </p:sp>
-        <p:sp>
-          <p:nvSpPr>
-            <p:cNvPr id="22" name="pl22"/>
-            <p:cNvSpPr/>
-            <p:nvPr/>
-          </p:nvSpPr>
-          <p:spPr>
-            <a:xfrm>
-              <a:off x="7734682" y="7730794"/>
-              <a:ext cx="0" cy="72000"/>
-            </a:xfrm>
-            <a:custGeom>
-              <a:avLst/>
-              <a:pathLst>
-                <a:path w="0" h="72000">
-                  <a:moveTo>
-                    <a:pt x="0" y="72000"/>
-                  </a:moveTo>
-                  <a:lnTo>
-                    <a:pt x="0" y="0"/>
-                  </a:lnTo>
-                </a:path>
-              </a:pathLst>
-            </a:custGeom>
-            <a:ln w="27101" cap="flat">
-              <a:solidFill>
-                <a:srgbClr val="333333">
-                  <a:alpha val="100000"/>
-                </a:srgbClr>
-              </a:solidFill>
-              <a:prstDash val="solid"/>
-              <a:round/>
-            </a:ln>
-          </p:spPr>
-          <p:txBody>
-            <a:bodyPr/>
-            <a:lstStyle/>
-            <a:p/>
-          </p:txBody>
-        </p:sp>
-        <p:sp>
-          <p:nvSpPr>
-            <p:cNvPr id="23" name="pl23"/>
-            <p:cNvSpPr/>
-            <p:nvPr/>
-          </p:nvSpPr>
-          <p:spPr>
-            <a:xfrm>
-              <a:off x="8061357" y="7730794"/>
-              <a:ext cx="0" cy="72000"/>
-            </a:xfrm>
-            <a:custGeom>
-              <a:avLst/>
-              <a:pathLst>
-                <a:path w="0" h="72000">
-                  <a:moveTo>
-                    <a:pt x="0" y="72000"/>
-                  </a:moveTo>
-                  <a:lnTo>
-                    <a:pt x="0" y="0"/>
-                  </a:lnTo>
-                </a:path>
-              </a:pathLst>
-            </a:custGeom>
-            <a:ln w="27101" cap="flat">
-              <a:solidFill>
-                <a:srgbClr val="333333">
-                  <a:alpha val="100000"/>
-                </a:srgbClr>
-              </a:solidFill>
-              <a:prstDash val="solid"/>
-              <a:round/>
-            </a:ln>
-          </p:spPr>
-          <p:txBody>
-            <a:bodyPr/>
-            <a:lstStyle/>
-            <a:p/>
-          </p:txBody>
-        </p:sp>
-        <p:sp>
-          <p:nvSpPr>
-            <p:cNvPr id="24" name="pl24"/>
-            <p:cNvSpPr/>
-            <p:nvPr/>
-          </p:nvSpPr>
-          <p:spPr>
-            <a:xfrm>
-              <a:off x="8388032" y="7730794"/>
-              <a:ext cx="0" cy="72000"/>
-            </a:xfrm>
-            <a:custGeom>
-              <a:avLst/>
-              <a:pathLst>
-                <a:path w="0" h="72000">
-                  <a:moveTo>
-                    <a:pt x="0" y="72000"/>
-                  </a:moveTo>
-                  <a:lnTo>
-                    <a:pt x="0" y="0"/>
-                  </a:lnTo>
-                </a:path>
-              </a:pathLst>
-            </a:custGeom>
-            <a:ln w="27101" cap="flat">
-              <a:solidFill>
-                <a:srgbClr val="333333">
-                  <a:alpha val="100000"/>
-                </a:srgbClr>
-              </a:solidFill>
-              <a:prstDash val="solid"/>
-              <a:round/>
-            </a:ln>
-          </p:spPr>
-          <p:txBody>
-            <a:bodyPr/>
-            <a:lstStyle/>
-            <a:p/>
-          </p:txBody>
-        </p:sp>
-        <p:sp>
-          <p:nvSpPr>
-            <p:cNvPr id="25" name="pl25"/>
-            <p:cNvSpPr/>
-            <p:nvPr/>
-          </p:nvSpPr>
-          <p:spPr>
-            <a:xfrm>
-              <a:off x="8714706" y="7730794"/>
-              <a:ext cx="0" cy="72000"/>
-            </a:xfrm>
-            <a:custGeom>
-              <a:avLst/>
-              <a:pathLst>
-                <a:path w="0" h="72000">
-                  <a:moveTo>
-                    <a:pt x="0" y="72000"/>
-                  </a:moveTo>
-                  <a:lnTo>
-                    <a:pt x="0" y="0"/>
-                  </a:lnTo>
-                </a:path>
-              </a:pathLst>
-            </a:custGeom>
-            <a:ln w="27101" cap="flat">
-              <a:solidFill>
-                <a:srgbClr val="333333">
-                  <a:alpha val="100000"/>
-                </a:srgbClr>
-              </a:solidFill>
-              <a:prstDash val="solid"/>
-              <a:round/>
-            </a:ln>
-          </p:spPr>
-          <p:txBody>
-            <a:bodyPr/>
-            <a:lstStyle/>
-            <a:p/>
-          </p:txBody>
-        </p:sp>
-        <p:sp>
-          <p:nvSpPr>
-            <p:cNvPr id="26" name="pl26"/>
-            <p:cNvSpPr/>
-            <p:nvPr/>
-          </p:nvSpPr>
-          <p:spPr>
-            <a:xfrm>
-              <a:off x="9041381" y="7730794"/>
-              <a:ext cx="0" cy="72000"/>
-            </a:xfrm>
-            <a:custGeom>
-              <a:avLst/>
-              <a:pathLst>
-                <a:path w="0" h="72000">
-                  <a:moveTo>
-                    <a:pt x="0" y="72000"/>
-                  </a:moveTo>
-                  <a:lnTo>
-                    <a:pt x="0" y="0"/>
-                  </a:lnTo>
-                </a:path>
-              </a:pathLst>
-            </a:custGeom>
-            <a:ln w="27101" cap="flat">
-              <a:solidFill>
-                <a:srgbClr val="333333">
-                  <a:alpha val="100000"/>
-                </a:srgbClr>
-              </a:solidFill>
-              <a:prstDash val="solid"/>
-              <a:round/>
-            </a:ln>
-          </p:spPr>
-          <p:txBody>
-            <a:bodyPr/>
-            <a:lstStyle/>
-            <a:p/>
-          </p:txBody>
-        </p:sp>
-        <p:sp>
-          <p:nvSpPr>
-            <p:cNvPr id="27" name="pl27"/>
-            <p:cNvSpPr/>
-            <p:nvPr/>
-          </p:nvSpPr>
-          <p:spPr>
-            <a:xfrm>
-              <a:off x="9368056" y="7730794"/>
-              <a:ext cx="0" cy="72000"/>
-            </a:xfrm>
-            <a:custGeom>
-              <a:avLst/>
-              <a:pathLst>
-                <a:path w="0" h="72000">
-                  <a:moveTo>
-                    <a:pt x="0" y="72000"/>
-                  </a:moveTo>
-                  <a:lnTo>
-                    <a:pt x="0" y="0"/>
-                  </a:lnTo>
-                </a:path>
-              </a:pathLst>
-            </a:custGeom>
-            <a:ln w="27101" cap="flat">
-              <a:solidFill>
-                <a:srgbClr val="333333">
-                  <a:alpha val="100000"/>
-                </a:srgbClr>
-              </a:solidFill>
-              <a:prstDash val="solid"/>
-              <a:round/>
-            </a:ln>
-          </p:spPr>
-          <p:txBody>
-            <a:bodyPr/>
-            <a:lstStyle/>
-            <a:p/>
-          </p:txBody>
-        </p:sp>
-        <p:sp>
-          <p:nvSpPr>
-            <p:cNvPr id="28" name="pl28"/>
-            <p:cNvSpPr/>
-            <p:nvPr/>
-          </p:nvSpPr>
-          <p:spPr>
-            <a:xfrm>
-              <a:off x="9694731" y="7730794"/>
-              <a:ext cx="0" cy="72000"/>
-            </a:xfrm>
-            <a:custGeom>
-              <a:avLst/>
-              <a:pathLst>
-                <a:path w="0" h="72000">
-                  <a:moveTo>
-                    <a:pt x="0" y="72000"/>
-                  </a:moveTo>
-                  <a:lnTo>
-                    <a:pt x="0" y="0"/>
-                  </a:lnTo>
-                </a:path>
-              </a:pathLst>
-            </a:custGeom>
-            <a:ln w="27101" cap="flat">
-              <a:solidFill>
-                <a:srgbClr val="333333">
-                  <a:alpha val="100000"/>
-                </a:srgbClr>
-              </a:solidFill>
-              <a:prstDash val="solid"/>
-              <a:round/>
-            </a:ln>
-          </p:spPr>
-          <p:txBody>
-            <a:bodyPr/>
-            <a:lstStyle/>
-            <a:p/>
-          </p:txBody>
-        </p:sp>
-        <p:sp>
-          <p:nvSpPr>
-            <p:cNvPr id="29" name="pl29"/>
-            <p:cNvSpPr/>
-            <p:nvPr/>
-          </p:nvSpPr>
-          <p:spPr>
-            <a:xfrm>
-              <a:off x="10021406" y="7730794"/>
-              <a:ext cx="0" cy="72000"/>
-            </a:xfrm>
-            <a:custGeom>
-              <a:avLst/>
-              <a:pathLst>
-                <a:path w="0" h="72000">
-                  <a:moveTo>
-                    <a:pt x="0" y="72000"/>
-                  </a:moveTo>
-                  <a:lnTo>
-                    <a:pt x="0" y="0"/>
-                  </a:lnTo>
-                </a:path>
-              </a:pathLst>
-            </a:custGeom>
-            <a:ln w="27101" cap="flat">
-              <a:solidFill>
-                <a:srgbClr val="333333">
-                  <a:alpha val="100000"/>
-                </a:srgbClr>
-              </a:solidFill>
-              <a:prstDash val="solid"/>
-              <a:round/>
-            </a:ln>
-          </p:spPr>
-          <p:txBody>
-            <a:bodyPr/>
-            <a:lstStyle/>
-            <a:p/>
-          </p:txBody>
-        </p:sp>
-        <p:sp>
-          <p:nvSpPr>
-            <p:cNvPr id="30" name="tx30"/>
-            <p:cNvSpPr/>
-            <p:nvPr/>
-          </p:nvSpPr>
-          <p:spPr>
-            <a:xfrm rot="-3600000">
-              <a:off x="6024271" y="7772624"/>
-              <a:ext cx="339030" cy="222795"/>
-            </a:xfrm>
-            <a:prstGeom prst="rect">
-              <a:avLst/>
-            </a:prstGeom>
-            <a:noFill/>
-          </p:spPr>
-          <p:txBody>
-            <a:bodyPr lIns="0" rIns="0" tIns="0" bIns="0" anchorCtr="1" anchor="ctr" wrap="none"/>
-            <a:lstStyle/>
-            <a:p>
-              <a:pPr algn="l" marL="0" marR="0" indent="0">
-                <a:lnSpc>
-                  <a:spcPts val="2400"/>
-                </a:lnSpc>
-                <a:spcBef>
-                  <a:spcPts val="0"/>
-                </a:spcBef>
-                <a:spcAft>
-                  <a:spcPts val="0"/>
-                </a:spcAft>
-              </a:pPr>
-              <a:r>
-                <a:rPr sz="2400">
-                  <a:solidFill>
-                    <a:srgbClr val="000000">
-                      <a:alpha val="100000"/>
-                    </a:srgbClr>
-                  </a:solidFill>
-                  <a:latin typeface="Arial"/>
-                  <a:cs typeface="Arial"/>
-                </a:rPr>
-                <a:t>10</a:t>
-              </a:r>
-            </a:p>
-          </p:txBody>
-        </p:sp>
-        <p:sp>
-          <p:nvSpPr>
-            <p:cNvPr id="31" name="tx31"/>
-            <p:cNvSpPr/>
-            <p:nvPr/>
-          </p:nvSpPr>
-          <p:spPr>
-            <a:xfrm rot="-3600000">
-              <a:off x="6350946" y="7772624"/>
-              <a:ext cx="339030" cy="222795"/>
-            </a:xfrm>
-            <a:prstGeom prst="rect">
-              <a:avLst/>
-            </a:prstGeom>
-            <a:noFill/>
-          </p:spPr>
-          <p:txBody>
-            <a:bodyPr lIns="0" rIns="0" tIns="0" bIns="0" anchorCtr="1" anchor="ctr" wrap="none"/>
-            <a:lstStyle/>
-            <a:p>
-              <a:pPr algn="l" marL="0" marR="0" indent="0">
-                <a:lnSpc>
-                  <a:spcPts val="2400"/>
-                </a:lnSpc>
-                <a:spcBef>
-                  <a:spcPts val="0"/>
-                </a:spcBef>
-                <a:spcAft>
-                  <a:spcPts val="0"/>
-                </a:spcAft>
-              </a:pPr>
-              <a:r>
-                <a:rPr sz="2400">
-                  <a:solidFill>
-                    <a:srgbClr val="000000">
-                      <a:alpha val="100000"/>
-                    </a:srgbClr>
-                  </a:solidFill>
-                  <a:latin typeface="Arial"/>
-                  <a:cs typeface="Arial"/>
-                </a:rPr>
-                <a:t>20</a:t>
-              </a:r>
-            </a:p>
-          </p:txBody>
-        </p:sp>
-        <p:sp>
-          <p:nvSpPr>
-            <p:cNvPr id="32" name="tx32"/>
-            <p:cNvSpPr/>
-            <p:nvPr/>
-          </p:nvSpPr>
-          <p:spPr>
-            <a:xfrm rot="-3600000">
-              <a:off x="6677556" y="7772512"/>
-              <a:ext cx="339030" cy="222944"/>
-            </a:xfrm>
-            <a:prstGeom prst="rect">
-              <a:avLst/>
-            </a:prstGeom>
-            <a:noFill/>
-          </p:spPr>
-          <p:txBody>
-            <a:bodyPr lIns="0" rIns="0" tIns="0" bIns="0" anchorCtr="1" anchor="ctr" wrap="none"/>
-            <a:lstStyle/>
-            <a:p>
-              <a:pPr algn="l" marL="0" marR="0" indent="0">
-                <a:lnSpc>
-                  <a:spcPts val="2400"/>
-                </a:lnSpc>
-                <a:spcBef>
-                  <a:spcPts val="0"/>
-                </a:spcBef>
-                <a:spcAft>
-                  <a:spcPts val="0"/>
-                </a:spcAft>
-              </a:pPr>
-              <a:r>
-                <a:rPr sz="2400">
-                  <a:solidFill>
-                    <a:srgbClr val="000000">
-                      <a:alpha val="100000"/>
-                    </a:srgbClr>
-                  </a:solidFill>
-                  <a:latin typeface="Arial"/>
-                  <a:cs typeface="Arial"/>
-                </a:rPr>
-                <a:t>30</a:t>
-              </a:r>
-            </a:p>
-          </p:txBody>
-        </p:sp>
-        <p:sp>
-          <p:nvSpPr>
-            <p:cNvPr id="33" name="tx33"/>
-            <p:cNvSpPr/>
-            <p:nvPr/>
-          </p:nvSpPr>
-          <p:spPr>
-            <a:xfrm rot="-3600000">
-              <a:off x="7004295" y="7772624"/>
-              <a:ext cx="339030" cy="222795"/>
-            </a:xfrm>
-            <a:prstGeom prst="rect">
-              <a:avLst/>
-            </a:prstGeom>
-            <a:noFill/>
-          </p:spPr>
-          <p:txBody>
-            <a:bodyPr lIns="0" rIns="0" tIns="0" bIns="0" anchorCtr="1" anchor="ctr" wrap="none"/>
-            <a:lstStyle/>
-            <a:p>
-              <a:pPr algn="l" marL="0" marR="0" indent="0">
-                <a:lnSpc>
-                  <a:spcPts val="2400"/>
-                </a:lnSpc>
-                <a:spcBef>
-                  <a:spcPts val="0"/>
-                </a:spcBef>
-                <a:spcAft>
-                  <a:spcPts val="0"/>
-                </a:spcAft>
-              </a:pPr>
-              <a:r>
-                <a:rPr sz="2400">
-                  <a:solidFill>
-                    <a:srgbClr val="000000">
-                      <a:alpha val="100000"/>
-                    </a:srgbClr>
-                  </a:solidFill>
-                  <a:latin typeface="Arial"/>
-                  <a:cs typeface="Arial"/>
-                </a:rPr>
-                <a:t>40</a:t>
-              </a:r>
-            </a:p>
-          </p:txBody>
-        </p:sp>
-        <p:sp>
-          <p:nvSpPr>
-            <p:cNvPr id="34" name="tx34"/>
-            <p:cNvSpPr/>
-            <p:nvPr/>
-          </p:nvSpPr>
-          <p:spPr>
-            <a:xfrm rot="-3600000">
-              <a:off x="7330970" y="7772624"/>
-              <a:ext cx="339030" cy="222795"/>
-            </a:xfrm>
-            <a:prstGeom prst="rect">
-              <a:avLst/>
-            </a:prstGeom>
-            <a:noFill/>
-          </p:spPr>
-          <p:txBody>
-            <a:bodyPr lIns="0" rIns="0" tIns="0" bIns="0" anchorCtr="1" anchor="ctr" wrap="none"/>
-            <a:lstStyle/>
-            <a:p>
-              <a:pPr algn="l" marL="0" marR="0" indent="0">
-                <a:lnSpc>
-                  <a:spcPts val="2400"/>
-                </a:lnSpc>
-                <a:spcBef>
-                  <a:spcPts val="0"/>
-                </a:spcBef>
-                <a:spcAft>
-                  <a:spcPts val="0"/>
-                </a:spcAft>
-              </a:pPr>
-              <a:r>
-                <a:rPr sz="2400">
-                  <a:solidFill>
-                    <a:srgbClr val="000000">
-                      <a:alpha val="100000"/>
-                    </a:srgbClr>
-                  </a:solidFill>
-                  <a:latin typeface="Arial"/>
-                  <a:cs typeface="Arial"/>
-                </a:rPr>
-                <a:t>50</a:t>
-              </a:r>
-            </a:p>
-          </p:txBody>
-        </p:sp>
-        <p:sp>
-          <p:nvSpPr>
-            <p:cNvPr id="35" name="tx35"/>
-            <p:cNvSpPr/>
-            <p:nvPr/>
-          </p:nvSpPr>
-          <p:spPr>
-            <a:xfrm rot="-3600000">
-              <a:off x="7657645" y="7772624"/>
-              <a:ext cx="339030" cy="222795"/>
-            </a:xfrm>
-            <a:prstGeom prst="rect">
-              <a:avLst/>
-            </a:prstGeom>
-            <a:noFill/>
-          </p:spPr>
-          <p:txBody>
-            <a:bodyPr lIns="0" rIns="0" tIns="0" bIns="0" anchorCtr="1" anchor="ctr" wrap="none"/>
-            <a:lstStyle/>
-            <a:p>
-              <a:pPr algn="l" marL="0" marR="0" indent="0">
-                <a:lnSpc>
-                  <a:spcPts val="2400"/>
-                </a:lnSpc>
-                <a:spcBef>
-                  <a:spcPts val="0"/>
-                </a:spcBef>
-                <a:spcAft>
-                  <a:spcPts val="0"/>
-                </a:spcAft>
-              </a:pPr>
-              <a:r>
-                <a:rPr sz="2400">
-                  <a:solidFill>
-                    <a:srgbClr val="000000">
-                      <a:alpha val="100000"/>
-                    </a:srgbClr>
-                  </a:solidFill>
-                  <a:latin typeface="Arial"/>
-                  <a:cs typeface="Arial"/>
-                </a:rPr>
-                <a:t>60</a:t>
-              </a:r>
-            </a:p>
-          </p:txBody>
-        </p:sp>
-        <p:sp>
-          <p:nvSpPr>
-            <p:cNvPr id="36" name="tx36"/>
-            <p:cNvSpPr/>
-            <p:nvPr/>
-          </p:nvSpPr>
-          <p:spPr>
-            <a:xfrm rot="-3600000">
-              <a:off x="7984319" y="7772624"/>
-              <a:ext cx="339030" cy="222795"/>
-            </a:xfrm>
-            <a:prstGeom prst="rect">
-              <a:avLst/>
-            </a:prstGeom>
-            <a:noFill/>
-          </p:spPr>
-          <p:txBody>
-            <a:bodyPr lIns="0" rIns="0" tIns="0" bIns="0" anchorCtr="1" anchor="ctr" wrap="none"/>
-            <a:lstStyle/>
-            <a:p>
-              <a:pPr algn="l" marL="0" marR="0" indent="0">
-                <a:lnSpc>
-                  <a:spcPts val="2400"/>
-                </a:lnSpc>
-                <a:spcBef>
-                  <a:spcPts val="0"/>
-                </a:spcBef>
-                <a:spcAft>
-                  <a:spcPts val="0"/>
-                </a:spcAft>
-              </a:pPr>
-              <a:r>
-                <a:rPr sz="2400">
-                  <a:solidFill>
-                    <a:srgbClr val="000000">
-                      <a:alpha val="100000"/>
-                    </a:srgbClr>
-                  </a:solidFill>
-                  <a:latin typeface="Arial"/>
-                  <a:cs typeface="Arial"/>
-                </a:rPr>
-                <a:t>70</a:t>
-              </a:r>
-            </a:p>
-          </p:txBody>
-        </p:sp>
-        <p:sp>
-          <p:nvSpPr>
-            <p:cNvPr id="37" name="tx37"/>
-            <p:cNvSpPr/>
-            <p:nvPr/>
-          </p:nvSpPr>
-          <p:spPr>
-            <a:xfrm rot="-3600000">
-              <a:off x="8310994" y="7772624"/>
-              <a:ext cx="339030" cy="222795"/>
-            </a:xfrm>
-            <a:prstGeom prst="rect">
-              <a:avLst/>
-            </a:prstGeom>
-            <a:noFill/>
-          </p:spPr>
-          <p:txBody>
-            <a:bodyPr lIns="0" rIns="0" tIns="0" bIns="0" anchorCtr="1" anchor="ctr" wrap="none"/>
-            <a:lstStyle/>
-            <a:p>
-              <a:pPr algn="l" marL="0" marR="0" indent="0">
-                <a:lnSpc>
-                  <a:spcPts val="2400"/>
-                </a:lnSpc>
-                <a:spcBef>
-                  <a:spcPts val="0"/>
-                </a:spcBef>
-                <a:spcAft>
-                  <a:spcPts val="0"/>
-                </a:spcAft>
-              </a:pPr>
-              <a:r>
-                <a:rPr sz="2400">
-                  <a:solidFill>
-                    <a:srgbClr val="000000">
-                      <a:alpha val="100000"/>
-                    </a:srgbClr>
-                  </a:solidFill>
-                  <a:latin typeface="Arial"/>
-                  <a:cs typeface="Arial"/>
-                </a:rPr>
-                <a:t>80</a:t>
-              </a:r>
-            </a:p>
-          </p:txBody>
-        </p:sp>
-        <p:sp>
-          <p:nvSpPr>
-            <p:cNvPr id="38" name="tx38"/>
-            <p:cNvSpPr/>
-            <p:nvPr/>
-          </p:nvSpPr>
-          <p:spPr>
-            <a:xfrm rot="-3600000">
-              <a:off x="8637669" y="7772624"/>
-              <a:ext cx="339030" cy="222795"/>
-            </a:xfrm>
-            <a:prstGeom prst="rect">
-              <a:avLst/>
-            </a:prstGeom>
-            <a:noFill/>
-          </p:spPr>
-          <p:txBody>
-            <a:bodyPr lIns="0" rIns="0" tIns="0" bIns="0" anchorCtr="1" anchor="ctr" wrap="none"/>
-            <a:lstStyle/>
-            <a:p>
-              <a:pPr algn="l" marL="0" marR="0" indent="0">
-                <a:lnSpc>
-                  <a:spcPts val="2400"/>
-                </a:lnSpc>
-                <a:spcBef>
-                  <a:spcPts val="0"/>
-                </a:spcBef>
-                <a:spcAft>
-                  <a:spcPts val="0"/>
-                </a:spcAft>
-              </a:pPr>
-              <a:r>
-                <a:rPr sz="2400">
-                  <a:solidFill>
-                    <a:srgbClr val="000000">
-                      <a:alpha val="100000"/>
-                    </a:srgbClr>
-                  </a:solidFill>
-                  <a:latin typeface="Arial"/>
-                  <a:cs typeface="Arial"/>
-                </a:rPr>
-                <a:t>90</a:t>
-              </a:r>
-            </a:p>
-          </p:txBody>
-        </p:sp>
-        <p:sp>
-          <p:nvSpPr>
-            <p:cNvPr id="39" name="tx39"/>
-            <p:cNvSpPr/>
-            <p:nvPr/>
-          </p:nvSpPr>
-          <p:spPr>
-            <a:xfrm rot="-3600000">
-              <a:off x="8879586" y="7772624"/>
-              <a:ext cx="508545" cy="222795"/>
-            </a:xfrm>
-            <a:prstGeom prst="rect">
-              <a:avLst/>
-            </a:prstGeom>
-            <a:noFill/>
-          </p:spPr>
-          <p:txBody>
-            <a:bodyPr lIns="0" rIns="0" tIns="0" bIns="0" anchorCtr="1" anchor="ctr" wrap="none"/>
-            <a:lstStyle/>
-            <a:p>
-              <a:pPr algn="l" marL="0" marR="0" indent="0">
-                <a:lnSpc>
-                  <a:spcPts val="2400"/>
-                </a:lnSpc>
-                <a:spcBef>
-                  <a:spcPts val="0"/>
-                </a:spcBef>
-                <a:spcAft>
-                  <a:spcPts val="0"/>
-                </a:spcAft>
-              </a:pPr>
-              <a:r>
-                <a:rPr sz="2400">
-                  <a:solidFill>
-                    <a:srgbClr val="000000">
-                      <a:alpha val="100000"/>
-                    </a:srgbClr>
-                  </a:solidFill>
-                  <a:latin typeface="Arial"/>
-                  <a:cs typeface="Arial"/>
-                </a:rPr>
-                <a:t>100</a:t>
-              </a:r>
-            </a:p>
-          </p:txBody>
-        </p:sp>
-        <p:sp>
-          <p:nvSpPr>
-            <p:cNvPr id="40" name="tx40"/>
-            <p:cNvSpPr/>
-            <p:nvPr/>
-          </p:nvSpPr>
-          <p:spPr>
-            <a:xfrm rot="-3600000">
-              <a:off x="9206261" y="7772624"/>
-              <a:ext cx="508545" cy="222795"/>
-            </a:xfrm>
-            <a:prstGeom prst="rect">
-              <a:avLst/>
-            </a:prstGeom>
-            <a:noFill/>
-          </p:spPr>
-          <p:txBody>
-            <a:bodyPr lIns="0" rIns="0" tIns="0" bIns="0" anchorCtr="1" anchor="ctr" wrap="none"/>
-            <a:lstStyle/>
-            <a:p>
-              <a:pPr algn="l" marL="0" marR="0" indent="0">
-                <a:lnSpc>
-                  <a:spcPts val="2400"/>
-                </a:lnSpc>
-                <a:spcBef>
-                  <a:spcPts val="0"/>
-                </a:spcBef>
-                <a:spcAft>
-                  <a:spcPts val="0"/>
-                </a:spcAft>
-              </a:pPr>
-              <a:r>
-                <a:rPr sz="2400">
-                  <a:solidFill>
-                    <a:srgbClr val="000000">
-                      <a:alpha val="100000"/>
-                    </a:srgbClr>
-                  </a:solidFill>
-                  <a:latin typeface="Arial"/>
-                  <a:cs typeface="Arial"/>
-                </a:rPr>
-                <a:t>110</a:t>
-              </a:r>
-            </a:p>
-          </p:txBody>
-        </p:sp>
-        <p:sp>
-          <p:nvSpPr>
-            <p:cNvPr id="41" name="tx41"/>
-            <p:cNvSpPr/>
-            <p:nvPr/>
-          </p:nvSpPr>
-          <p:spPr>
-            <a:xfrm rot="-3600000">
-              <a:off x="9532936" y="7772624"/>
-              <a:ext cx="508545" cy="222795"/>
-            </a:xfrm>
-            <a:prstGeom prst="rect">
-              <a:avLst/>
-            </a:prstGeom>
-            <a:noFill/>
-          </p:spPr>
-          <p:txBody>
-            <a:bodyPr lIns="0" rIns="0" tIns="0" bIns="0" anchorCtr="1" anchor="ctr" wrap="none"/>
-            <a:lstStyle/>
-            <a:p>
-              <a:pPr algn="l" marL="0" marR="0" indent="0">
-                <a:lnSpc>
-                  <a:spcPts val="2400"/>
-                </a:lnSpc>
-                <a:spcBef>
-                  <a:spcPts val="0"/>
-                </a:spcBef>
-                <a:spcAft>
-                  <a:spcPts val="0"/>
-                </a:spcAft>
-              </a:pPr>
-              <a:r>
-                <a:rPr sz="2400">
-                  <a:solidFill>
-                    <a:srgbClr val="000000">
-                      <a:alpha val="100000"/>
-                    </a:srgbClr>
-                  </a:solidFill>
-                  <a:latin typeface="Arial"/>
-                  <a:cs typeface="Arial"/>
-                </a:rPr>
-                <a:t>120</a:t>
-              </a:r>
-            </a:p>
-          </p:txBody>
-        </p:sp>
-        <p:sp>
-          <p:nvSpPr>
-            <p:cNvPr id="42" name="tx42"/>
-            <p:cNvSpPr/>
-            <p:nvPr/>
-          </p:nvSpPr>
-          <p:spPr>
-            <a:xfrm rot="-3600000">
-              <a:off x="9859546" y="7772512"/>
-              <a:ext cx="508545" cy="222944"/>
-            </a:xfrm>
-            <a:prstGeom prst="rect">
-              <a:avLst/>
-            </a:prstGeom>
-            <a:noFill/>
-          </p:spPr>
-          <p:txBody>
-            <a:bodyPr lIns="0" rIns="0" tIns="0" bIns="0" anchorCtr="1" anchor="ctr" wrap="none"/>
-            <a:lstStyle/>
-            <a:p>
-              <a:pPr algn="l" marL="0" marR="0" indent="0">
-                <a:lnSpc>
-                  <a:spcPts val="2400"/>
-                </a:lnSpc>
-                <a:spcBef>
-                  <a:spcPts val="0"/>
-                </a:spcBef>
-                <a:spcAft>
-                  <a:spcPts val="0"/>
-                </a:spcAft>
-              </a:pPr>
-              <a:r>
-                <a:rPr sz="2400">
-                  <a:solidFill>
-                    <a:srgbClr val="000000">
-                      <a:alpha val="100000"/>
-                    </a:srgbClr>
-                  </a:solidFill>
-                  <a:latin typeface="Arial"/>
-                  <a:cs typeface="Arial"/>
-                </a:rPr>
-                <a:t>130</a:t>
-              </a:r>
-            </a:p>
-          </p:txBody>
-        </p:sp>
-        <p:sp>
-          <p:nvSpPr>
-            <p:cNvPr id="43" name="tx43"/>
-            <p:cNvSpPr/>
-            <p:nvPr/>
-          </p:nvSpPr>
-          <p:spPr>
-            <a:xfrm>
-              <a:off x="6790662" y="8593894"/>
-              <a:ext cx="2541389" cy="286047"/>
-            </a:xfrm>
-            <a:prstGeom prst="rect">
-              <a:avLst/>
-            </a:prstGeom>
-            <a:noFill/>
-          </p:spPr>
-          <p:txBody>
-            <a:bodyPr lIns="0" rIns="0" tIns="0" bIns="0" anchorCtr="1" anchor="ctr" wrap="none"/>
-            <a:lstStyle/>
-            <a:p>
-              <a:pPr algn="l" marL="0" marR="0" indent="0">
-                <a:lnSpc>
-                  <a:spcPts val="2400"/>
-                </a:lnSpc>
-                <a:spcBef>
-                  <a:spcPts val="0"/>
-                </a:spcBef>
-                <a:spcAft>
-                  <a:spcPts val="0"/>
-                </a:spcAft>
-              </a:pPr>
-              <a:r>
-                <a:rPr sz="2400">
-                  <a:solidFill>
-                    <a:srgbClr val="000000">
-                      <a:alpha val="100000"/>
-                    </a:srgbClr>
-                  </a:solidFill>
-                  <a:latin typeface="Arial"/>
-                  <a:cs typeface="Arial"/>
-                </a:rPr>
-                <a:t>Days after planting</a:t>
-              </a:r>
-            </a:p>
-          </p:txBody>
-        </p:sp>
-        <p:sp>
-          <p:nvSpPr>
-            <p:cNvPr id="44" name="tx44"/>
-            <p:cNvSpPr/>
-            <p:nvPr/>
-          </p:nvSpPr>
-          <p:spPr>
-            <a:xfrm rot="-5400000">
-              <a:off x="3009614" y="4990337"/>
-              <a:ext cx="3878907" cy="286047"/>
-            </a:xfrm>
-            <a:prstGeom prst="rect">
-              <a:avLst/>
-            </a:prstGeom>
-            <a:noFill/>
-          </p:spPr>
-          <p:txBody>
-            <a:bodyPr lIns="0" rIns="0" tIns="0" bIns="0" anchorCtr="1" anchor="ctr" wrap="none"/>
-            <a:lstStyle/>
-            <a:p>
-              <a:pPr algn="l" marL="0" marR="0" indent="0">
-                <a:lnSpc>
-                  <a:spcPts val="2400"/>
-                </a:lnSpc>
-                <a:spcBef>
-                  <a:spcPts val="0"/>
-                </a:spcBef>
-                <a:spcAft>
-                  <a:spcPts val="0"/>
-                </a:spcAft>
-              </a:pPr>
-              <a:r>
-                <a:rPr sz="2400">
-                  <a:solidFill>
-                    <a:srgbClr val="000000">
-                      <a:alpha val="100000"/>
-                    </a:srgbClr>
-                  </a:solidFill>
-                  <a:latin typeface="Arial"/>
-                  <a:cs typeface="Arial"/>
-                </a:rPr>
-                <a:t>Maximum rooting depth (cm)</a:t>
-              </a:r>
-            </a:p>
-          </p:txBody>
-        </p:sp>
-        <p:sp>
-          <p:nvSpPr>
-            <p:cNvPr id="45" name="tx45"/>
-            <p:cNvSpPr/>
-            <p:nvPr/>
-          </p:nvSpPr>
-          <p:spPr>
-            <a:xfrm>
-              <a:off x="6609179" y="1756903"/>
-              <a:ext cx="2904356" cy="258712"/>
-            </a:xfrm>
-            <a:prstGeom prst="rect">
-              <a:avLst/>
-            </a:prstGeom>
-            <a:noFill/>
-          </p:spPr>
-          <p:txBody>
-            <a:bodyPr lIns="0" rIns="0" tIns="0" bIns="0" anchorCtr="1" anchor="ctr" wrap="none"/>
-            <a:lstStyle/>
-            <a:p>
-              <a:pPr algn="l" marL="0" marR="0" indent="0">
-                <a:lnSpc>
-                  <a:spcPts val="2800"/>
-                </a:lnSpc>
-                <a:spcBef>
-                  <a:spcPts val="0"/>
-                </a:spcBef>
-                <a:spcAft>
-                  <a:spcPts val="0"/>
-                </a:spcAft>
-              </a:pPr>
-              <a:r>
-                <a:rPr sz="2800" b="1">
-                  <a:solidFill>
-                    <a:srgbClr val="000000">
-                      <a:alpha val="100000"/>
-                    </a:srgbClr>
-                  </a:solidFill>
-                  <a:latin typeface="Arial"/>
-                  <a:cs typeface="Arial"/>
-                </a:rPr>
-                <a:t>Model estimation</a:t>
-              </a:r>
-            </a:p>
-          </p:txBody>
-        </p:sp>
-        <p:sp>
-          <p:nvSpPr>
             <p:cNvPr id="46" name="tx46"/>
             <p:cNvSpPr/>
             <p:nvPr/>
           </p:nvSpPr>
           <p:spPr>
             <a:xfrm>
-              <a:off x="8061357" y="2399664"/>
+              <a:off x="8027424" y="2399664"/>
               <a:ext cx="0" cy="0"/>
             </a:xfrm>
             <a:prstGeom prst="rect">
